--- a/AGN-Workshop.pptx
+++ b/AGN-Workshop.pptx
@@ -16,10 +16,9 @@
     <p:sldId id="284" r:id="rId10"/>
     <p:sldId id="285" r:id="rId11"/>
     <p:sldId id="286" r:id="rId12"/>
-    <p:sldId id="288" r:id="rId13"/>
-    <p:sldId id="290" r:id="rId14"/>
-    <p:sldId id="289" r:id="rId15"/>
-    <p:sldId id="287" r:id="rId16"/>
+    <p:sldId id="290" r:id="rId13"/>
+    <p:sldId id="289" r:id="rId14"/>
+    <p:sldId id="287" r:id="rId15"/>
   </p:sldIdLst>
   <p:sldSz cx="12192000" cy="6858000"/>
   <p:notesSz cx="6858000" cy="9144000"/>
@@ -138,7 +137,6 @@
             <p14:sldId id="284"/>
             <p14:sldId id="285"/>
             <p14:sldId id="286"/>
-            <p14:sldId id="288"/>
             <p14:sldId id="290"/>
             <p14:sldId id="289"/>
             <p14:sldId id="287"/>
@@ -3577,788 +3575,6 @@
 </dgm:colorsDef>
 </file>
 
-<file path=ppt/diagrams/colors13.xml><?xml version="1.0" encoding="utf-8"?>
-<dgm:colorsDef xmlns:dgm="http://schemas.openxmlformats.org/drawingml/2006/diagram" xmlns:a="http://schemas.openxmlformats.org/drawingml/2006/main" uniqueId="urn:microsoft.com/office/officeart/2005/8/colors/colorful2">
-  <dgm:title val=""/>
-  <dgm:desc val=""/>
-  <dgm:catLst>
-    <dgm:cat type="colorful" pri="10200"/>
-  </dgm:catLst>
-  <dgm:styleLbl name="node0">
-    <dgm:fillClrLst meth="repeat">
-      <a:schemeClr val="accent1"/>
-    </dgm:fillClrLst>
-    <dgm:linClrLst meth="repeat">
-      <a:schemeClr val="lt1"/>
-    </dgm:linClrLst>
-    <dgm:effectClrLst/>
-    <dgm:txLinClrLst/>
-    <dgm:txFillClrLst/>
-    <dgm:txEffectClrLst/>
-  </dgm:styleLbl>
-  <dgm:styleLbl name="node1">
-    <dgm:fillClrLst>
-      <a:schemeClr val="accent2"/>
-      <a:schemeClr val="accent3"/>
-    </dgm:fillClrLst>
-    <dgm:linClrLst meth="repeat">
-      <a:schemeClr val="lt1"/>
-    </dgm:linClrLst>
-    <dgm:effectClrLst/>
-    <dgm:txLinClrLst/>
-    <dgm:txFillClrLst/>
-    <dgm:txEffectClrLst/>
-  </dgm:styleLbl>
-  <dgm:styleLbl name="alignNode1">
-    <dgm:fillClrLst>
-      <a:schemeClr val="accent2"/>
-      <a:schemeClr val="accent3"/>
-    </dgm:fillClrLst>
-    <dgm:linClrLst>
-      <a:schemeClr val="accent2"/>
-      <a:schemeClr val="accent3"/>
-    </dgm:linClrLst>
-    <dgm:effectClrLst/>
-    <dgm:txLinClrLst/>
-    <dgm:txFillClrLst/>
-    <dgm:txEffectClrLst/>
-  </dgm:styleLbl>
-  <dgm:styleLbl name="lnNode1">
-    <dgm:fillClrLst>
-      <a:schemeClr val="accent2"/>
-      <a:schemeClr val="accent3"/>
-    </dgm:fillClrLst>
-    <dgm:linClrLst meth="repeat">
-      <a:schemeClr val="lt1"/>
-    </dgm:linClrLst>
-    <dgm:effectClrLst/>
-    <dgm:txLinClrLst/>
-    <dgm:txFillClrLst/>
-    <dgm:txEffectClrLst/>
-  </dgm:styleLbl>
-  <dgm:styleLbl name="vennNode1">
-    <dgm:fillClrLst>
-      <a:schemeClr val="accent2">
-        <a:alpha val="50000"/>
-      </a:schemeClr>
-      <a:schemeClr val="accent3">
-        <a:alpha val="50000"/>
-      </a:schemeClr>
-    </dgm:fillClrLst>
-    <dgm:linClrLst meth="repeat">
-      <a:schemeClr val="lt1"/>
-    </dgm:linClrLst>
-    <dgm:effectClrLst/>
-    <dgm:txLinClrLst/>
-    <dgm:txFillClrLst/>
-    <dgm:txEffectClrLst/>
-  </dgm:styleLbl>
-  <dgm:styleLbl name="node2">
-    <dgm:fillClrLst>
-      <a:schemeClr val="accent3"/>
-    </dgm:fillClrLst>
-    <dgm:linClrLst meth="repeat">
-      <a:schemeClr val="lt1"/>
-    </dgm:linClrLst>
-    <dgm:effectClrLst/>
-    <dgm:txLinClrLst/>
-    <dgm:txFillClrLst/>
-    <dgm:txEffectClrLst/>
-  </dgm:styleLbl>
-  <dgm:styleLbl name="node3">
-    <dgm:fillClrLst>
-      <a:schemeClr val="accent4"/>
-    </dgm:fillClrLst>
-    <dgm:linClrLst meth="repeat">
-      <a:schemeClr val="lt1"/>
-    </dgm:linClrLst>
-    <dgm:effectClrLst/>
-    <dgm:txLinClrLst/>
-    <dgm:txFillClrLst/>
-    <dgm:txEffectClrLst/>
-  </dgm:styleLbl>
-  <dgm:styleLbl name="node4">
-    <dgm:fillClrLst>
-      <a:schemeClr val="accent5"/>
-    </dgm:fillClrLst>
-    <dgm:linClrLst meth="repeat">
-      <a:schemeClr val="lt1"/>
-    </dgm:linClrLst>
-    <dgm:effectClrLst/>
-    <dgm:txLinClrLst/>
-    <dgm:txFillClrLst/>
-    <dgm:txEffectClrLst/>
-  </dgm:styleLbl>
-  <dgm:styleLbl name="fgImgPlace1">
-    <dgm:fillClrLst>
-      <a:schemeClr val="accent2">
-        <a:tint val="50000"/>
-      </a:schemeClr>
-      <a:schemeClr val="accent3">
-        <a:tint val="50000"/>
-      </a:schemeClr>
-    </dgm:fillClrLst>
-    <dgm:linClrLst meth="repeat">
-      <a:schemeClr val="lt1"/>
-    </dgm:linClrLst>
-    <dgm:effectClrLst/>
-    <dgm:txLinClrLst/>
-    <dgm:txFillClrLst meth="repeat">
-      <a:schemeClr val="lt1"/>
-    </dgm:txFillClrLst>
-    <dgm:txEffectClrLst/>
-  </dgm:styleLbl>
-  <dgm:styleLbl name="alignImgPlace1">
-    <dgm:fillClrLst>
-      <a:schemeClr val="accent2">
-        <a:tint val="50000"/>
-      </a:schemeClr>
-      <a:schemeClr val="accent3">
-        <a:tint val="20000"/>
-      </a:schemeClr>
-    </dgm:fillClrLst>
-    <dgm:linClrLst meth="repeat">
-      <a:schemeClr val="lt1"/>
-    </dgm:linClrLst>
-    <dgm:effectClrLst/>
-    <dgm:txLinClrLst/>
-    <dgm:txFillClrLst meth="repeat">
-      <a:schemeClr val="lt1"/>
-    </dgm:txFillClrLst>
-    <dgm:txEffectClrLst/>
-  </dgm:styleLbl>
-  <dgm:styleLbl name="bgImgPlace1">
-    <dgm:fillClrLst>
-      <a:schemeClr val="accent2">
-        <a:tint val="50000"/>
-      </a:schemeClr>
-      <a:schemeClr val="accent3">
-        <a:tint val="20000"/>
-      </a:schemeClr>
-    </dgm:fillClrLst>
-    <dgm:linClrLst meth="repeat">
-      <a:schemeClr val="lt1"/>
-    </dgm:linClrLst>
-    <dgm:effectClrLst/>
-    <dgm:txLinClrLst/>
-    <dgm:txFillClrLst meth="repeat">
-      <a:schemeClr val="lt1"/>
-    </dgm:txFillClrLst>
-    <dgm:txEffectClrLst/>
-  </dgm:styleLbl>
-  <dgm:styleLbl name="sibTrans2D1">
-    <dgm:fillClrLst>
-      <a:schemeClr val="accent2"/>
-      <a:schemeClr val="accent3"/>
-    </dgm:fillClrLst>
-    <dgm:linClrLst meth="repeat">
-      <a:schemeClr val="lt1"/>
-    </dgm:linClrLst>
-    <dgm:effectClrLst/>
-    <dgm:txLinClrLst/>
-    <dgm:txFillClrLst/>
-    <dgm:txEffectClrLst/>
-  </dgm:styleLbl>
-  <dgm:styleLbl name="fgSibTrans2D1">
-    <dgm:fillClrLst>
-      <a:schemeClr val="accent2"/>
-      <a:schemeClr val="accent3"/>
-    </dgm:fillClrLst>
-    <dgm:linClrLst meth="repeat">
-      <a:schemeClr val="lt1"/>
-    </dgm:linClrLst>
-    <dgm:effectClrLst/>
-    <dgm:txLinClrLst/>
-    <dgm:txFillClrLst meth="repeat">
-      <a:schemeClr val="lt1"/>
-    </dgm:txFillClrLst>
-    <dgm:txEffectClrLst/>
-  </dgm:styleLbl>
-  <dgm:styleLbl name="bgSibTrans2D1">
-    <dgm:fillClrLst>
-      <a:schemeClr val="accent2"/>
-      <a:schemeClr val="accent3"/>
-    </dgm:fillClrLst>
-    <dgm:linClrLst meth="repeat">
-      <a:schemeClr val="lt1"/>
-    </dgm:linClrLst>
-    <dgm:effectClrLst/>
-    <dgm:txLinClrLst/>
-    <dgm:txFillClrLst meth="repeat">
-      <a:schemeClr val="lt1"/>
-    </dgm:txFillClrLst>
-    <dgm:txEffectClrLst/>
-  </dgm:styleLbl>
-  <dgm:styleLbl name="sibTrans1D1">
-    <dgm:fillClrLst/>
-    <dgm:linClrLst>
-      <a:schemeClr val="accent2"/>
-      <a:schemeClr val="accent3"/>
-    </dgm:linClrLst>
-    <dgm:effectClrLst/>
-    <dgm:txLinClrLst/>
-    <dgm:txFillClrLst meth="repeat">
-      <a:schemeClr val="tx1"/>
-    </dgm:txFillClrLst>
-    <dgm:txEffectClrLst/>
-  </dgm:styleLbl>
-  <dgm:styleLbl name="callout">
-    <dgm:fillClrLst meth="repeat">
-      <a:schemeClr val="accent2"/>
-    </dgm:fillClrLst>
-    <dgm:linClrLst meth="repeat">
-      <a:schemeClr val="accent2">
-        <a:tint val="50000"/>
-      </a:schemeClr>
-    </dgm:linClrLst>
-    <dgm:effectClrLst/>
-    <dgm:txLinClrLst/>
-    <dgm:txFillClrLst meth="repeat">
-      <a:schemeClr val="tx1"/>
-    </dgm:txFillClrLst>
-    <dgm:txEffectClrLst/>
-  </dgm:styleLbl>
-  <dgm:styleLbl name="asst0">
-    <dgm:fillClrLst meth="repeat">
-      <a:schemeClr val="accent2"/>
-    </dgm:fillClrLst>
-    <dgm:linClrLst meth="repeat">
-      <a:schemeClr val="lt1">
-        <a:shade val="80000"/>
-      </a:schemeClr>
-    </dgm:linClrLst>
-    <dgm:effectClrLst/>
-    <dgm:txLinClrLst/>
-    <dgm:txFillClrLst/>
-    <dgm:txEffectClrLst/>
-  </dgm:styleLbl>
-  <dgm:styleLbl name="asst1">
-    <dgm:fillClrLst meth="repeat">
-      <a:schemeClr val="accent3"/>
-    </dgm:fillClrLst>
-    <dgm:linClrLst meth="repeat">
-      <a:schemeClr val="lt1">
-        <a:shade val="80000"/>
-      </a:schemeClr>
-    </dgm:linClrLst>
-    <dgm:effectClrLst/>
-    <dgm:txLinClrLst/>
-    <dgm:txFillClrLst/>
-    <dgm:txEffectClrLst/>
-  </dgm:styleLbl>
-  <dgm:styleLbl name="asst2">
-    <dgm:fillClrLst>
-      <a:schemeClr val="accent4"/>
-    </dgm:fillClrLst>
-    <dgm:linClrLst meth="repeat">
-      <a:schemeClr val="lt1"/>
-    </dgm:linClrLst>
-    <dgm:effectClrLst/>
-    <dgm:txLinClrLst/>
-    <dgm:txFillClrLst/>
-    <dgm:txEffectClrLst/>
-  </dgm:styleLbl>
-  <dgm:styleLbl name="asst3">
-    <dgm:fillClrLst>
-      <a:schemeClr val="accent5"/>
-    </dgm:fillClrLst>
-    <dgm:linClrLst meth="repeat">
-      <a:schemeClr val="lt1"/>
-    </dgm:linClrLst>
-    <dgm:effectClrLst/>
-    <dgm:txLinClrLst/>
-    <dgm:txFillClrLst/>
-    <dgm:txEffectClrLst/>
-  </dgm:styleLbl>
-  <dgm:styleLbl name="asst4">
-    <dgm:fillClrLst>
-      <a:schemeClr val="accent6"/>
-    </dgm:fillClrLst>
-    <dgm:linClrLst meth="repeat">
-      <a:schemeClr val="lt1"/>
-    </dgm:linClrLst>
-    <dgm:effectClrLst/>
-    <dgm:txLinClrLst/>
-    <dgm:txFillClrLst/>
-    <dgm:txEffectClrLst/>
-  </dgm:styleLbl>
-  <dgm:styleLbl name="parChTrans2D1">
-    <dgm:fillClrLst meth="repeat">
-      <a:schemeClr val="accent2"/>
-    </dgm:fillClrLst>
-    <dgm:linClrLst meth="repeat">
-      <a:schemeClr val="lt1"/>
-    </dgm:linClrLst>
-    <dgm:effectClrLst/>
-    <dgm:txLinClrLst/>
-    <dgm:txFillClrLst meth="repeat">
-      <a:schemeClr val="lt1"/>
-    </dgm:txFillClrLst>
-    <dgm:txEffectClrLst/>
-  </dgm:styleLbl>
-  <dgm:styleLbl name="parChTrans2D2">
-    <dgm:fillClrLst meth="repeat">
-      <a:schemeClr val="accent3"/>
-    </dgm:fillClrLst>
-    <dgm:linClrLst meth="repeat">
-      <a:schemeClr val="lt1"/>
-    </dgm:linClrLst>
-    <dgm:effectClrLst/>
-    <dgm:txLinClrLst/>
-    <dgm:txFillClrLst/>
-    <dgm:txEffectClrLst/>
-  </dgm:styleLbl>
-  <dgm:styleLbl name="parChTrans2D3">
-    <dgm:fillClrLst meth="repeat">
-      <a:schemeClr val="accent4"/>
-    </dgm:fillClrLst>
-    <dgm:linClrLst meth="repeat">
-      <a:schemeClr val="lt1"/>
-    </dgm:linClrLst>
-    <dgm:effectClrLst/>
-    <dgm:txLinClrLst/>
-    <dgm:txFillClrLst/>
-    <dgm:txEffectClrLst/>
-  </dgm:styleLbl>
-  <dgm:styleLbl name="parChTrans2D4">
-    <dgm:fillClrLst meth="repeat">
-      <a:schemeClr val="accent5"/>
-    </dgm:fillClrLst>
-    <dgm:linClrLst meth="repeat">
-      <a:schemeClr val="lt1"/>
-    </dgm:linClrLst>
-    <dgm:effectClrLst/>
-    <dgm:txLinClrLst/>
-    <dgm:txFillClrLst meth="repeat">
-      <a:schemeClr val="lt1"/>
-    </dgm:txFillClrLst>
-    <dgm:txEffectClrLst/>
-  </dgm:styleLbl>
-  <dgm:styleLbl name="parChTrans1D1">
-    <dgm:fillClrLst meth="repeat">
-      <a:schemeClr val="accent2"/>
-    </dgm:fillClrLst>
-    <dgm:linClrLst meth="repeat">
-      <a:schemeClr val="accent2"/>
-    </dgm:linClrLst>
-    <dgm:effectClrLst/>
-    <dgm:txLinClrLst/>
-    <dgm:txFillClrLst meth="repeat">
-      <a:schemeClr val="tx1"/>
-    </dgm:txFillClrLst>
-    <dgm:txEffectClrLst/>
-  </dgm:styleLbl>
-  <dgm:styleLbl name="parChTrans1D2">
-    <dgm:fillClrLst meth="repeat">
-      <a:schemeClr val="accent2">
-        <a:tint val="90000"/>
-      </a:schemeClr>
-    </dgm:fillClrLst>
-    <dgm:linClrLst meth="repeat">
-      <a:schemeClr val="accent3"/>
-    </dgm:linClrLst>
-    <dgm:effectClrLst/>
-    <dgm:txLinClrLst/>
-    <dgm:txFillClrLst meth="repeat">
-      <a:schemeClr val="tx1"/>
-    </dgm:txFillClrLst>
-    <dgm:txEffectClrLst/>
-  </dgm:styleLbl>
-  <dgm:styleLbl name="parChTrans1D3">
-    <dgm:fillClrLst meth="repeat">
-      <a:schemeClr val="accent2">
-        <a:tint val="70000"/>
-      </a:schemeClr>
-    </dgm:fillClrLst>
-    <dgm:linClrLst meth="repeat">
-      <a:schemeClr val="accent4"/>
-    </dgm:linClrLst>
-    <dgm:effectClrLst/>
-    <dgm:txLinClrLst/>
-    <dgm:txFillClrLst meth="repeat">
-      <a:schemeClr val="tx1"/>
-    </dgm:txFillClrLst>
-    <dgm:txEffectClrLst/>
-  </dgm:styleLbl>
-  <dgm:styleLbl name="parChTrans1D4">
-    <dgm:fillClrLst meth="repeat">
-      <a:schemeClr val="accent2">
-        <a:tint val="50000"/>
-      </a:schemeClr>
-    </dgm:fillClrLst>
-    <dgm:linClrLst meth="repeat">
-      <a:schemeClr val="accent5"/>
-    </dgm:linClrLst>
-    <dgm:effectClrLst/>
-    <dgm:txLinClrLst/>
-    <dgm:txFillClrLst meth="repeat">
-      <a:schemeClr val="tx1"/>
-    </dgm:txFillClrLst>
-    <dgm:txEffectClrLst/>
-  </dgm:styleLbl>
-  <dgm:styleLbl name="fgAcc1">
-    <dgm:fillClrLst meth="repeat">
-      <a:schemeClr val="lt1">
-        <a:alpha val="90000"/>
-      </a:schemeClr>
-    </dgm:fillClrLst>
-    <dgm:linClrLst>
-      <a:schemeClr val="accent2"/>
-      <a:schemeClr val="accent3"/>
-    </dgm:linClrLst>
-    <dgm:effectClrLst/>
-    <dgm:txLinClrLst/>
-    <dgm:txFillClrLst meth="repeat">
-      <a:schemeClr val="dk1"/>
-    </dgm:txFillClrLst>
-    <dgm:txEffectClrLst/>
-  </dgm:styleLbl>
-  <dgm:styleLbl name="conFgAcc1">
-    <dgm:fillClrLst meth="repeat">
-      <a:schemeClr val="lt1">
-        <a:alpha val="90000"/>
-      </a:schemeClr>
-    </dgm:fillClrLst>
-    <dgm:linClrLst>
-      <a:schemeClr val="accent2"/>
-      <a:schemeClr val="accent3"/>
-    </dgm:linClrLst>
-    <dgm:effectClrLst/>
-    <dgm:txLinClrLst/>
-    <dgm:txFillClrLst meth="repeat">
-      <a:schemeClr val="dk1"/>
-    </dgm:txFillClrLst>
-    <dgm:txEffectClrLst/>
-  </dgm:styleLbl>
-  <dgm:styleLbl name="alignAcc1">
-    <dgm:fillClrLst meth="repeat">
-      <a:schemeClr val="lt1">
-        <a:alpha val="90000"/>
-      </a:schemeClr>
-    </dgm:fillClrLst>
-    <dgm:linClrLst>
-      <a:schemeClr val="accent2"/>
-      <a:schemeClr val="accent3"/>
-    </dgm:linClrLst>
-    <dgm:effectClrLst/>
-    <dgm:txLinClrLst/>
-    <dgm:txFillClrLst meth="repeat">
-      <a:schemeClr val="dk1"/>
-    </dgm:txFillClrLst>
-    <dgm:txEffectClrLst/>
-  </dgm:styleLbl>
-  <dgm:styleLbl name="trAlignAcc1">
-    <dgm:fillClrLst meth="repeat">
-      <a:schemeClr val="lt1">
-        <a:alpha val="40000"/>
-      </a:schemeClr>
-    </dgm:fillClrLst>
-    <dgm:linClrLst meth="repeat">
-      <a:schemeClr val="accent2"/>
-    </dgm:linClrLst>
-    <dgm:effectClrLst/>
-    <dgm:txLinClrLst/>
-    <dgm:txFillClrLst meth="repeat">
-      <a:schemeClr val="dk1"/>
-    </dgm:txFillClrLst>
-    <dgm:txEffectClrLst/>
-  </dgm:styleLbl>
-  <dgm:styleLbl name="bgAcc1">
-    <dgm:fillClrLst meth="repeat">
-      <a:schemeClr val="lt1">
-        <a:alpha val="90000"/>
-      </a:schemeClr>
-    </dgm:fillClrLst>
-    <dgm:linClrLst>
-      <a:schemeClr val="accent2"/>
-      <a:schemeClr val="accent3"/>
-    </dgm:linClrLst>
-    <dgm:effectClrLst/>
-    <dgm:txLinClrLst/>
-    <dgm:txFillClrLst meth="repeat">
-      <a:schemeClr val="dk1"/>
-    </dgm:txFillClrLst>
-    <dgm:txEffectClrLst/>
-  </dgm:styleLbl>
-  <dgm:styleLbl name="solidFgAcc1">
-    <dgm:fillClrLst meth="repeat">
-      <a:schemeClr val="lt1"/>
-    </dgm:fillClrLst>
-    <dgm:linClrLst>
-      <a:schemeClr val="accent2"/>
-      <a:schemeClr val="accent3"/>
-    </dgm:linClrLst>
-    <dgm:effectClrLst/>
-    <dgm:txLinClrLst/>
-    <dgm:txFillClrLst meth="repeat">
-      <a:schemeClr val="dk1"/>
-    </dgm:txFillClrLst>
-    <dgm:txEffectClrLst/>
-  </dgm:styleLbl>
-  <dgm:styleLbl name="solidAlignAcc1">
-    <dgm:fillClrLst meth="repeat">
-      <a:schemeClr val="lt1"/>
-    </dgm:fillClrLst>
-    <dgm:linClrLst>
-      <a:schemeClr val="accent2"/>
-      <a:schemeClr val="accent3"/>
-    </dgm:linClrLst>
-    <dgm:effectClrLst/>
-    <dgm:txLinClrLst/>
-    <dgm:txFillClrLst meth="repeat">
-      <a:schemeClr val="dk1"/>
-    </dgm:txFillClrLst>
-    <dgm:txEffectClrLst/>
-  </dgm:styleLbl>
-  <dgm:styleLbl name="solidBgAcc1">
-    <dgm:fillClrLst meth="repeat">
-      <a:schemeClr val="lt1"/>
-    </dgm:fillClrLst>
-    <dgm:linClrLst>
-      <a:schemeClr val="accent2"/>
-      <a:schemeClr val="accent3"/>
-    </dgm:linClrLst>
-    <dgm:effectClrLst/>
-    <dgm:txLinClrLst/>
-    <dgm:txFillClrLst meth="repeat">
-      <a:schemeClr val="dk1"/>
-    </dgm:txFillClrLst>
-    <dgm:txEffectClrLst/>
-  </dgm:styleLbl>
-  <dgm:styleLbl name="fgAccFollowNode1">
-    <dgm:fillClrLst>
-      <a:schemeClr val="accent2">
-        <a:tint val="40000"/>
-        <a:alpha val="90000"/>
-      </a:schemeClr>
-      <a:schemeClr val="accent3">
-        <a:tint val="40000"/>
-        <a:alpha val="90000"/>
-      </a:schemeClr>
-    </dgm:fillClrLst>
-    <dgm:linClrLst>
-      <a:schemeClr val="accent2">
-        <a:tint val="40000"/>
-        <a:alpha val="90000"/>
-      </a:schemeClr>
-      <a:schemeClr val="accent3">
-        <a:tint val="40000"/>
-        <a:alpha val="90000"/>
-      </a:schemeClr>
-    </dgm:linClrLst>
-    <dgm:effectClrLst/>
-    <dgm:txLinClrLst/>
-    <dgm:txFillClrLst meth="repeat">
-      <a:schemeClr val="dk1"/>
-    </dgm:txFillClrLst>
-    <dgm:txEffectClrLst/>
-  </dgm:styleLbl>
-  <dgm:styleLbl name="alignAccFollowNode1">
-    <dgm:fillClrLst>
-      <a:schemeClr val="accent2">
-        <a:tint val="40000"/>
-        <a:alpha val="90000"/>
-      </a:schemeClr>
-      <a:schemeClr val="accent3">
-        <a:tint val="40000"/>
-        <a:alpha val="90000"/>
-      </a:schemeClr>
-    </dgm:fillClrLst>
-    <dgm:linClrLst>
-      <a:schemeClr val="accent2">
-        <a:tint val="40000"/>
-        <a:alpha val="90000"/>
-      </a:schemeClr>
-      <a:schemeClr val="accent3">
-        <a:tint val="40000"/>
-        <a:alpha val="90000"/>
-      </a:schemeClr>
-    </dgm:linClrLst>
-    <dgm:effectClrLst/>
-    <dgm:txLinClrLst/>
-    <dgm:txFillClrLst meth="repeat">
-      <a:schemeClr val="dk1"/>
-    </dgm:txFillClrLst>
-    <dgm:txEffectClrLst/>
-  </dgm:styleLbl>
-  <dgm:styleLbl name="bgAccFollowNode1">
-    <dgm:fillClrLst>
-      <a:schemeClr val="accent2">
-        <a:tint val="40000"/>
-        <a:alpha val="90000"/>
-      </a:schemeClr>
-      <a:schemeClr val="accent3">
-        <a:tint val="40000"/>
-        <a:alpha val="90000"/>
-      </a:schemeClr>
-    </dgm:fillClrLst>
-    <dgm:linClrLst>
-      <a:schemeClr val="accent2">
-        <a:tint val="40000"/>
-        <a:alpha val="90000"/>
-      </a:schemeClr>
-      <a:schemeClr val="accent3">
-        <a:tint val="40000"/>
-        <a:alpha val="90000"/>
-      </a:schemeClr>
-    </dgm:linClrLst>
-    <dgm:effectClrLst/>
-    <dgm:txLinClrLst/>
-    <dgm:txFillClrLst meth="repeat">
-      <a:schemeClr val="dk1"/>
-    </dgm:txFillClrLst>
-    <dgm:txEffectClrLst/>
-  </dgm:styleLbl>
-  <dgm:styleLbl name="fgAcc0">
-    <dgm:fillClrLst meth="repeat">
-      <a:schemeClr val="lt1">
-        <a:alpha val="90000"/>
-      </a:schemeClr>
-    </dgm:fillClrLst>
-    <dgm:linClrLst>
-      <a:schemeClr val="accent1"/>
-    </dgm:linClrLst>
-    <dgm:effectClrLst/>
-    <dgm:txLinClrLst/>
-    <dgm:txFillClrLst meth="repeat">
-      <a:schemeClr val="dk1"/>
-    </dgm:txFillClrLst>
-    <dgm:txEffectClrLst/>
-  </dgm:styleLbl>
-  <dgm:styleLbl name="fgAcc2">
-    <dgm:fillClrLst meth="repeat">
-      <a:schemeClr val="lt1">
-        <a:alpha val="90000"/>
-      </a:schemeClr>
-    </dgm:fillClrLst>
-    <dgm:linClrLst>
-      <a:schemeClr val="accent3"/>
-    </dgm:linClrLst>
-    <dgm:effectClrLst/>
-    <dgm:txLinClrLst/>
-    <dgm:txFillClrLst meth="repeat">
-      <a:schemeClr val="dk1"/>
-    </dgm:txFillClrLst>
-    <dgm:txEffectClrLst/>
-  </dgm:styleLbl>
-  <dgm:styleLbl name="fgAcc3">
-    <dgm:fillClrLst meth="repeat">
-      <a:schemeClr val="lt1">
-        <a:alpha val="90000"/>
-      </a:schemeClr>
-    </dgm:fillClrLst>
-    <dgm:linClrLst>
-      <a:schemeClr val="accent4"/>
-    </dgm:linClrLst>
-    <dgm:effectClrLst/>
-    <dgm:txLinClrLst/>
-    <dgm:txFillClrLst meth="repeat">
-      <a:schemeClr val="dk1"/>
-    </dgm:txFillClrLst>
-    <dgm:txEffectClrLst/>
-  </dgm:styleLbl>
-  <dgm:styleLbl name="fgAcc4">
-    <dgm:fillClrLst meth="repeat">
-      <a:schemeClr val="lt1">
-        <a:alpha val="90000"/>
-      </a:schemeClr>
-    </dgm:fillClrLst>
-    <dgm:linClrLst>
-      <a:schemeClr val="accent5"/>
-    </dgm:linClrLst>
-    <dgm:effectClrLst/>
-    <dgm:txLinClrLst/>
-    <dgm:txFillClrLst meth="repeat">
-      <a:schemeClr val="dk1"/>
-    </dgm:txFillClrLst>
-    <dgm:txEffectClrLst/>
-  </dgm:styleLbl>
-  <dgm:styleLbl name="bgShp">
-    <dgm:fillClrLst meth="repeat">
-      <a:schemeClr val="accent2">
-        <a:tint val="40000"/>
-      </a:schemeClr>
-    </dgm:fillClrLst>
-    <dgm:linClrLst meth="repeat">
-      <a:schemeClr val="dk1"/>
-    </dgm:linClrLst>
-    <dgm:effectClrLst/>
-    <dgm:txLinClrLst/>
-    <dgm:txFillClrLst meth="repeat">
-      <a:schemeClr val="dk1"/>
-    </dgm:txFillClrLst>
-    <dgm:txEffectClrLst/>
-  </dgm:styleLbl>
-  <dgm:styleLbl name="dkBgShp">
-    <dgm:fillClrLst meth="repeat">
-      <a:schemeClr val="accent2">
-        <a:shade val="90000"/>
-      </a:schemeClr>
-    </dgm:fillClrLst>
-    <dgm:linClrLst meth="repeat">
-      <a:schemeClr val="dk1"/>
-    </dgm:linClrLst>
-    <dgm:effectClrLst/>
-    <dgm:txLinClrLst/>
-    <dgm:txFillClrLst meth="repeat">
-      <a:schemeClr val="lt1"/>
-    </dgm:txFillClrLst>
-    <dgm:txEffectClrLst/>
-  </dgm:styleLbl>
-  <dgm:styleLbl name="trBgShp">
-    <dgm:fillClrLst meth="repeat">
-      <a:schemeClr val="accent2">
-        <a:tint val="50000"/>
-        <a:alpha val="40000"/>
-      </a:schemeClr>
-    </dgm:fillClrLst>
-    <dgm:linClrLst meth="repeat">
-      <a:schemeClr val="accent2"/>
-    </dgm:linClrLst>
-    <dgm:effectClrLst/>
-    <dgm:txLinClrLst/>
-    <dgm:txFillClrLst meth="repeat">
-      <a:schemeClr val="lt1"/>
-    </dgm:txFillClrLst>
-    <dgm:txEffectClrLst/>
-  </dgm:styleLbl>
-  <dgm:styleLbl name="fgShp">
-    <dgm:fillClrLst meth="repeat">
-      <a:schemeClr val="accent2">
-        <a:tint val="40000"/>
-      </a:schemeClr>
-    </dgm:fillClrLst>
-    <dgm:linClrLst meth="repeat">
-      <a:schemeClr val="lt1"/>
-    </dgm:linClrLst>
-    <dgm:effectClrLst/>
-    <dgm:txLinClrLst/>
-    <dgm:txFillClrLst meth="repeat">
-      <a:schemeClr val="dk1"/>
-    </dgm:txFillClrLst>
-    <dgm:txEffectClrLst/>
-  </dgm:styleLbl>
-  <dgm:styleLbl name="revTx">
-    <dgm:fillClrLst meth="repeat">
-      <a:schemeClr val="lt1">
-        <a:alpha val="0"/>
-      </a:schemeClr>
-    </dgm:fillClrLst>
-    <dgm:linClrLst meth="repeat">
-      <a:schemeClr val="dk1">
-        <a:alpha val="0"/>
-      </a:schemeClr>
-    </dgm:linClrLst>
-    <dgm:effectClrLst/>
-    <dgm:txLinClrLst/>
-    <dgm:txFillClrLst meth="repeat">
-      <a:schemeClr val="tx1"/>
-    </dgm:txFillClrLst>
-    <dgm:txEffectClrLst/>
-  </dgm:styleLbl>
-</dgm:colorsDef>
-</file>
-
 <file path=ppt/diagrams/colors2.xml><?xml version="1.0" encoding="utf-8"?>
 <dgm:colorsDef xmlns:dgm="http://schemas.openxmlformats.org/drawingml/2006/diagram" xmlns:a="http://schemas.openxmlformats.org/drawingml/2006/main" uniqueId="urn:microsoft.com/office/officeart/2005/8/colors/colorful2">
   <dgm:title val=""/>
@@ -10751,51 +9967,6 @@
 </file>
 
 <file path=ppt/diagrams/data12.xml><?xml version="1.0" encoding="utf-8"?>
-<dgm:dataModel xmlns:dgm="http://schemas.openxmlformats.org/drawingml/2006/diagram" xmlns:a="http://schemas.openxmlformats.org/drawingml/2006/main">
-  <dgm:ptLst>
-    <dgm:pt modelId="{8DE46DE3-A3A1-4224-86CE-5B00EEF3C117}" type="doc">
-      <dgm:prSet loTypeId="urn:microsoft.com/office/officeart/2005/8/layout/hChevron3" loCatId="process" qsTypeId="urn:microsoft.com/office/officeart/2005/8/quickstyle/simple1" qsCatId="simple" csTypeId="urn:microsoft.com/office/officeart/2005/8/colors/colorful2" csCatId="colorful" phldr="1"/>
-      <dgm:spPr/>
-    </dgm:pt>
-    <dgm:pt modelId="{EE58A143-5D23-4555-83A3-1B7EFA37137E}" type="pres">
-      <dgm:prSet presAssocID="{8DE46DE3-A3A1-4224-86CE-5B00EEF3C117}" presName="Name0" presStyleCnt="0">
-        <dgm:presLayoutVars>
-          <dgm:dir/>
-          <dgm:resizeHandles val="exact"/>
-        </dgm:presLayoutVars>
-      </dgm:prSet>
-      <dgm:spPr/>
-    </dgm:pt>
-  </dgm:ptLst>
-  <dgm:cxnLst>
-    <dgm:cxn modelId="{FD26A3A8-34F9-4AF4-9EA6-D585B8D0DD31}" type="presOf" srcId="{8DE46DE3-A3A1-4224-86CE-5B00EEF3C117}" destId="{EE58A143-5D23-4555-83A3-1B7EFA37137E}" srcOrd="0" destOrd="0" presId="urn:microsoft.com/office/officeart/2005/8/layout/hChevron3"/>
-  </dgm:cxnLst>
-  <dgm:bg>
-    <a:gradFill>
-      <a:gsLst>
-        <a:gs pos="0">
-          <a:srgbClr val="002060"/>
-        </a:gs>
-        <a:gs pos="0">
-          <a:srgbClr val="002060"/>
-        </a:gs>
-        <a:gs pos="58000">
-          <a:srgbClr val="C00000"/>
-        </a:gs>
-      </a:gsLst>
-      <a:lin ang="0" scaled="0"/>
-    </a:gradFill>
-  </dgm:bg>
-  <dgm:whole/>
-  <dgm:extLst>
-    <a:ext uri="http://schemas.microsoft.com/office/drawing/2008/diagram">
-      <dsp:dataModelExt xmlns:dsp="http://schemas.microsoft.com/office/drawing/2008/diagram" relId="rId10" minVer="http://schemas.openxmlformats.org/drawingml/2006/diagram"/>
-    </a:ext>
-  </dgm:extLst>
-</dgm:dataModel>
-</file>
-
-<file path=ppt/diagrams/data13.xml><?xml version="1.0" encoding="utf-8"?>
 <dgm:dataModel xmlns:dgm="http://schemas.openxmlformats.org/drawingml/2006/diagram" xmlns:a="http://schemas.openxmlformats.org/drawingml/2006/main">
   <dgm:ptLst>
     <dgm:pt modelId="{8DE46DE3-A3A1-4224-86CE-5B00EEF3C117}" type="doc">
@@ -11237,18 +10408,6 @@
 </file>
 
 <file path=ppt/diagrams/drawing12.xml><?xml version="1.0" encoding="utf-8"?>
-<dsp:drawing xmlns:dgm="http://schemas.openxmlformats.org/drawingml/2006/diagram" xmlns:dsp="http://schemas.microsoft.com/office/drawing/2008/diagram" xmlns:a="http://schemas.openxmlformats.org/drawingml/2006/main">
-  <dsp:spTree>
-    <dsp:nvGrpSpPr>
-      <dsp:cNvPr id="0" name=""/>
-      <dsp:cNvGrpSpPr/>
-    </dsp:nvGrpSpPr>
-    <dsp:grpSpPr/>
-  </dsp:spTree>
-</dsp:drawing>
-</file>
-
-<file path=ppt/diagrams/drawing13.xml><?xml version="1.0" encoding="utf-8"?>
 <dsp:drawing xmlns:dgm="http://schemas.openxmlformats.org/drawingml/2006/diagram" xmlns:dsp="http://schemas.microsoft.com/office/drawing/2008/diagram" xmlns:a="http://schemas.openxmlformats.org/drawingml/2006/main">
   <dsp:spTree>
     <dsp:nvGrpSpPr>
@@ -12173,278 +11332,6 @@
 </file>
 
 <file path=ppt/diagrams/layout12.xml><?xml version="1.0" encoding="utf-8"?>
-<dgm:layoutDef xmlns:dgm="http://schemas.openxmlformats.org/drawingml/2006/diagram" xmlns:a="http://schemas.openxmlformats.org/drawingml/2006/main" uniqueId="urn:microsoft.com/office/officeart/2005/8/layout/hChevron3">
-  <dgm:title val=""/>
-  <dgm:desc val=""/>
-  <dgm:catLst>
-    <dgm:cat type="process" pri="10000"/>
-  </dgm:catLst>
-  <dgm:sampData useDef="1">
-    <dgm:dataModel>
-      <dgm:ptLst/>
-      <dgm:bg/>
-      <dgm:whole/>
-    </dgm:dataModel>
-  </dgm:sampData>
-  <dgm:styleData>
-    <dgm:dataModel>
-      <dgm:ptLst>
-        <dgm:pt modelId="0" type="doc"/>
-        <dgm:pt modelId="1"/>
-        <dgm:pt modelId="2"/>
-      </dgm:ptLst>
-      <dgm:cxnLst>
-        <dgm:cxn modelId="3" srcId="0" destId="1" srcOrd="0" destOrd="0"/>
-        <dgm:cxn modelId="4" srcId="0" destId="2" srcOrd="1" destOrd="0"/>
-      </dgm:cxnLst>
-      <dgm:bg/>
-      <dgm:whole/>
-    </dgm:dataModel>
-  </dgm:styleData>
-  <dgm:clrData>
-    <dgm:dataModel>
-      <dgm:ptLst>
-        <dgm:pt modelId="0" type="doc"/>
-        <dgm:pt modelId="1"/>
-        <dgm:pt modelId="2"/>
-        <dgm:pt modelId="3"/>
-        <dgm:pt modelId="4"/>
-      </dgm:ptLst>
-      <dgm:cxnLst>
-        <dgm:cxn modelId="5" srcId="0" destId="1" srcOrd="0" destOrd="0"/>
-        <dgm:cxn modelId="6" srcId="0" destId="2" srcOrd="1" destOrd="0"/>
-        <dgm:cxn modelId="7" srcId="0" destId="3" srcOrd="2" destOrd="0"/>
-        <dgm:cxn modelId="8" srcId="0" destId="4" srcOrd="3" destOrd="0"/>
-      </dgm:cxnLst>
-      <dgm:bg/>
-      <dgm:whole/>
-    </dgm:dataModel>
-  </dgm:clrData>
-  <dgm:layoutNode name="Name0">
-    <dgm:varLst>
-      <dgm:dir/>
-      <dgm:resizeHandles val="exact"/>
-    </dgm:varLst>
-    <dgm:choose name="Name1">
-      <dgm:if name="Name2" func="var" arg="dir" op="equ" val="norm">
-        <dgm:alg type="lin"/>
-      </dgm:if>
-      <dgm:else name="Name3">
-        <dgm:alg type="lin">
-          <dgm:param type="linDir" val="fromR"/>
-        </dgm:alg>
-      </dgm:else>
-    </dgm:choose>
-    <dgm:shape xmlns:r="http://schemas.openxmlformats.org/officeDocument/2006/relationships" r:blip="">
-      <dgm:adjLst/>
-    </dgm:shape>
-    <dgm:presOf/>
-    <dgm:choose name="Name4">
-      <dgm:if name="Name5" axis="root des" func="maxDepth" op="gte" val="2">
-        <dgm:constrLst>
-          <dgm:constr type="w" for="ch" forName="parAndChTx" refType="w"/>
-          <dgm:constr type="primFontSz" for="ch" ptType="node" op="equ"/>
-          <dgm:constr type="w" for="ch" forName="parAndChSpace" refType="w" refFor="ch" refForName="parAndChTx" fact="-0.2"/>
-          <dgm:constr type="w" for="ch" ptType="sibTrans" op="equ"/>
-        </dgm:constrLst>
-        <dgm:ruleLst/>
-        <dgm:forEach name="Name6" axis="ch" ptType="node">
-          <dgm:layoutNode name="parAndChTx">
-            <dgm:varLst>
-              <dgm:bulletEnabled val="1"/>
-            </dgm:varLst>
-            <dgm:alg type="tx"/>
-            <dgm:choose name="Name7">
-              <dgm:if name="Name8" func="var" arg="dir" op="equ" val="norm">
-                <dgm:choose name="Name9">
-                  <dgm:if name="Name10" axis="self" ptType="node" func="pos" op="equ" val="1">
-                    <dgm:shape xmlns:r="http://schemas.openxmlformats.org/officeDocument/2006/relationships" type="homePlate" r:blip="">
-                      <dgm:adjLst>
-                        <dgm:adj idx="1" val="0.25"/>
-                      </dgm:adjLst>
-                    </dgm:shape>
-                    <dgm:presOf axis="desOrSelf" ptType="node"/>
-                    <dgm:constrLst>
-                      <dgm:constr type="h" refType="w" op="equ" fact="0.8"/>
-                      <dgm:constr type="primFontSz" val="65"/>
-                      <dgm:constr type="tMarg" refType="primFontSz" fact="0.2"/>
-                      <dgm:constr type="bMarg" refType="primFontSz" fact="0.2"/>
-                      <dgm:constr type="lMarg" refType="w" fact="0.1"/>
-                      <dgm:constr type="rMarg" refType="w" fact="0.4"/>
-                    </dgm:constrLst>
-                  </dgm:if>
-                  <dgm:else name="Name11">
-                    <dgm:shape xmlns:r="http://schemas.openxmlformats.org/officeDocument/2006/relationships" type="chevron" r:blip="">
-                      <dgm:adjLst>
-                        <dgm:adj idx="1" val="0.25"/>
-                      </dgm:adjLst>
-                    </dgm:shape>
-                    <dgm:presOf axis="desOrSelf" ptType="node"/>
-                    <dgm:constrLst>
-                      <dgm:constr type="h" refType="w" op="equ" fact="0.8"/>
-                      <dgm:constr type="primFontSz" val="65"/>
-                      <dgm:constr type="tMarg" refType="primFontSz" fact="0.2"/>
-                      <dgm:constr type="bMarg" refType="primFontSz" fact="0.2"/>
-                      <dgm:constr type="lMarg" refType="w" fact="0.1"/>
-                      <dgm:constr type="rMarg" refType="w" fact="0.1"/>
-                    </dgm:constrLst>
-                  </dgm:else>
-                </dgm:choose>
-              </dgm:if>
-              <dgm:else name="Name12">
-                <dgm:choose name="Name13">
-                  <dgm:if name="Name14" axis="self" ptType="node" func="pos" op="equ" val="1">
-                    <dgm:shape xmlns:r="http://schemas.openxmlformats.org/officeDocument/2006/relationships" rot="180" type="homePlate" r:blip="">
-                      <dgm:adjLst>
-                        <dgm:adj idx="1" val="0.25"/>
-                      </dgm:adjLst>
-                    </dgm:shape>
-                    <dgm:presOf axis="desOrSelf" ptType="node"/>
-                    <dgm:constrLst>
-                      <dgm:constr type="h" refType="w" op="equ" fact="0.8"/>
-                      <dgm:constr type="primFontSz" val="65"/>
-                      <dgm:constr type="tMarg" refType="primFontSz" fact="0.2"/>
-                      <dgm:constr type="bMarg" refType="primFontSz" fact="0.2"/>
-                      <dgm:constr type="lMarg" refType="w" fact="0.4"/>
-                      <dgm:constr type="rMarg" refType="w" fact="0.1"/>
-                    </dgm:constrLst>
-                  </dgm:if>
-                  <dgm:else name="Name15">
-                    <dgm:shape xmlns:r="http://schemas.openxmlformats.org/officeDocument/2006/relationships" rot="180" type="chevron" r:blip="">
-                      <dgm:adjLst>
-                        <dgm:adj idx="1" val="0.25"/>
-                      </dgm:adjLst>
-                    </dgm:shape>
-                    <dgm:presOf axis="desOrSelf" ptType="node"/>
-                    <dgm:constrLst>
-                      <dgm:constr type="h" refType="w" op="equ" fact="0.8"/>
-                      <dgm:constr type="primFontSz" val="65"/>
-                      <dgm:constr type="tMarg" refType="primFontSz" fact="0.2"/>
-                      <dgm:constr type="bMarg" refType="primFontSz" fact="0.2"/>
-                      <dgm:constr type="lMarg" refType="w" fact="0.1"/>
-                      <dgm:constr type="rMarg" refType="w" fact="0.1"/>
-                    </dgm:constrLst>
-                  </dgm:else>
-                </dgm:choose>
-              </dgm:else>
-            </dgm:choose>
-            <dgm:ruleLst>
-              <dgm:rule type="primFontSz" val="5" fact="NaN" max="NaN"/>
-            </dgm:ruleLst>
-          </dgm:layoutNode>
-          <dgm:forEach name="Name16" axis="followSib" ptType="sibTrans" cnt="1">
-            <dgm:layoutNode name="parAndChSpace">
-              <dgm:alg type="sp"/>
-              <dgm:shape xmlns:r="http://schemas.openxmlformats.org/officeDocument/2006/relationships" r:blip="">
-                <dgm:adjLst/>
-              </dgm:shape>
-              <dgm:presOf/>
-              <dgm:constrLst/>
-              <dgm:ruleLst/>
-            </dgm:layoutNode>
-          </dgm:forEach>
-        </dgm:forEach>
-      </dgm:if>
-      <dgm:else name="Name17">
-        <dgm:constrLst>
-          <dgm:constr type="w" for="ch" forName="parTxOnly" refType="w"/>
-          <dgm:constr type="primFontSz" for="ch" ptType="node" op="equ"/>
-          <dgm:constr type="w" for="ch" forName="parSpace" refType="w" refFor="ch" refForName="parTxOnly" fact="-0.2"/>
-          <dgm:constr type="w" for="ch" ptType="sibTrans" op="equ"/>
-        </dgm:constrLst>
-        <dgm:ruleLst/>
-        <dgm:forEach name="Name18" axis="ch" ptType="node">
-          <dgm:layoutNode name="parTxOnly">
-            <dgm:varLst>
-              <dgm:bulletEnabled val="1"/>
-            </dgm:varLst>
-            <dgm:alg type="tx"/>
-            <dgm:presOf axis="desOrSelf" ptType="node"/>
-            <dgm:choose name="Name19">
-              <dgm:if name="Name20" func="var" arg="dir" op="equ" val="norm">
-                <dgm:choose name="Name21">
-                  <dgm:if name="Name22" axis="self" ptType="node" func="pos" op="equ" val="1">
-                    <dgm:shape xmlns:r="http://schemas.openxmlformats.org/officeDocument/2006/relationships" type="homePlate" r:blip="">
-                      <dgm:adjLst/>
-                    </dgm:shape>
-                    <dgm:constrLst>
-                      <dgm:constr type="h" refType="w" op="equ" fact="0.4"/>
-                      <dgm:constr type="primFontSz" val="65"/>
-                      <dgm:constr type="tMarg" refType="primFontSz" fact="0.21"/>
-                      <dgm:constr type="bMarg" refType="primFontSz" fact="0.21"/>
-                      <dgm:constr type="lMarg" refType="primFontSz" fact="0.42"/>
-                      <dgm:constr type="rMarg" refType="primFontSz" fact="0.105"/>
-                    </dgm:constrLst>
-                  </dgm:if>
-                  <dgm:else name="Name23">
-                    <dgm:shape xmlns:r="http://schemas.openxmlformats.org/officeDocument/2006/relationships" type="chevron" r:blip="">
-                      <dgm:adjLst/>
-                    </dgm:shape>
-                    <dgm:constrLst>
-                      <dgm:constr type="h" refType="w" op="equ" fact="0.4"/>
-                      <dgm:constr type="primFontSz" val="65"/>
-                      <dgm:constr type="tMarg" refType="primFontSz" fact="0.21"/>
-                      <dgm:constr type="bMarg" refType="primFontSz" fact="0.21"/>
-                      <dgm:constr type="lMarg" refType="primFontSz" fact="0.315"/>
-                      <dgm:constr type="rMarg" refType="primFontSz" fact="0.105"/>
-                    </dgm:constrLst>
-                  </dgm:else>
-                </dgm:choose>
-              </dgm:if>
-              <dgm:else name="Name24">
-                <dgm:choose name="Name25">
-                  <dgm:if name="Name26" axis="self" ptType="node" func="pos" op="equ" val="1">
-                    <dgm:shape xmlns:r="http://schemas.openxmlformats.org/officeDocument/2006/relationships" rot="180" type="homePlate" r:blip="">
-                      <dgm:adjLst/>
-                    </dgm:shape>
-                    <dgm:constrLst>
-                      <dgm:constr type="h" refType="w" op="equ" fact="0.4"/>
-                      <dgm:constr type="primFontSz" val="65"/>
-                      <dgm:constr type="tMarg" refType="primFontSz" fact="0.21"/>
-                      <dgm:constr type="bMarg" refType="primFontSz" fact="0.21"/>
-                      <dgm:constr type="lMarg" refType="primFontSz" fact="0.105"/>
-                      <dgm:constr type="rMarg" refType="primFontSz" fact="0.42"/>
-                    </dgm:constrLst>
-                  </dgm:if>
-                  <dgm:else name="Name27">
-                    <dgm:shape xmlns:r="http://schemas.openxmlformats.org/officeDocument/2006/relationships" rot="180" type="chevron" r:blip="">
-                      <dgm:adjLst/>
-                    </dgm:shape>
-                    <dgm:constrLst>
-                      <dgm:constr type="h" refType="w" op="equ" fact="0.4"/>
-                      <dgm:constr type="primFontSz" val="65"/>
-                      <dgm:constr type="tMarg" refType="primFontSz" fact="0.21"/>
-                      <dgm:constr type="bMarg" refType="primFontSz" fact="0.21"/>
-                      <dgm:constr type="lMarg" refType="primFontSz" fact="0.105"/>
-                      <dgm:constr type="rMarg" refType="primFontSz" fact="0.315"/>
-                    </dgm:constrLst>
-                  </dgm:else>
-                </dgm:choose>
-              </dgm:else>
-            </dgm:choose>
-            <dgm:ruleLst>
-              <dgm:rule type="primFontSz" val="5" fact="NaN" max="NaN"/>
-            </dgm:ruleLst>
-          </dgm:layoutNode>
-          <dgm:forEach name="Name28" axis="followSib" ptType="sibTrans" cnt="1">
-            <dgm:layoutNode name="parSpace">
-              <dgm:alg type="sp"/>
-              <dgm:shape xmlns:r="http://schemas.openxmlformats.org/officeDocument/2006/relationships" r:blip="">
-                <dgm:adjLst/>
-              </dgm:shape>
-              <dgm:presOf/>
-              <dgm:constrLst/>
-              <dgm:ruleLst/>
-            </dgm:layoutNode>
-          </dgm:forEach>
-        </dgm:forEach>
-      </dgm:else>
-    </dgm:choose>
-  </dgm:layoutNode>
-</dgm:layoutDef>
-</file>
-
-<file path=ppt/diagrams/layout13.xml><?xml version="1.0" encoding="utf-8"?>
 <dgm:layoutDef xmlns:dgm="http://schemas.openxmlformats.org/drawingml/2006/diagram" xmlns:a="http://schemas.openxmlformats.org/drawingml/2006/main" uniqueId="urn:microsoft.com/office/officeart/2005/8/layout/hChevron3">
   <dgm:title val=""/>
   <dgm:desc val=""/>
@@ -19028,1040 +17915,6 @@
 </dgm:styleDef>
 </file>
 
-<file path=ppt/diagrams/quickStyle13.xml><?xml version="1.0" encoding="utf-8"?>
-<dgm:styleDef xmlns:dgm="http://schemas.openxmlformats.org/drawingml/2006/diagram" xmlns:a="http://schemas.openxmlformats.org/drawingml/2006/main" uniqueId="urn:microsoft.com/office/officeart/2005/8/quickstyle/simple1">
-  <dgm:title val=""/>
-  <dgm:desc val=""/>
-  <dgm:catLst>
-    <dgm:cat type="simple" pri="10100"/>
-  </dgm:catLst>
-  <dgm:scene3d>
-    <a:camera prst="orthographicFront"/>
-    <a:lightRig rig="threePt" dir="t"/>
-  </dgm:scene3d>
-  <dgm:styleLbl name="node0">
-    <dgm:scene3d>
-      <a:camera prst="orthographicFront"/>
-      <a:lightRig rig="threePt" dir="t"/>
-    </dgm:scene3d>
-    <dgm:sp3d/>
-    <dgm:txPr/>
-    <dgm:style>
-      <a:lnRef idx="2">
-        <a:scrgbClr r="0" g="0" b="0"/>
-      </a:lnRef>
-      <a:fillRef idx="1">
-        <a:scrgbClr r="0" g="0" b="0"/>
-      </a:fillRef>
-      <a:effectRef idx="0">
-        <a:scrgbClr r="0" g="0" b="0"/>
-      </a:effectRef>
-      <a:fontRef idx="minor">
-        <a:schemeClr val="lt1"/>
-      </a:fontRef>
-    </dgm:style>
-  </dgm:styleLbl>
-  <dgm:styleLbl name="lnNode1">
-    <dgm:scene3d>
-      <a:camera prst="orthographicFront"/>
-      <a:lightRig rig="threePt" dir="t"/>
-    </dgm:scene3d>
-    <dgm:sp3d/>
-    <dgm:txPr/>
-    <dgm:style>
-      <a:lnRef idx="2">
-        <a:scrgbClr r="0" g="0" b="0"/>
-      </a:lnRef>
-      <a:fillRef idx="1">
-        <a:scrgbClr r="0" g="0" b="0"/>
-      </a:fillRef>
-      <a:effectRef idx="0">
-        <a:scrgbClr r="0" g="0" b="0"/>
-      </a:effectRef>
-      <a:fontRef idx="minor">
-        <a:schemeClr val="lt1"/>
-      </a:fontRef>
-    </dgm:style>
-  </dgm:styleLbl>
-  <dgm:styleLbl name="vennNode1">
-    <dgm:scene3d>
-      <a:camera prst="orthographicFront"/>
-      <a:lightRig rig="threePt" dir="t"/>
-    </dgm:scene3d>
-    <dgm:sp3d/>
-    <dgm:txPr/>
-    <dgm:style>
-      <a:lnRef idx="2">
-        <a:scrgbClr r="0" g="0" b="0"/>
-      </a:lnRef>
-      <a:fillRef idx="1">
-        <a:scrgbClr r="0" g="0" b="0"/>
-      </a:fillRef>
-      <a:effectRef idx="0">
-        <a:scrgbClr r="0" g="0" b="0"/>
-      </a:effectRef>
-      <a:fontRef idx="minor">
-        <a:schemeClr val="tx1"/>
-      </a:fontRef>
-    </dgm:style>
-  </dgm:styleLbl>
-  <dgm:styleLbl name="alignNode1">
-    <dgm:scene3d>
-      <a:camera prst="orthographicFront"/>
-      <a:lightRig rig="threePt" dir="t"/>
-    </dgm:scene3d>
-    <dgm:sp3d/>
-    <dgm:txPr/>
-    <dgm:style>
-      <a:lnRef idx="2">
-        <a:scrgbClr r="0" g="0" b="0"/>
-      </a:lnRef>
-      <a:fillRef idx="1">
-        <a:scrgbClr r="0" g="0" b="0"/>
-      </a:fillRef>
-      <a:effectRef idx="0">
-        <a:scrgbClr r="0" g="0" b="0"/>
-      </a:effectRef>
-      <a:fontRef idx="minor">
-        <a:schemeClr val="lt1"/>
-      </a:fontRef>
-    </dgm:style>
-  </dgm:styleLbl>
-  <dgm:styleLbl name="node1">
-    <dgm:scene3d>
-      <a:camera prst="orthographicFront"/>
-      <a:lightRig rig="threePt" dir="t"/>
-    </dgm:scene3d>
-    <dgm:sp3d/>
-    <dgm:txPr/>
-    <dgm:style>
-      <a:lnRef idx="2">
-        <a:scrgbClr r="0" g="0" b="0"/>
-      </a:lnRef>
-      <a:fillRef idx="1">
-        <a:scrgbClr r="0" g="0" b="0"/>
-      </a:fillRef>
-      <a:effectRef idx="0">
-        <a:scrgbClr r="0" g="0" b="0"/>
-      </a:effectRef>
-      <a:fontRef idx="minor">
-        <a:schemeClr val="lt1"/>
-      </a:fontRef>
-    </dgm:style>
-  </dgm:styleLbl>
-  <dgm:styleLbl name="node2">
-    <dgm:scene3d>
-      <a:camera prst="orthographicFront"/>
-      <a:lightRig rig="threePt" dir="t"/>
-    </dgm:scene3d>
-    <dgm:sp3d/>
-    <dgm:txPr/>
-    <dgm:style>
-      <a:lnRef idx="2">
-        <a:scrgbClr r="0" g="0" b="0"/>
-      </a:lnRef>
-      <a:fillRef idx="1">
-        <a:scrgbClr r="0" g="0" b="0"/>
-      </a:fillRef>
-      <a:effectRef idx="0">
-        <a:scrgbClr r="0" g="0" b="0"/>
-      </a:effectRef>
-      <a:fontRef idx="minor">
-        <a:schemeClr val="lt1"/>
-      </a:fontRef>
-    </dgm:style>
-  </dgm:styleLbl>
-  <dgm:styleLbl name="node3">
-    <dgm:scene3d>
-      <a:camera prst="orthographicFront"/>
-      <a:lightRig rig="threePt" dir="t"/>
-    </dgm:scene3d>
-    <dgm:sp3d/>
-    <dgm:txPr/>
-    <dgm:style>
-      <a:lnRef idx="2">
-        <a:scrgbClr r="0" g="0" b="0"/>
-      </a:lnRef>
-      <a:fillRef idx="1">
-        <a:scrgbClr r="0" g="0" b="0"/>
-      </a:fillRef>
-      <a:effectRef idx="0">
-        <a:scrgbClr r="0" g="0" b="0"/>
-      </a:effectRef>
-      <a:fontRef idx="minor">
-        <a:schemeClr val="lt1"/>
-      </a:fontRef>
-    </dgm:style>
-  </dgm:styleLbl>
-  <dgm:styleLbl name="node4">
-    <dgm:scene3d>
-      <a:camera prst="orthographicFront"/>
-      <a:lightRig rig="threePt" dir="t"/>
-    </dgm:scene3d>
-    <dgm:sp3d/>
-    <dgm:txPr/>
-    <dgm:style>
-      <a:lnRef idx="2">
-        <a:scrgbClr r="0" g="0" b="0"/>
-      </a:lnRef>
-      <a:fillRef idx="1">
-        <a:scrgbClr r="0" g="0" b="0"/>
-      </a:fillRef>
-      <a:effectRef idx="0">
-        <a:scrgbClr r="0" g="0" b="0"/>
-      </a:effectRef>
-      <a:fontRef idx="minor">
-        <a:schemeClr val="lt1"/>
-      </a:fontRef>
-    </dgm:style>
-  </dgm:styleLbl>
-  <dgm:styleLbl name="fgImgPlace1">
-    <dgm:scene3d>
-      <a:camera prst="orthographicFront"/>
-      <a:lightRig rig="threePt" dir="t"/>
-    </dgm:scene3d>
-    <dgm:sp3d/>
-    <dgm:txPr/>
-    <dgm:style>
-      <a:lnRef idx="2">
-        <a:scrgbClr r="0" g="0" b="0"/>
-      </a:lnRef>
-      <a:fillRef idx="1">
-        <a:scrgbClr r="0" g="0" b="0"/>
-      </a:fillRef>
-      <a:effectRef idx="0">
-        <a:scrgbClr r="0" g="0" b="0"/>
-      </a:effectRef>
-      <a:fontRef idx="minor"/>
-    </dgm:style>
-  </dgm:styleLbl>
-  <dgm:styleLbl name="alignImgPlace1">
-    <dgm:scene3d>
-      <a:camera prst="orthographicFront"/>
-      <a:lightRig rig="threePt" dir="t"/>
-    </dgm:scene3d>
-    <dgm:sp3d/>
-    <dgm:txPr/>
-    <dgm:style>
-      <a:lnRef idx="2">
-        <a:scrgbClr r="0" g="0" b="0"/>
-      </a:lnRef>
-      <a:fillRef idx="1">
-        <a:scrgbClr r="0" g="0" b="0"/>
-      </a:fillRef>
-      <a:effectRef idx="0">
-        <a:scrgbClr r="0" g="0" b="0"/>
-      </a:effectRef>
-      <a:fontRef idx="minor"/>
-    </dgm:style>
-  </dgm:styleLbl>
-  <dgm:styleLbl name="bgImgPlace1">
-    <dgm:scene3d>
-      <a:camera prst="orthographicFront"/>
-      <a:lightRig rig="threePt" dir="t"/>
-    </dgm:scene3d>
-    <dgm:sp3d/>
-    <dgm:txPr/>
-    <dgm:style>
-      <a:lnRef idx="2">
-        <a:scrgbClr r="0" g="0" b="0"/>
-      </a:lnRef>
-      <a:fillRef idx="1">
-        <a:scrgbClr r="0" g="0" b="0"/>
-      </a:fillRef>
-      <a:effectRef idx="0">
-        <a:scrgbClr r="0" g="0" b="0"/>
-      </a:effectRef>
-      <a:fontRef idx="minor"/>
-    </dgm:style>
-  </dgm:styleLbl>
-  <dgm:styleLbl name="sibTrans2D1">
-    <dgm:scene3d>
-      <a:camera prst="orthographicFront"/>
-      <a:lightRig rig="threePt" dir="t"/>
-    </dgm:scene3d>
-    <dgm:sp3d/>
-    <dgm:txPr/>
-    <dgm:style>
-      <a:lnRef idx="0">
-        <a:scrgbClr r="0" g="0" b="0"/>
-      </a:lnRef>
-      <a:fillRef idx="1">
-        <a:scrgbClr r="0" g="0" b="0"/>
-      </a:fillRef>
-      <a:effectRef idx="0">
-        <a:scrgbClr r="0" g="0" b="0"/>
-      </a:effectRef>
-      <a:fontRef idx="minor">
-        <a:schemeClr val="lt1"/>
-      </a:fontRef>
-    </dgm:style>
-  </dgm:styleLbl>
-  <dgm:styleLbl name="fgSibTrans2D1">
-    <dgm:scene3d>
-      <a:camera prst="orthographicFront"/>
-      <a:lightRig rig="threePt" dir="t"/>
-    </dgm:scene3d>
-    <dgm:sp3d/>
-    <dgm:txPr/>
-    <dgm:style>
-      <a:lnRef idx="0">
-        <a:scrgbClr r="0" g="0" b="0"/>
-      </a:lnRef>
-      <a:fillRef idx="1">
-        <a:scrgbClr r="0" g="0" b="0"/>
-      </a:fillRef>
-      <a:effectRef idx="0">
-        <a:scrgbClr r="0" g="0" b="0"/>
-      </a:effectRef>
-      <a:fontRef idx="minor">
-        <a:schemeClr val="lt1"/>
-      </a:fontRef>
-    </dgm:style>
-  </dgm:styleLbl>
-  <dgm:styleLbl name="bgSibTrans2D1">
-    <dgm:scene3d>
-      <a:camera prst="orthographicFront"/>
-      <a:lightRig rig="threePt" dir="t"/>
-    </dgm:scene3d>
-    <dgm:sp3d/>
-    <dgm:txPr/>
-    <dgm:style>
-      <a:lnRef idx="0">
-        <a:scrgbClr r="0" g="0" b="0"/>
-      </a:lnRef>
-      <a:fillRef idx="1">
-        <a:scrgbClr r="0" g="0" b="0"/>
-      </a:fillRef>
-      <a:effectRef idx="0">
-        <a:scrgbClr r="0" g="0" b="0"/>
-      </a:effectRef>
-      <a:fontRef idx="minor">
-        <a:schemeClr val="lt1"/>
-      </a:fontRef>
-    </dgm:style>
-  </dgm:styleLbl>
-  <dgm:styleLbl name="sibTrans1D1">
-    <dgm:scene3d>
-      <a:camera prst="orthographicFront"/>
-      <a:lightRig rig="threePt" dir="t"/>
-    </dgm:scene3d>
-    <dgm:sp3d/>
-    <dgm:txPr/>
-    <dgm:style>
-      <a:lnRef idx="1">
-        <a:scrgbClr r="0" g="0" b="0"/>
-      </a:lnRef>
-      <a:fillRef idx="0">
-        <a:scrgbClr r="0" g="0" b="0"/>
-      </a:fillRef>
-      <a:effectRef idx="0">
-        <a:scrgbClr r="0" g="0" b="0"/>
-      </a:effectRef>
-      <a:fontRef idx="minor"/>
-    </dgm:style>
-  </dgm:styleLbl>
-  <dgm:styleLbl name="callout">
-    <dgm:scene3d>
-      <a:camera prst="orthographicFront"/>
-      <a:lightRig rig="threePt" dir="t"/>
-    </dgm:scene3d>
-    <dgm:sp3d/>
-    <dgm:txPr/>
-    <dgm:style>
-      <a:lnRef idx="2">
-        <a:scrgbClr r="0" g="0" b="0"/>
-      </a:lnRef>
-      <a:fillRef idx="1">
-        <a:scrgbClr r="0" g="0" b="0"/>
-      </a:fillRef>
-      <a:effectRef idx="0">
-        <a:scrgbClr r="0" g="0" b="0"/>
-      </a:effectRef>
-      <a:fontRef idx="minor"/>
-    </dgm:style>
-  </dgm:styleLbl>
-  <dgm:styleLbl name="asst0">
-    <dgm:scene3d>
-      <a:camera prst="orthographicFront"/>
-      <a:lightRig rig="threePt" dir="t"/>
-    </dgm:scene3d>
-    <dgm:sp3d/>
-    <dgm:txPr/>
-    <dgm:style>
-      <a:lnRef idx="2">
-        <a:scrgbClr r="0" g="0" b="0"/>
-      </a:lnRef>
-      <a:fillRef idx="1">
-        <a:scrgbClr r="0" g="0" b="0"/>
-      </a:fillRef>
-      <a:effectRef idx="0">
-        <a:scrgbClr r="0" g="0" b="0"/>
-      </a:effectRef>
-      <a:fontRef idx="minor">
-        <a:schemeClr val="lt1"/>
-      </a:fontRef>
-    </dgm:style>
-  </dgm:styleLbl>
-  <dgm:styleLbl name="asst1">
-    <dgm:scene3d>
-      <a:camera prst="orthographicFront"/>
-      <a:lightRig rig="threePt" dir="t"/>
-    </dgm:scene3d>
-    <dgm:sp3d/>
-    <dgm:txPr/>
-    <dgm:style>
-      <a:lnRef idx="2">
-        <a:scrgbClr r="0" g="0" b="0"/>
-      </a:lnRef>
-      <a:fillRef idx="1">
-        <a:scrgbClr r="0" g="0" b="0"/>
-      </a:fillRef>
-      <a:effectRef idx="0">
-        <a:scrgbClr r="0" g="0" b="0"/>
-      </a:effectRef>
-      <a:fontRef idx="minor">
-        <a:schemeClr val="lt1"/>
-      </a:fontRef>
-    </dgm:style>
-  </dgm:styleLbl>
-  <dgm:styleLbl name="asst2">
-    <dgm:scene3d>
-      <a:camera prst="orthographicFront"/>
-      <a:lightRig rig="threePt" dir="t"/>
-    </dgm:scene3d>
-    <dgm:sp3d/>
-    <dgm:txPr/>
-    <dgm:style>
-      <a:lnRef idx="2">
-        <a:scrgbClr r="0" g="0" b="0"/>
-      </a:lnRef>
-      <a:fillRef idx="1">
-        <a:scrgbClr r="0" g="0" b="0"/>
-      </a:fillRef>
-      <a:effectRef idx="0">
-        <a:scrgbClr r="0" g="0" b="0"/>
-      </a:effectRef>
-      <a:fontRef idx="minor">
-        <a:schemeClr val="lt1"/>
-      </a:fontRef>
-    </dgm:style>
-  </dgm:styleLbl>
-  <dgm:styleLbl name="asst3">
-    <dgm:scene3d>
-      <a:camera prst="orthographicFront"/>
-      <a:lightRig rig="threePt" dir="t"/>
-    </dgm:scene3d>
-    <dgm:sp3d/>
-    <dgm:txPr/>
-    <dgm:style>
-      <a:lnRef idx="2">
-        <a:scrgbClr r="0" g="0" b="0"/>
-      </a:lnRef>
-      <a:fillRef idx="1">
-        <a:scrgbClr r="0" g="0" b="0"/>
-      </a:fillRef>
-      <a:effectRef idx="0">
-        <a:scrgbClr r="0" g="0" b="0"/>
-      </a:effectRef>
-      <a:fontRef idx="minor">
-        <a:schemeClr val="lt1"/>
-      </a:fontRef>
-    </dgm:style>
-  </dgm:styleLbl>
-  <dgm:styleLbl name="asst4">
-    <dgm:scene3d>
-      <a:camera prst="orthographicFront"/>
-      <a:lightRig rig="threePt" dir="t"/>
-    </dgm:scene3d>
-    <dgm:sp3d/>
-    <dgm:txPr/>
-    <dgm:style>
-      <a:lnRef idx="2">
-        <a:scrgbClr r="0" g="0" b="0"/>
-      </a:lnRef>
-      <a:fillRef idx="1">
-        <a:scrgbClr r="0" g="0" b="0"/>
-      </a:fillRef>
-      <a:effectRef idx="0">
-        <a:scrgbClr r="0" g="0" b="0"/>
-      </a:effectRef>
-      <a:fontRef idx="minor">
-        <a:schemeClr val="lt1"/>
-      </a:fontRef>
-    </dgm:style>
-  </dgm:styleLbl>
-  <dgm:styleLbl name="parChTrans2D1">
-    <dgm:scene3d>
-      <a:camera prst="orthographicFront"/>
-      <a:lightRig rig="threePt" dir="t"/>
-    </dgm:scene3d>
-    <dgm:sp3d/>
-    <dgm:txPr/>
-    <dgm:style>
-      <a:lnRef idx="2">
-        <a:scrgbClr r="0" g="0" b="0"/>
-      </a:lnRef>
-      <a:fillRef idx="1">
-        <a:scrgbClr r="0" g="0" b="0"/>
-      </a:fillRef>
-      <a:effectRef idx="0">
-        <a:scrgbClr r="0" g="0" b="0"/>
-      </a:effectRef>
-      <a:fontRef idx="minor">
-        <a:schemeClr val="lt1"/>
-      </a:fontRef>
-    </dgm:style>
-  </dgm:styleLbl>
-  <dgm:styleLbl name="parChTrans2D2">
-    <dgm:scene3d>
-      <a:camera prst="orthographicFront"/>
-      <a:lightRig rig="threePt" dir="t"/>
-    </dgm:scene3d>
-    <dgm:sp3d/>
-    <dgm:txPr/>
-    <dgm:style>
-      <a:lnRef idx="2">
-        <a:scrgbClr r="0" g="0" b="0"/>
-      </a:lnRef>
-      <a:fillRef idx="1">
-        <a:scrgbClr r="0" g="0" b="0"/>
-      </a:fillRef>
-      <a:effectRef idx="0">
-        <a:scrgbClr r="0" g="0" b="0"/>
-      </a:effectRef>
-      <a:fontRef idx="minor">
-        <a:schemeClr val="lt1"/>
-      </a:fontRef>
-    </dgm:style>
-  </dgm:styleLbl>
-  <dgm:styleLbl name="parChTrans2D3">
-    <dgm:scene3d>
-      <a:camera prst="orthographicFront"/>
-      <a:lightRig rig="threePt" dir="t"/>
-    </dgm:scene3d>
-    <dgm:sp3d/>
-    <dgm:txPr/>
-    <dgm:style>
-      <a:lnRef idx="2">
-        <a:scrgbClr r="0" g="0" b="0"/>
-      </a:lnRef>
-      <a:fillRef idx="1">
-        <a:scrgbClr r="0" g="0" b="0"/>
-      </a:fillRef>
-      <a:effectRef idx="0">
-        <a:scrgbClr r="0" g="0" b="0"/>
-      </a:effectRef>
-      <a:fontRef idx="minor">
-        <a:schemeClr val="lt1"/>
-      </a:fontRef>
-    </dgm:style>
-  </dgm:styleLbl>
-  <dgm:styleLbl name="parChTrans2D4">
-    <dgm:scene3d>
-      <a:camera prst="orthographicFront"/>
-      <a:lightRig rig="threePt" dir="t"/>
-    </dgm:scene3d>
-    <dgm:sp3d/>
-    <dgm:txPr/>
-    <dgm:style>
-      <a:lnRef idx="2">
-        <a:scrgbClr r="0" g="0" b="0"/>
-      </a:lnRef>
-      <a:fillRef idx="1">
-        <a:scrgbClr r="0" g="0" b="0"/>
-      </a:fillRef>
-      <a:effectRef idx="0">
-        <a:scrgbClr r="0" g="0" b="0"/>
-      </a:effectRef>
-      <a:fontRef idx="minor">
-        <a:schemeClr val="lt1"/>
-      </a:fontRef>
-    </dgm:style>
-  </dgm:styleLbl>
-  <dgm:styleLbl name="parChTrans1D1">
-    <dgm:scene3d>
-      <a:camera prst="orthographicFront"/>
-      <a:lightRig rig="threePt" dir="t"/>
-    </dgm:scene3d>
-    <dgm:sp3d/>
-    <dgm:txPr/>
-    <dgm:style>
-      <a:lnRef idx="2">
-        <a:scrgbClr r="0" g="0" b="0"/>
-      </a:lnRef>
-      <a:fillRef idx="0">
-        <a:scrgbClr r="0" g="0" b="0"/>
-      </a:fillRef>
-      <a:effectRef idx="0">
-        <a:scrgbClr r="0" g="0" b="0"/>
-      </a:effectRef>
-      <a:fontRef idx="minor"/>
-    </dgm:style>
-  </dgm:styleLbl>
-  <dgm:styleLbl name="parChTrans1D2">
-    <dgm:scene3d>
-      <a:camera prst="orthographicFront"/>
-      <a:lightRig rig="threePt" dir="t"/>
-    </dgm:scene3d>
-    <dgm:sp3d/>
-    <dgm:txPr/>
-    <dgm:style>
-      <a:lnRef idx="2">
-        <a:scrgbClr r="0" g="0" b="0"/>
-      </a:lnRef>
-      <a:fillRef idx="0">
-        <a:scrgbClr r="0" g="0" b="0"/>
-      </a:fillRef>
-      <a:effectRef idx="0">
-        <a:scrgbClr r="0" g="0" b="0"/>
-      </a:effectRef>
-      <a:fontRef idx="minor"/>
-    </dgm:style>
-  </dgm:styleLbl>
-  <dgm:styleLbl name="parChTrans1D3">
-    <dgm:scene3d>
-      <a:camera prst="orthographicFront"/>
-      <a:lightRig rig="threePt" dir="t"/>
-    </dgm:scene3d>
-    <dgm:sp3d/>
-    <dgm:txPr/>
-    <dgm:style>
-      <a:lnRef idx="2">
-        <a:scrgbClr r="0" g="0" b="0"/>
-      </a:lnRef>
-      <a:fillRef idx="0">
-        <a:scrgbClr r="0" g="0" b="0"/>
-      </a:fillRef>
-      <a:effectRef idx="0">
-        <a:scrgbClr r="0" g="0" b="0"/>
-      </a:effectRef>
-      <a:fontRef idx="minor"/>
-    </dgm:style>
-  </dgm:styleLbl>
-  <dgm:styleLbl name="parChTrans1D4">
-    <dgm:scene3d>
-      <a:camera prst="orthographicFront"/>
-      <a:lightRig rig="threePt" dir="t"/>
-    </dgm:scene3d>
-    <dgm:sp3d/>
-    <dgm:txPr/>
-    <dgm:style>
-      <a:lnRef idx="2">
-        <a:scrgbClr r="0" g="0" b="0"/>
-      </a:lnRef>
-      <a:fillRef idx="0">
-        <a:scrgbClr r="0" g="0" b="0"/>
-      </a:fillRef>
-      <a:effectRef idx="0">
-        <a:scrgbClr r="0" g="0" b="0"/>
-      </a:effectRef>
-      <a:fontRef idx="minor"/>
-    </dgm:style>
-  </dgm:styleLbl>
-  <dgm:styleLbl name="fgAcc1">
-    <dgm:scene3d>
-      <a:camera prst="orthographicFront"/>
-      <a:lightRig rig="threePt" dir="t"/>
-    </dgm:scene3d>
-    <dgm:sp3d/>
-    <dgm:txPr/>
-    <dgm:style>
-      <a:lnRef idx="2">
-        <a:scrgbClr r="0" g="0" b="0"/>
-      </a:lnRef>
-      <a:fillRef idx="1">
-        <a:scrgbClr r="0" g="0" b="0"/>
-      </a:fillRef>
-      <a:effectRef idx="0">
-        <a:scrgbClr r="0" g="0" b="0"/>
-      </a:effectRef>
-      <a:fontRef idx="minor"/>
-    </dgm:style>
-  </dgm:styleLbl>
-  <dgm:styleLbl name="conFgAcc1">
-    <dgm:scene3d>
-      <a:camera prst="orthographicFront"/>
-      <a:lightRig rig="threePt" dir="t"/>
-    </dgm:scene3d>
-    <dgm:sp3d/>
-    <dgm:txPr/>
-    <dgm:style>
-      <a:lnRef idx="2">
-        <a:scrgbClr r="0" g="0" b="0"/>
-      </a:lnRef>
-      <a:fillRef idx="1">
-        <a:scrgbClr r="0" g="0" b="0"/>
-      </a:fillRef>
-      <a:effectRef idx="0">
-        <a:scrgbClr r="0" g="0" b="0"/>
-      </a:effectRef>
-      <a:fontRef idx="minor"/>
-    </dgm:style>
-  </dgm:styleLbl>
-  <dgm:styleLbl name="alignAcc1">
-    <dgm:scene3d>
-      <a:camera prst="orthographicFront"/>
-      <a:lightRig rig="threePt" dir="t"/>
-    </dgm:scene3d>
-    <dgm:sp3d/>
-    <dgm:txPr/>
-    <dgm:style>
-      <a:lnRef idx="2">
-        <a:scrgbClr r="0" g="0" b="0"/>
-      </a:lnRef>
-      <a:fillRef idx="1">
-        <a:scrgbClr r="0" g="0" b="0"/>
-      </a:fillRef>
-      <a:effectRef idx="0">
-        <a:scrgbClr r="0" g="0" b="0"/>
-      </a:effectRef>
-      <a:fontRef idx="minor"/>
-    </dgm:style>
-  </dgm:styleLbl>
-  <dgm:styleLbl name="trAlignAcc1">
-    <dgm:scene3d>
-      <a:camera prst="orthographicFront"/>
-      <a:lightRig rig="threePt" dir="t"/>
-    </dgm:scene3d>
-    <dgm:sp3d/>
-    <dgm:txPr/>
-    <dgm:style>
-      <a:lnRef idx="1">
-        <a:scrgbClr r="0" g="0" b="0"/>
-      </a:lnRef>
-      <a:fillRef idx="1">
-        <a:scrgbClr r="0" g="0" b="0"/>
-      </a:fillRef>
-      <a:effectRef idx="0">
-        <a:scrgbClr r="0" g="0" b="0"/>
-      </a:effectRef>
-      <a:fontRef idx="minor"/>
-    </dgm:style>
-  </dgm:styleLbl>
-  <dgm:styleLbl name="bgAcc1">
-    <dgm:scene3d>
-      <a:camera prst="orthographicFront"/>
-      <a:lightRig rig="threePt" dir="t"/>
-    </dgm:scene3d>
-    <dgm:sp3d/>
-    <dgm:txPr/>
-    <dgm:style>
-      <a:lnRef idx="2">
-        <a:scrgbClr r="0" g="0" b="0"/>
-      </a:lnRef>
-      <a:fillRef idx="1">
-        <a:scrgbClr r="0" g="0" b="0"/>
-      </a:fillRef>
-      <a:effectRef idx="0">
-        <a:scrgbClr r="0" g="0" b="0"/>
-      </a:effectRef>
-      <a:fontRef idx="minor"/>
-    </dgm:style>
-  </dgm:styleLbl>
-  <dgm:styleLbl name="solidFgAcc1">
-    <dgm:scene3d>
-      <a:camera prst="orthographicFront"/>
-      <a:lightRig rig="threePt" dir="t"/>
-    </dgm:scene3d>
-    <dgm:sp3d/>
-    <dgm:txPr/>
-    <dgm:style>
-      <a:lnRef idx="2">
-        <a:scrgbClr r="0" g="0" b="0"/>
-      </a:lnRef>
-      <a:fillRef idx="1">
-        <a:scrgbClr r="0" g="0" b="0"/>
-      </a:fillRef>
-      <a:effectRef idx="0">
-        <a:scrgbClr r="0" g="0" b="0"/>
-      </a:effectRef>
-      <a:fontRef idx="minor"/>
-    </dgm:style>
-  </dgm:styleLbl>
-  <dgm:styleLbl name="solidAlignAcc1">
-    <dgm:scene3d>
-      <a:camera prst="orthographicFront"/>
-      <a:lightRig rig="threePt" dir="t"/>
-    </dgm:scene3d>
-    <dgm:sp3d/>
-    <dgm:txPr/>
-    <dgm:style>
-      <a:lnRef idx="2">
-        <a:scrgbClr r="0" g="0" b="0"/>
-      </a:lnRef>
-      <a:fillRef idx="1">
-        <a:scrgbClr r="0" g="0" b="0"/>
-      </a:fillRef>
-      <a:effectRef idx="0">
-        <a:scrgbClr r="0" g="0" b="0"/>
-      </a:effectRef>
-      <a:fontRef idx="minor"/>
-    </dgm:style>
-  </dgm:styleLbl>
-  <dgm:styleLbl name="solidBgAcc1">
-    <dgm:scene3d>
-      <a:camera prst="orthographicFront"/>
-      <a:lightRig rig="threePt" dir="t"/>
-    </dgm:scene3d>
-    <dgm:sp3d/>
-    <dgm:txPr/>
-    <dgm:style>
-      <a:lnRef idx="2">
-        <a:scrgbClr r="0" g="0" b="0"/>
-      </a:lnRef>
-      <a:fillRef idx="1">
-        <a:scrgbClr r="0" g="0" b="0"/>
-      </a:fillRef>
-      <a:effectRef idx="0">
-        <a:scrgbClr r="0" g="0" b="0"/>
-      </a:effectRef>
-      <a:fontRef idx="minor"/>
-    </dgm:style>
-  </dgm:styleLbl>
-  <dgm:styleLbl name="fgAccFollowNode1">
-    <dgm:scene3d>
-      <a:camera prst="orthographicFront"/>
-      <a:lightRig rig="threePt" dir="t"/>
-    </dgm:scene3d>
-    <dgm:sp3d/>
-    <dgm:txPr/>
-    <dgm:style>
-      <a:lnRef idx="2">
-        <a:scrgbClr r="0" g="0" b="0"/>
-      </a:lnRef>
-      <a:fillRef idx="1">
-        <a:scrgbClr r="0" g="0" b="0"/>
-      </a:fillRef>
-      <a:effectRef idx="0">
-        <a:scrgbClr r="0" g="0" b="0"/>
-      </a:effectRef>
-      <a:fontRef idx="minor"/>
-    </dgm:style>
-  </dgm:styleLbl>
-  <dgm:styleLbl name="alignAccFollowNode1">
-    <dgm:scene3d>
-      <a:camera prst="orthographicFront"/>
-      <a:lightRig rig="threePt" dir="t"/>
-    </dgm:scene3d>
-    <dgm:sp3d/>
-    <dgm:txPr/>
-    <dgm:style>
-      <a:lnRef idx="2">
-        <a:scrgbClr r="0" g="0" b="0"/>
-      </a:lnRef>
-      <a:fillRef idx="1">
-        <a:scrgbClr r="0" g="0" b="0"/>
-      </a:fillRef>
-      <a:effectRef idx="0">
-        <a:scrgbClr r="0" g="0" b="0"/>
-      </a:effectRef>
-      <a:fontRef idx="minor"/>
-    </dgm:style>
-  </dgm:styleLbl>
-  <dgm:styleLbl name="bgAccFollowNode1">
-    <dgm:scene3d>
-      <a:camera prst="orthographicFront"/>
-      <a:lightRig rig="threePt" dir="t"/>
-    </dgm:scene3d>
-    <dgm:sp3d/>
-    <dgm:txPr/>
-    <dgm:style>
-      <a:lnRef idx="2">
-        <a:scrgbClr r="0" g="0" b="0"/>
-      </a:lnRef>
-      <a:fillRef idx="1">
-        <a:scrgbClr r="0" g="0" b="0"/>
-      </a:fillRef>
-      <a:effectRef idx="0">
-        <a:scrgbClr r="0" g="0" b="0"/>
-      </a:effectRef>
-      <a:fontRef idx="minor"/>
-    </dgm:style>
-  </dgm:styleLbl>
-  <dgm:styleLbl name="fgAcc0">
-    <dgm:scene3d>
-      <a:camera prst="orthographicFront"/>
-      <a:lightRig rig="threePt" dir="t"/>
-    </dgm:scene3d>
-    <dgm:sp3d/>
-    <dgm:txPr/>
-    <dgm:style>
-      <a:lnRef idx="2">
-        <a:scrgbClr r="0" g="0" b="0"/>
-      </a:lnRef>
-      <a:fillRef idx="1">
-        <a:scrgbClr r="0" g="0" b="0"/>
-      </a:fillRef>
-      <a:effectRef idx="0">
-        <a:scrgbClr r="0" g="0" b="0"/>
-      </a:effectRef>
-      <a:fontRef idx="minor"/>
-    </dgm:style>
-  </dgm:styleLbl>
-  <dgm:styleLbl name="fgAcc2">
-    <dgm:scene3d>
-      <a:camera prst="orthographicFront"/>
-      <a:lightRig rig="threePt" dir="t"/>
-    </dgm:scene3d>
-    <dgm:sp3d/>
-    <dgm:txPr/>
-    <dgm:style>
-      <a:lnRef idx="2">
-        <a:scrgbClr r="0" g="0" b="0"/>
-      </a:lnRef>
-      <a:fillRef idx="1">
-        <a:scrgbClr r="0" g="0" b="0"/>
-      </a:fillRef>
-      <a:effectRef idx="0">
-        <a:scrgbClr r="0" g="0" b="0"/>
-      </a:effectRef>
-      <a:fontRef idx="minor"/>
-    </dgm:style>
-  </dgm:styleLbl>
-  <dgm:styleLbl name="fgAcc3">
-    <dgm:scene3d>
-      <a:camera prst="orthographicFront"/>
-      <a:lightRig rig="threePt" dir="t"/>
-    </dgm:scene3d>
-    <dgm:sp3d/>
-    <dgm:txPr/>
-    <dgm:style>
-      <a:lnRef idx="2">
-        <a:scrgbClr r="0" g="0" b="0"/>
-      </a:lnRef>
-      <a:fillRef idx="1">
-        <a:scrgbClr r="0" g="0" b="0"/>
-      </a:fillRef>
-      <a:effectRef idx="0">
-        <a:scrgbClr r="0" g="0" b="0"/>
-      </a:effectRef>
-      <a:fontRef idx="minor"/>
-    </dgm:style>
-  </dgm:styleLbl>
-  <dgm:styleLbl name="fgAcc4">
-    <dgm:scene3d>
-      <a:camera prst="orthographicFront"/>
-      <a:lightRig rig="threePt" dir="t"/>
-    </dgm:scene3d>
-    <dgm:sp3d/>
-    <dgm:txPr/>
-    <dgm:style>
-      <a:lnRef idx="2">
-        <a:scrgbClr r="0" g="0" b="0"/>
-      </a:lnRef>
-      <a:fillRef idx="1">
-        <a:scrgbClr r="0" g="0" b="0"/>
-      </a:fillRef>
-      <a:effectRef idx="0">
-        <a:scrgbClr r="0" g="0" b="0"/>
-      </a:effectRef>
-      <a:fontRef idx="minor"/>
-    </dgm:style>
-  </dgm:styleLbl>
-  <dgm:styleLbl name="bgShp">
-    <dgm:scene3d>
-      <a:camera prst="orthographicFront"/>
-      <a:lightRig rig="threePt" dir="t"/>
-    </dgm:scene3d>
-    <dgm:sp3d/>
-    <dgm:txPr/>
-    <dgm:style>
-      <a:lnRef idx="0">
-        <a:scrgbClr r="0" g="0" b="0"/>
-      </a:lnRef>
-      <a:fillRef idx="1">
-        <a:scrgbClr r="0" g="0" b="0"/>
-      </a:fillRef>
-      <a:effectRef idx="0">
-        <a:scrgbClr r="0" g="0" b="0"/>
-      </a:effectRef>
-      <a:fontRef idx="minor"/>
-    </dgm:style>
-  </dgm:styleLbl>
-  <dgm:styleLbl name="dkBgShp">
-    <dgm:scene3d>
-      <a:camera prst="orthographicFront"/>
-      <a:lightRig rig="threePt" dir="t"/>
-    </dgm:scene3d>
-    <dgm:sp3d/>
-    <dgm:txPr/>
-    <dgm:style>
-      <a:lnRef idx="0">
-        <a:scrgbClr r="0" g="0" b="0"/>
-      </a:lnRef>
-      <a:fillRef idx="1">
-        <a:scrgbClr r="0" g="0" b="0"/>
-      </a:fillRef>
-      <a:effectRef idx="0">
-        <a:scrgbClr r="0" g="0" b="0"/>
-      </a:effectRef>
-      <a:fontRef idx="minor"/>
-    </dgm:style>
-  </dgm:styleLbl>
-  <dgm:styleLbl name="trBgShp">
-    <dgm:scene3d>
-      <a:camera prst="orthographicFront"/>
-      <a:lightRig rig="threePt" dir="t"/>
-    </dgm:scene3d>
-    <dgm:sp3d/>
-    <dgm:txPr/>
-    <dgm:style>
-      <a:lnRef idx="0">
-        <a:scrgbClr r="0" g="0" b="0"/>
-      </a:lnRef>
-      <a:fillRef idx="1">
-        <a:scrgbClr r="0" g="0" b="0"/>
-      </a:fillRef>
-      <a:effectRef idx="0">
-        <a:scrgbClr r="0" g="0" b="0"/>
-      </a:effectRef>
-      <a:fontRef idx="minor"/>
-    </dgm:style>
-  </dgm:styleLbl>
-  <dgm:styleLbl name="fgShp">
-    <dgm:scene3d>
-      <a:camera prst="orthographicFront"/>
-      <a:lightRig rig="threePt" dir="t"/>
-    </dgm:scene3d>
-    <dgm:sp3d/>
-    <dgm:txPr/>
-    <dgm:style>
-      <a:lnRef idx="2">
-        <a:scrgbClr r="0" g="0" b="0"/>
-      </a:lnRef>
-      <a:fillRef idx="1">
-        <a:scrgbClr r="0" g="0" b="0"/>
-      </a:fillRef>
-      <a:effectRef idx="0">
-        <a:scrgbClr r="0" g="0" b="0"/>
-      </a:effectRef>
-      <a:fontRef idx="minor"/>
-    </dgm:style>
-  </dgm:styleLbl>
-  <dgm:styleLbl name="revTx">
-    <dgm:scene3d>
-      <a:camera prst="orthographicFront"/>
-      <a:lightRig rig="threePt" dir="t"/>
-    </dgm:scene3d>
-    <dgm:sp3d/>
-    <dgm:txPr/>
-    <dgm:style>
-      <a:lnRef idx="0">
-        <a:scrgbClr r="0" g="0" b="0"/>
-      </a:lnRef>
-      <a:fillRef idx="0">
-        <a:scrgbClr r="0" g="0" b="0"/>
-      </a:fillRef>
-      <a:effectRef idx="0">
-        <a:scrgbClr r="0" g="0" b="0"/>
-      </a:effectRef>
-      <a:fontRef idx="minor"/>
-    </dgm:style>
-  </dgm:styleLbl>
-</dgm:styleDef>
-</file>
-
 <file path=ppt/diagrams/quickStyle2.xml><?xml version="1.0" encoding="utf-8"?>
 <dgm:styleDef xmlns:dgm="http://schemas.openxmlformats.org/drawingml/2006/diagram" xmlns:a="http://schemas.openxmlformats.org/drawingml/2006/main" uniqueId="urn:microsoft.com/office/officeart/2005/8/quickstyle/simple1">
   <dgm:title val=""/>
@@ -28580,7 +26433,7 @@
             <a:fld id="{B61BEF0D-F0BB-DE4B-95CE-6DB70DBA9567}" type="datetimeFigureOut">
               <a:rPr lang="en-US" dirty="0"/>
               <a:pPr/>
-              <a:t>5/6/2021</a:t>
+              <a:t>5/7/2021</a:t>
             </a:fld>
             <a:endParaRPr lang="en-US" dirty="0"/>
           </a:p>
@@ -28839,7 +26692,7 @@
             <a:fld id="{B61BEF0D-F0BB-DE4B-95CE-6DB70DBA9567}" type="datetimeFigureOut">
               <a:rPr lang="en-US" dirty="0"/>
               <a:pPr/>
-              <a:t>5/6/2021</a:t>
+              <a:t>5/7/2021</a:t>
             </a:fld>
             <a:endParaRPr lang="en-US" dirty="0"/>
           </a:p>
@@ -29071,7 +26924,7 @@
             <a:fld id="{B61BEF0D-F0BB-DE4B-95CE-6DB70DBA9567}" type="datetimeFigureOut">
               <a:rPr lang="en-US" dirty="0"/>
               <a:pPr/>
-              <a:t>5/6/2021</a:t>
+              <a:t>5/7/2021</a:t>
             </a:fld>
             <a:endParaRPr lang="en-US" dirty="0"/>
           </a:p>
@@ -29308,7 +27161,7 @@
             <a:fld id="{B61BEF0D-F0BB-DE4B-95CE-6DB70DBA9567}" type="datetimeFigureOut">
               <a:rPr lang="en-US" dirty="0"/>
               <a:pPr/>
-              <a:t>5/6/2021</a:t>
+              <a:t>5/7/2021</a:t>
             </a:fld>
             <a:endParaRPr lang="en-US" dirty="0"/>
           </a:p>
@@ -29612,7 +27465,7 @@
             <a:fld id="{B61BEF0D-F0BB-DE4B-95CE-6DB70DBA9567}" type="datetimeFigureOut">
               <a:rPr lang="en-US" dirty="0"/>
               <a:pPr/>
-              <a:t>5/6/2021</a:t>
+              <a:t>5/7/2021</a:t>
             </a:fld>
             <a:endParaRPr lang="en-US" dirty="0"/>
           </a:p>
@@ -29911,7 +27764,7 @@
             <a:fld id="{B61BEF0D-F0BB-DE4B-95CE-6DB70DBA9567}" type="datetimeFigureOut">
               <a:rPr lang="en-US" dirty="0"/>
               <a:pPr/>
-              <a:t>5/6/2021</a:t>
+              <a:t>5/7/2021</a:t>
             </a:fld>
             <a:endParaRPr lang="en-US" dirty="0"/>
           </a:p>
@@ -30330,7 +28183,7 @@
             <a:fld id="{B61BEF0D-F0BB-DE4B-95CE-6DB70DBA9567}" type="datetimeFigureOut">
               <a:rPr lang="en-US" dirty="0"/>
               <a:pPr/>
-              <a:t>5/6/2021</a:t>
+              <a:t>5/7/2021</a:t>
             </a:fld>
             <a:endParaRPr lang="en-US" dirty="0"/>
           </a:p>
@@ -30489,7 +28342,7 @@
             <a:fld id="{B61BEF0D-F0BB-DE4B-95CE-6DB70DBA9567}" type="datetimeFigureOut">
               <a:rPr lang="en-US" dirty="0"/>
               <a:pPr/>
-              <a:t>5/6/2021</a:t>
+              <a:t>5/7/2021</a:t>
             </a:fld>
             <a:endParaRPr lang="en-US" dirty="0"/>
           </a:p>
@@ -30581,7 +28434,7 @@
             <a:fld id="{B61BEF0D-F0BB-DE4B-95CE-6DB70DBA9567}" type="datetimeFigureOut">
               <a:rPr lang="en-US" dirty="0"/>
               <a:pPr/>
-              <a:t>5/6/2021</a:t>
+              <a:t>5/7/2021</a:t>
             </a:fld>
             <a:endParaRPr lang="en-US" dirty="0"/>
           </a:p>
@@ -30956,7 +28809,7 @@
             <a:fld id="{B61BEF0D-F0BB-DE4B-95CE-6DB70DBA9567}" type="datetimeFigureOut">
               <a:rPr lang="en-US" dirty="0"/>
               <a:pPr/>
-              <a:t>5/6/2021</a:t>
+              <a:t>5/7/2021</a:t>
             </a:fld>
             <a:endParaRPr lang="en-US" dirty="0"/>
           </a:p>
@@ -31242,7 +29095,7 @@
             <a:fld id="{B61BEF0D-F0BB-DE4B-95CE-6DB70DBA9567}" type="datetimeFigureOut">
               <a:rPr lang="en-US" dirty="0"/>
               <a:pPr/>
-              <a:t>5/6/2021</a:t>
+              <a:t>5/7/2021</a:t>
             </a:fld>
             <a:endParaRPr lang="en-US" dirty="0"/>
           </a:p>
@@ -31450,7 +29303,7 @@
             <a:fld id="{B61BEF0D-F0BB-DE4B-95CE-6DB70DBA9567}" type="datetimeFigureOut">
               <a:rPr lang="en-US" dirty="0"/>
               <a:pPr/>
-              <a:t>5/6/2021</a:t>
+              <a:t>5/7/2021</a:t>
             </a:fld>
             <a:endParaRPr lang="en-US" dirty="0"/>
           </a:p>
@@ -32137,6 +29990,16 @@
               </a:rPr>
               <a:t>Tackling complexity in the heart of software</a:t>
             </a:r>
+            <a:r>
+              <a:rPr lang="en-US" b="1" dirty="0">
+                <a:solidFill>
+                  <a:schemeClr val="bg1"/>
+                </a:solidFill>
+                <a:latin typeface="Arial" panose="020B0604020202020204" pitchFamily="34" charset="0"/>
+                <a:cs typeface="Arial" panose="020B0604020202020204" pitchFamily="34" charset="0"/>
+              </a:rPr>
+              <a:t/>
+            </a:r>
             <a:br>
               <a:rPr lang="en-US" b="1" dirty="0">
                 <a:solidFill>
@@ -32146,6 +30009,16 @@
                 <a:cs typeface="Arial" panose="020B0604020202020204" pitchFamily="34" charset="0"/>
               </a:rPr>
             </a:br>
+            <a:r>
+              <a:rPr lang="en-US" b="1" dirty="0">
+                <a:solidFill>
+                  <a:schemeClr val="bg1"/>
+                </a:solidFill>
+                <a:latin typeface="Arial" panose="020B0604020202020204" pitchFamily="34" charset="0"/>
+                <a:cs typeface="Arial" panose="020B0604020202020204" pitchFamily="34" charset="0"/>
+              </a:rPr>
+              <a:t/>
+            </a:r>
             <a:br>
               <a:rPr lang="en-US" b="1" dirty="0">
                 <a:solidFill>
@@ -32155,6 +30028,16 @@
                 <a:cs typeface="Arial" panose="020B0604020202020204" pitchFamily="34" charset="0"/>
               </a:rPr>
             </a:br>
+            <a:r>
+              <a:rPr lang="en-US" b="1" dirty="0">
+                <a:solidFill>
+                  <a:schemeClr val="bg1"/>
+                </a:solidFill>
+                <a:latin typeface="Arial" panose="020B0604020202020204" pitchFamily="34" charset="0"/>
+                <a:cs typeface="Arial" panose="020B0604020202020204" pitchFamily="34" charset="0"/>
+              </a:rPr>
+              <a:t/>
+            </a:r>
             <a:br>
               <a:rPr lang="en-US" b="1" dirty="0">
                 <a:solidFill>
@@ -32164,6 +30047,16 @@
                 <a:cs typeface="Arial" panose="020B0604020202020204" pitchFamily="34" charset="0"/>
               </a:rPr>
             </a:br>
+            <a:r>
+              <a:rPr lang="en-US" b="1" dirty="0">
+                <a:solidFill>
+                  <a:schemeClr val="bg1"/>
+                </a:solidFill>
+                <a:latin typeface="Arial" panose="020B0604020202020204" pitchFamily="34" charset="0"/>
+                <a:cs typeface="Arial" panose="020B0604020202020204" pitchFamily="34" charset="0"/>
+              </a:rPr>
+              <a:t/>
+            </a:r>
             <a:br>
               <a:rPr lang="en-US" b="1" dirty="0">
                 <a:solidFill>
@@ -32283,6 +30176,13 @@
   <p:clrMapOvr>
     <a:masterClrMapping/>
   </p:clrMapOvr>
+  <p:timing>
+    <p:tnLst>
+      <p:par>
+        <p:cTn id="1" dur="indefinite" restart="never" nodeType="tmRoot"/>
+      </p:par>
+    </p:tnLst>
+  </p:timing>
 </p:sld>
 </file>
 
@@ -32794,6 +30694,131 @@
           </a:p>
         </p:txBody>
       </p:sp>
+      <p:grpSp>
+        <p:nvGrpSpPr>
+          <p:cNvPr id="6" name="Group 5"/>
+          <p:cNvGrpSpPr/>
+          <p:nvPr/>
+        </p:nvGrpSpPr>
+        <p:grpSpPr>
+          <a:xfrm>
+            <a:off x="4757872" y="2866390"/>
+            <a:ext cx="2506435" cy="1926770"/>
+            <a:chOff x="4555671" y="2662283"/>
+            <a:chExt cx="2506435" cy="1926770"/>
+          </a:xfrm>
+        </p:grpSpPr>
+        <p:sp>
+          <p:nvSpPr>
+            <p:cNvPr id="7" name="Rectangle 6"/>
+            <p:cNvSpPr/>
+            <p:nvPr/>
+          </p:nvSpPr>
+          <p:spPr>
+            <a:xfrm>
+              <a:off x="4555672" y="2662283"/>
+              <a:ext cx="2506434" cy="359228"/>
+            </a:xfrm>
+            <a:prstGeom prst="rect">
+              <a:avLst/>
+            </a:prstGeom>
+          </p:spPr>
+          <p:style>
+            <a:lnRef idx="2">
+              <a:schemeClr val="accent1">
+                <a:shade val="50000"/>
+              </a:schemeClr>
+            </a:lnRef>
+            <a:fillRef idx="1">
+              <a:schemeClr val="accent1"/>
+            </a:fillRef>
+            <a:effectRef idx="0">
+              <a:schemeClr val="accent1"/>
+            </a:effectRef>
+            <a:fontRef idx="minor">
+              <a:schemeClr val="lt1"/>
+            </a:fontRef>
+          </p:style>
+          <p:txBody>
+            <a:bodyPr rtlCol="0" anchor="ctr"/>
+            <a:lstStyle/>
+            <a:p>
+              <a:pPr algn="ctr"/>
+              <a:r>
+                <a:rPr lang="en-US" dirty="0" smtClean="0"/>
+                <a:t>Address Value Object</a:t>
+              </a:r>
+              <a:endParaRPr lang="en-US" dirty="0"/>
+            </a:p>
+          </p:txBody>
+        </p:sp>
+        <p:sp>
+          <p:nvSpPr>
+            <p:cNvPr id="8" name="Rectangle 7"/>
+            <p:cNvSpPr/>
+            <p:nvPr/>
+          </p:nvSpPr>
+          <p:spPr>
+            <a:xfrm>
+              <a:off x="4555671" y="3143974"/>
+              <a:ext cx="2506435" cy="1445079"/>
+            </a:xfrm>
+            <a:prstGeom prst="rect">
+              <a:avLst/>
+            </a:prstGeom>
+          </p:spPr>
+          <p:style>
+            <a:lnRef idx="2">
+              <a:schemeClr val="accent1">
+                <a:shade val="50000"/>
+              </a:schemeClr>
+            </a:lnRef>
+            <a:fillRef idx="1">
+              <a:schemeClr val="accent1"/>
+            </a:fillRef>
+            <a:effectRef idx="0">
+              <a:schemeClr val="accent1"/>
+            </a:effectRef>
+            <a:fontRef idx="minor">
+              <a:schemeClr val="lt1"/>
+            </a:fontRef>
+          </p:style>
+          <p:txBody>
+            <a:bodyPr rtlCol="0" anchor="ctr"/>
+            <a:lstStyle/>
+            <a:p>
+              <a:r>
+                <a:rPr lang="en-US" b="1" dirty="0" smtClean="0"/>
+                <a:t>Attributes</a:t>
+              </a:r>
+            </a:p>
+            <a:p>
+              <a:r>
+                <a:rPr lang="en-US" dirty="0" smtClean="0"/>
+                <a:t>City</a:t>
+              </a:r>
+            </a:p>
+            <a:p>
+              <a:r>
+                <a:rPr lang="en-US" dirty="0" smtClean="0"/>
+                <a:t>District</a:t>
+              </a:r>
+            </a:p>
+            <a:p>
+              <a:r>
+                <a:rPr lang="en-US" dirty="0" smtClean="0"/>
+                <a:t>State</a:t>
+              </a:r>
+            </a:p>
+            <a:p>
+              <a:r>
+                <a:rPr lang="en-US" dirty="0" smtClean="0"/>
+                <a:t>Road</a:t>
+              </a:r>
+            </a:p>
+          </p:txBody>
+        </p:sp>
+      </p:grpSp>
     </p:spTree>
     <p:extLst>
       <p:ext uri="{BB962C8B-B14F-4D97-AF65-F5344CB8AC3E}">
@@ -32804,6 +30829,236 @@
   <p:clrMapOvr>
     <a:masterClrMapping/>
   </p:clrMapOvr>
+  <p:timing>
+    <p:tnLst>
+      <p:par>
+        <p:cTn id="1" dur="indefinite" restart="never" nodeType="tmRoot">
+          <p:childTnLst>
+            <p:seq concurrent="1" nextAc="seek">
+              <p:cTn id="2" dur="indefinite" nodeType="mainSeq">
+                <p:childTnLst>
+                  <p:par>
+                    <p:cTn id="3" fill="hold">
+                      <p:stCondLst>
+                        <p:cond delay="indefinite"/>
+                      </p:stCondLst>
+                      <p:childTnLst>
+                        <p:par>
+                          <p:cTn id="4" fill="hold">
+                            <p:stCondLst>
+                              <p:cond delay="0"/>
+                            </p:stCondLst>
+                            <p:childTnLst>
+                              <p:par>
+                                <p:cTn id="5" presetID="1" presetClass="entr" presetSubtype="0" fill="hold" nodeType="clickEffect">
+                                  <p:stCondLst>
+                                    <p:cond delay="0"/>
+                                  </p:stCondLst>
+                                  <p:childTnLst>
+                                    <p:set>
+                                      <p:cBhvr>
+                                        <p:cTn id="6" dur="1" fill="hold">
+                                          <p:stCondLst>
+                                            <p:cond delay="0"/>
+                                          </p:stCondLst>
+                                        </p:cTn>
+                                        <p:tgtEl>
+                                          <p:spTgt spid="39">
+                                            <p:txEl>
+                                              <p:pRg st="0" end="0"/>
+                                            </p:txEl>
+                                          </p:spTgt>
+                                        </p:tgtEl>
+                                        <p:attrNameLst>
+                                          <p:attrName>style.visibility</p:attrName>
+                                        </p:attrNameLst>
+                                      </p:cBhvr>
+                                      <p:to>
+                                        <p:strVal val="visible"/>
+                                      </p:to>
+                                    </p:set>
+                                  </p:childTnLst>
+                                </p:cTn>
+                              </p:par>
+                            </p:childTnLst>
+                          </p:cTn>
+                        </p:par>
+                      </p:childTnLst>
+                    </p:cTn>
+                  </p:par>
+                  <p:par>
+                    <p:cTn id="7" fill="hold">
+                      <p:stCondLst>
+                        <p:cond delay="indefinite"/>
+                      </p:stCondLst>
+                      <p:childTnLst>
+                        <p:par>
+                          <p:cTn id="8" fill="hold">
+                            <p:stCondLst>
+                              <p:cond delay="0"/>
+                            </p:stCondLst>
+                            <p:childTnLst>
+                              <p:par>
+                                <p:cTn id="9" presetID="1" presetClass="entr" presetSubtype="0" fill="hold" nodeType="clickEffect">
+                                  <p:stCondLst>
+                                    <p:cond delay="0"/>
+                                  </p:stCondLst>
+                                  <p:childTnLst>
+                                    <p:set>
+                                      <p:cBhvr>
+                                        <p:cTn id="10" dur="1" fill="hold">
+                                          <p:stCondLst>
+                                            <p:cond delay="0"/>
+                                          </p:stCondLst>
+                                        </p:cTn>
+                                        <p:tgtEl>
+                                          <p:spTgt spid="39">
+                                            <p:txEl>
+                                              <p:pRg st="1" end="1"/>
+                                            </p:txEl>
+                                          </p:spTgt>
+                                        </p:tgtEl>
+                                        <p:attrNameLst>
+                                          <p:attrName>style.visibility</p:attrName>
+                                        </p:attrNameLst>
+                                      </p:cBhvr>
+                                      <p:to>
+                                        <p:strVal val="visible"/>
+                                      </p:to>
+                                    </p:set>
+                                  </p:childTnLst>
+                                </p:cTn>
+                              </p:par>
+                            </p:childTnLst>
+                          </p:cTn>
+                        </p:par>
+                      </p:childTnLst>
+                    </p:cTn>
+                  </p:par>
+                  <p:par>
+                    <p:cTn id="11" fill="hold">
+                      <p:stCondLst>
+                        <p:cond delay="indefinite"/>
+                      </p:stCondLst>
+                      <p:childTnLst>
+                        <p:par>
+                          <p:cTn id="12" fill="hold">
+                            <p:stCondLst>
+                              <p:cond delay="0"/>
+                            </p:stCondLst>
+                            <p:childTnLst>
+                              <p:par>
+                                <p:cTn id="13" presetID="1" presetClass="entr" presetSubtype="0" fill="hold" nodeType="clickEffect">
+                                  <p:stCondLst>
+                                    <p:cond delay="0"/>
+                                  </p:stCondLst>
+                                  <p:childTnLst>
+                                    <p:set>
+                                      <p:cBhvr>
+                                        <p:cTn id="14" dur="1" fill="hold">
+                                          <p:stCondLst>
+                                            <p:cond delay="0"/>
+                                          </p:stCondLst>
+                                        </p:cTn>
+                                        <p:tgtEl>
+                                          <p:spTgt spid="39">
+                                            <p:txEl>
+                                              <p:pRg st="2" end="2"/>
+                                            </p:txEl>
+                                          </p:spTgt>
+                                        </p:tgtEl>
+                                        <p:attrNameLst>
+                                          <p:attrName>style.visibility</p:attrName>
+                                        </p:attrNameLst>
+                                      </p:cBhvr>
+                                      <p:to>
+                                        <p:strVal val="visible"/>
+                                      </p:to>
+                                    </p:set>
+                                  </p:childTnLst>
+                                </p:cTn>
+                              </p:par>
+                            </p:childTnLst>
+                          </p:cTn>
+                        </p:par>
+                      </p:childTnLst>
+                    </p:cTn>
+                  </p:par>
+                  <p:par>
+                    <p:cTn id="15" fill="hold">
+                      <p:stCondLst>
+                        <p:cond delay="indefinite"/>
+                      </p:stCondLst>
+                      <p:childTnLst>
+                        <p:par>
+                          <p:cTn id="16" fill="hold">
+                            <p:stCondLst>
+                              <p:cond delay="0"/>
+                            </p:stCondLst>
+                            <p:childTnLst>
+                              <p:par>
+                                <p:cTn id="17" presetID="10" presetClass="entr" presetSubtype="0" fill="hold" nodeType="clickEffect">
+                                  <p:stCondLst>
+                                    <p:cond delay="0"/>
+                                  </p:stCondLst>
+                                  <p:childTnLst>
+                                    <p:set>
+                                      <p:cBhvr>
+                                        <p:cTn id="18" dur="1" fill="hold">
+                                          <p:stCondLst>
+                                            <p:cond delay="0"/>
+                                          </p:stCondLst>
+                                        </p:cTn>
+                                        <p:tgtEl>
+                                          <p:spTgt spid="6"/>
+                                        </p:tgtEl>
+                                        <p:attrNameLst>
+                                          <p:attrName>style.visibility</p:attrName>
+                                        </p:attrNameLst>
+                                      </p:cBhvr>
+                                      <p:to>
+                                        <p:strVal val="visible"/>
+                                      </p:to>
+                                    </p:set>
+                                    <p:animEffect transition="in" filter="fade">
+                                      <p:cBhvr>
+                                        <p:cTn id="19" dur="500"/>
+                                        <p:tgtEl>
+                                          <p:spTgt spid="6"/>
+                                        </p:tgtEl>
+                                      </p:cBhvr>
+                                    </p:animEffect>
+                                  </p:childTnLst>
+                                </p:cTn>
+                              </p:par>
+                            </p:childTnLst>
+                          </p:cTn>
+                        </p:par>
+                      </p:childTnLst>
+                    </p:cTn>
+                  </p:par>
+                </p:childTnLst>
+              </p:cTn>
+              <p:prevCondLst>
+                <p:cond evt="onPrev" delay="0">
+                  <p:tgtEl>
+                    <p:sldTgt/>
+                  </p:tgtEl>
+                </p:cond>
+              </p:prevCondLst>
+              <p:nextCondLst>
+                <p:cond evt="onNext" delay="0">
+                  <p:tgtEl>
+                    <p:sldTgt/>
+                  </p:tgtEl>
+                </p:cond>
+              </p:nextCondLst>
+            </p:seq>
+          </p:childTnLst>
+        </p:cTn>
+      </p:par>
+    </p:tnLst>
+  </p:timing>
 </p:sld>
 </file>
 
@@ -33415,6 +31670,540 @@
           </a:p>
         </p:txBody>
       </p:sp>
+      <p:grpSp>
+        <p:nvGrpSpPr>
+          <p:cNvPr id="17" name="Group 16"/>
+          <p:cNvGrpSpPr/>
+          <p:nvPr/>
+        </p:nvGrpSpPr>
+        <p:grpSpPr>
+          <a:xfrm>
+            <a:off x="2061035" y="2520123"/>
+            <a:ext cx="7921882" cy="3494312"/>
+            <a:chOff x="2061035" y="2520123"/>
+            <a:chExt cx="7921882" cy="3494312"/>
+          </a:xfrm>
+        </p:grpSpPr>
+        <p:grpSp>
+          <p:nvGrpSpPr>
+            <p:cNvPr id="6" name="Group 5"/>
+            <p:cNvGrpSpPr/>
+            <p:nvPr/>
+          </p:nvGrpSpPr>
+          <p:grpSpPr>
+            <a:xfrm>
+              <a:off x="2061035" y="2520123"/>
+              <a:ext cx="2519129" cy="3494312"/>
+              <a:chOff x="4542978" y="2662283"/>
+              <a:chExt cx="2519129" cy="3494312"/>
+            </a:xfrm>
+          </p:grpSpPr>
+          <p:sp>
+            <p:nvSpPr>
+              <p:cNvPr id="7" name="Rectangle 6"/>
+              <p:cNvSpPr/>
+              <p:nvPr/>
+            </p:nvSpPr>
+            <p:spPr>
+              <a:xfrm>
+                <a:off x="4555672" y="2662283"/>
+                <a:ext cx="2506434" cy="359228"/>
+              </a:xfrm>
+              <a:prstGeom prst="rect">
+                <a:avLst/>
+              </a:prstGeom>
+            </p:spPr>
+            <p:style>
+              <a:lnRef idx="2">
+                <a:schemeClr val="accent1">
+                  <a:shade val="50000"/>
+                </a:schemeClr>
+              </a:lnRef>
+              <a:fillRef idx="1">
+                <a:schemeClr val="accent1"/>
+              </a:fillRef>
+              <a:effectRef idx="0">
+                <a:schemeClr val="accent1"/>
+              </a:effectRef>
+              <a:fontRef idx="minor">
+                <a:schemeClr val="lt1"/>
+              </a:fontRef>
+            </p:style>
+            <p:txBody>
+              <a:bodyPr rtlCol="0" anchor="ctr"/>
+              <a:lstStyle/>
+              <a:p>
+                <a:pPr algn="ctr"/>
+                <a:r>
+                  <a:rPr lang="en-US" dirty="0" smtClean="0"/>
+                  <a:t>Order entity</a:t>
+                </a:r>
+                <a:endParaRPr lang="en-US" dirty="0"/>
+              </a:p>
+            </p:txBody>
+          </p:sp>
+          <p:sp>
+            <p:nvSpPr>
+              <p:cNvPr id="8" name="Rectangle 7"/>
+              <p:cNvSpPr/>
+              <p:nvPr/>
+            </p:nvSpPr>
+            <p:spPr>
+              <a:xfrm>
+                <a:off x="4555671" y="3143974"/>
+                <a:ext cx="2506435" cy="1445079"/>
+              </a:xfrm>
+              <a:prstGeom prst="rect">
+                <a:avLst/>
+              </a:prstGeom>
+            </p:spPr>
+            <p:style>
+              <a:lnRef idx="2">
+                <a:schemeClr val="accent1">
+                  <a:shade val="50000"/>
+                </a:schemeClr>
+              </a:lnRef>
+              <a:fillRef idx="1">
+                <a:schemeClr val="accent1"/>
+              </a:fillRef>
+              <a:effectRef idx="0">
+                <a:schemeClr val="accent1"/>
+              </a:effectRef>
+              <a:fontRef idx="minor">
+                <a:schemeClr val="lt1"/>
+              </a:fontRef>
+            </p:style>
+            <p:txBody>
+              <a:bodyPr rtlCol="0" anchor="ctr"/>
+              <a:lstStyle/>
+              <a:p>
+                <a:r>
+                  <a:rPr lang="en-US" b="1" dirty="0" smtClean="0"/>
+                  <a:t>Attributes</a:t>
+                </a:r>
+              </a:p>
+              <a:p>
+                <a:r>
+                  <a:rPr lang="en-US" dirty="0" smtClean="0"/>
+                  <a:t>ID</a:t>
+                </a:r>
+              </a:p>
+              <a:p>
+                <a:r>
+                  <a:rPr lang="en-US" dirty="0" smtClean="0"/>
+                  <a:t>Name</a:t>
+                </a:r>
+              </a:p>
+              <a:p>
+                <a:r>
+                  <a:rPr lang="en-US" dirty="0" smtClean="0"/>
+                  <a:t>Address</a:t>
+                </a:r>
+              </a:p>
+              <a:p>
+                <a:r>
+                  <a:rPr lang="en-US" dirty="0" err="1" smtClean="0"/>
+                  <a:t>OrderItem</a:t>
+                </a:r>
+                <a:r>
+                  <a:rPr lang="en-US" dirty="0" err="1"/>
+                  <a:t>s</a:t>
+                </a:r>
+                <a:endParaRPr lang="en-US" dirty="0"/>
+              </a:p>
+            </p:txBody>
+          </p:sp>
+          <p:sp>
+            <p:nvSpPr>
+              <p:cNvPr id="9" name="Rectangle 8"/>
+              <p:cNvSpPr/>
+              <p:nvPr/>
+            </p:nvSpPr>
+            <p:spPr>
+              <a:xfrm>
+                <a:off x="4542978" y="4711516"/>
+                <a:ext cx="2519129" cy="1445079"/>
+              </a:xfrm>
+              <a:prstGeom prst="rect">
+                <a:avLst/>
+              </a:prstGeom>
+            </p:spPr>
+            <p:style>
+              <a:lnRef idx="2">
+                <a:schemeClr val="accent1">
+                  <a:shade val="50000"/>
+                </a:schemeClr>
+              </a:lnRef>
+              <a:fillRef idx="1">
+                <a:schemeClr val="accent1"/>
+              </a:fillRef>
+              <a:effectRef idx="0">
+                <a:schemeClr val="accent1"/>
+              </a:effectRef>
+              <a:fontRef idx="minor">
+                <a:schemeClr val="lt1"/>
+              </a:fontRef>
+            </p:style>
+            <p:txBody>
+              <a:bodyPr rtlCol="0" anchor="ctr"/>
+              <a:lstStyle/>
+              <a:p>
+                <a:r>
+                  <a:rPr lang="en-US" b="1" dirty="0" smtClean="0"/>
+                  <a:t>Methods</a:t>
+                </a:r>
+              </a:p>
+              <a:p>
+                <a:r>
+                  <a:rPr lang="en-US" dirty="0" smtClean="0"/>
+                  <a:t>Order()</a:t>
+                </a:r>
+              </a:p>
+              <a:p>
+                <a:r>
+                  <a:rPr lang="en-US" dirty="0" err="1" smtClean="0"/>
+                  <a:t>AddOrderItems</a:t>
+                </a:r>
+                <a:r>
+                  <a:rPr lang="en-US" dirty="0" smtClean="0"/>
+                  <a:t>(items)</a:t>
+                </a:r>
+              </a:p>
+              <a:p>
+                <a:r>
+                  <a:rPr lang="en-US" dirty="0" err="1" smtClean="0"/>
+                  <a:t>SetAddress</a:t>
+                </a:r>
+                <a:endParaRPr lang="en-US" dirty="0"/>
+              </a:p>
+            </p:txBody>
+          </p:sp>
+        </p:grpSp>
+        <p:grpSp>
+          <p:nvGrpSpPr>
+            <p:cNvPr id="10" name="Group 9"/>
+            <p:cNvGrpSpPr/>
+            <p:nvPr/>
+          </p:nvGrpSpPr>
+          <p:grpSpPr>
+            <a:xfrm>
+              <a:off x="7476482" y="2520123"/>
+              <a:ext cx="2506435" cy="1926770"/>
+              <a:chOff x="4555671" y="2662283"/>
+              <a:chExt cx="2506435" cy="1926770"/>
+            </a:xfrm>
+          </p:grpSpPr>
+          <p:sp>
+            <p:nvSpPr>
+              <p:cNvPr id="11" name="Rectangle 10"/>
+              <p:cNvSpPr/>
+              <p:nvPr/>
+            </p:nvSpPr>
+            <p:spPr>
+              <a:xfrm>
+                <a:off x="4555672" y="2662283"/>
+                <a:ext cx="2506434" cy="359228"/>
+              </a:xfrm>
+              <a:prstGeom prst="rect">
+                <a:avLst/>
+              </a:prstGeom>
+            </p:spPr>
+            <p:style>
+              <a:lnRef idx="2">
+                <a:schemeClr val="accent1">
+                  <a:shade val="50000"/>
+                </a:schemeClr>
+              </a:lnRef>
+              <a:fillRef idx="1">
+                <a:schemeClr val="accent1"/>
+              </a:fillRef>
+              <a:effectRef idx="0">
+                <a:schemeClr val="accent1"/>
+              </a:effectRef>
+              <a:fontRef idx="minor">
+                <a:schemeClr val="lt1"/>
+              </a:fontRef>
+            </p:style>
+            <p:txBody>
+              <a:bodyPr rtlCol="0" anchor="ctr"/>
+              <a:lstStyle/>
+              <a:p>
+                <a:pPr algn="ctr"/>
+                <a:r>
+                  <a:rPr lang="en-US" dirty="0" smtClean="0"/>
+                  <a:t>Address Value Object</a:t>
+                </a:r>
+                <a:endParaRPr lang="en-US" dirty="0"/>
+              </a:p>
+            </p:txBody>
+          </p:sp>
+          <p:sp>
+            <p:nvSpPr>
+              <p:cNvPr id="12" name="Rectangle 11"/>
+              <p:cNvSpPr/>
+              <p:nvPr/>
+            </p:nvSpPr>
+            <p:spPr>
+              <a:xfrm>
+                <a:off x="4555671" y="3143974"/>
+                <a:ext cx="2506435" cy="1445079"/>
+              </a:xfrm>
+              <a:prstGeom prst="rect">
+                <a:avLst/>
+              </a:prstGeom>
+            </p:spPr>
+            <p:style>
+              <a:lnRef idx="2">
+                <a:schemeClr val="accent1">
+                  <a:shade val="50000"/>
+                </a:schemeClr>
+              </a:lnRef>
+              <a:fillRef idx="1">
+                <a:schemeClr val="accent1"/>
+              </a:fillRef>
+              <a:effectRef idx="0">
+                <a:schemeClr val="accent1"/>
+              </a:effectRef>
+              <a:fontRef idx="minor">
+                <a:schemeClr val="lt1"/>
+              </a:fontRef>
+            </p:style>
+            <p:txBody>
+              <a:bodyPr rtlCol="0" anchor="ctr"/>
+              <a:lstStyle/>
+              <a:p>
+                <a:r>
+                  <a:rPr lang="en-US" b="1" dirty="0" smtClean="0"/>
+                  <a:t>Attributes</a:t>
+                </a:r>
+              </a:p>
+              <a:p>
+                <a:r>
+                  <a:rPr lang="en-US" dirty="0" smtClean="0"/>
+                  <a:t>City</a:t>
+                </a:r>
+              </a:p>
+              <a:p>
+                <a:r>
+                  <a:rPr lang="en-US" dirty="0" smtClean="0"/>
+                  <a:t>District</a:t>
+                </a:r>
+              </a:p>
+              <a:p>
+                <a:r>
+                  <a:rPr lang="en-US" dirty="0" smtClean="0"/>
+                  <a:t>State</a:t>
+                </a:r>
+              </a:p>
+              <a:p>
+                <a:r>
+                  <a:rPr lang="en-US" dirty="0" smtClean="0"/>
+                  <a:t>Road</a:t>
+                </a:r>
+              </a:p>
+            </p:txBody>
+          </p:sp>
+        </p:grpSp>
+        <p:grpSp>
+          <p:nvGrpSpPr>
+            <p:cNvPr id="13" name="Group 12"/>
+            <p:cNvGrpSpPr/>
+            <p:nvPr/>
+          </p:nvGrpSpPr>
+          <p:grpSpPr>
+            <a:xfrm>
+              <a:off x="4775105" y="2520123"/>
+              <a:ext cx="2506435" cy="1926770"/>
+              <a:chOff x="4555671" y="2662283"/>
+              <a:chExt cx="2506435" cy="1926770"/>
+            </a:xfrm>
+          </p:grpSpPr>
+          <p:sp>
+            <p:nvSpPr>
+              <p:cNvPr id="14" name="Rectangle 13"/>
+              <p:cNvSpPr/>
+              <p:nvPr/>
+            </p:nvSpPr>
+            <p:spPr>
+              <a:xfrm>
+                <a:off x="4555672" y="2662283"/>
+                <a:ext cx="2506434" cy="359228"/>
+              </a:xfrm>
+              <a:prstGeom prst="rect">
+                <a:avLst/>
+              </a:prstGeom>
+            </p:spPr>
+            <p:style>
+              <a:lnRef idx="2">
+                <a:schemeClr val="accent1">
+                  <a:shade val="50000"/>
+                </a:schemeClr>
+              </a:lnRef>
+              <a:fillRef idx="1">
+                <a:schemeClr val="accent1"/>
+              </a:fillRef>
+              <a:effectRef idx="0">
+                <a:schemeClr val="accent1"/>
+              </a:effectRef>
+              <a:fontRef idx="minor">
+                <a:schemeClr val="lt1"/>
+              </a:fontRef>
+            </p:style>
+            <p:txBody>
+              <a:bodyPr rtlCol="0" anchor="ctr"/>
+              <a:lstStyle/>
+              <a:p>
+                <a:pPr algn="ctr"/>
+                <a:r>
+                  <a:rPr lang="en-US" dirty="0" err="1" smtClean="0"/>
+                  <a:t>OrderItem</a:t>
+                </a:r>
+                <a:r>
+                  <a:rPr lang="en-US" dirty="0" smtClean="0"/>
+                  <a:t> child entity</a:t>
+                </a:r>
+                <a:endParaRPr lang="en-US" dirty="0"/>
+              </a:p>
+            </p:txBody>
+          </p:sp>
+          <p:sp>
+            <p:nvSpPr>
+              <p:cNvPr id="15" name="Rectangle 14"/>
+              <p:cNvSpPr/>
+              <p:nvPr/>
+            </p:nvSpPr>
+            <p:spPr>
+              <a:xfrm>
+                <a:off x="4555671" y="3143974"/>
+                <a:ext cx="2506435" cy="1445079"/>
+              </a:xfrm>
+              <a:prstGeom prst="rect">
+                <a:avLst/>
+              </a:prstGeom>
+            </p:spPr>
+            <p:style>
+              <a:lnRef idx="2">
+                <a:schemeClr val="accent1">
+                  <a:shade val="50000"/>
+                </a:schemeClr>
+              </a:lnRef>
+              <a:fillRef idx="1">
+                <a:schemeClr val="accent1"/>
+              </a:fillRef>
+              <a:effectRef idx="0">
+                <a:schemeClr val="accent1"/>
+              </a:effectRef>
+              <a:fontRef idx="minor">
+                <a:schemeClr val="lt1"/>
+              </a:fontRef>
+            </p:style>
+            <p:txBody>
+              <a:bodyPr rtlCol="0" anchor="ctr"/>
+              <a:lstStyle/>
+              <a:p>
+                <a:r>
+                  <a:rPr lang="en-US" b="1" dirty="0" smtClean="0"/>
+                  <a:t>Attributes</a:t>
+                </a:r>
+              </a:p>
+              <a:p>
+                <a:r>
+                  <a:rPr lang="en-US" dirty="0" err="1" smtClean="0"/>
+                  <a:t>ProductId</a:t>
+                </a:r>
+                <a:endParaRPr lang="en-US" dirty="0" smtClean="0"/>
+              </a:p>
+              <a:p>
+                <a:r>
+                  <a:rPr lang="en-US" dirty="0" smtClean="0"/>
+                  <a:t>Price</a:t>
+                </a:r>
+              </a:p>
+              <a:p>
+                <a:r>
+                  <a:rPr lang="en-US" dirty="0" smtClean="0"/>
+                  <a:t>Quantity</a:t>
+                </a:r>
+                <a:endParaRPr lang="en-US" dirty="0"/>
+              </a:p>
+            </p:txBody>
+          </p:sp>
+        </p:grpSp>
+        <p:sp>
+          <p:nvSpPr>
+            <p:cNvPr id="19" name="Rectangle 18"/>
+            <p:cNvSpPr/>
+            <p:nvPr/>
+          </p:nvSpPr>
+          <p:spPr>
+            <a:xfrm>
+              <a:off x="4751525" y="4569355"/>
+              <a:ext cx="2519129" cy="1445079"/>
+            </a:xfrm>
+            <a:prstGeom prst="rect">
+              <a:avLst/>
+            </a:prstGeom>
+          </p:spPr>
+          <p:style>
+            <a:lnRef idx="2">
+              <a:schemeClr val="accent1">
+                <a:shade val="50000"/>
+              </a:schemeClr>
+            </a:lnRef>
+            <a:fillRef idx="1">
+              <a:schemeClr val="accent1"/>
+            </a:fillRef>
+            <a:effectRef idx="0">
+              <a:schemeClr val="accent1"/>
+            </a:effectRef>
+            <a:fontRef idx="minor">
+              <a:schemeClr val="lt1"/>
+            </a:fontRef>
+          </p:style>
+          <p:txBody>
+            <a:bodyPr rtlCol="0" anchor="ctr"/>
+            <a:lstStyle/>
+            <a:p>
+              <a:r>
+                <a:rPr lang="en-US" b="1" dirty="0" smtClean="0"/>
+                <a:t>Methods</a:t>
+              </a:r>
+            </a:p>
+            <a:p>
+              <a:r>
+                <a:rPr lang="en-US" dirty="0" err="1" smtClean="0"/>
+                <a:t>OrderItems</a:t>
+              </a:r>
+              <a:r>
+                <a:rPr lang="en-US" dirty="0" smtClean="0"/>
+                <a:t>()</a:t>
+              </a:r>
+            </a:p>
+            <a:p>
+              <a:r>
+                <a:rPr lang="en-US" dirty="0" smtClean="0"/>
+                <a:t>Increase(</a:t>
+              </a:r>
+              <a:r>
+                <a:rPr lang="en-US" dirty="0" err="1" smtClean="0"/>
+                <a:t>productId</a:t>
+              </a:r>
+              <a:r>
+                <a:rPr lang="en-US" dirty="0"/>
+                <a:t>)</a:t>
+              </a:r>
+              <a:endParaRPr lang="en-US" dirty="0" smtClean="0"/>
+            </a:p>
+            <a:p>
+              <a:r>
+                <a:rPr lang="en-US" dirty="0" err="1" smtClean="0"/>
+                <a:t>SetAddress</a:t>
+              </a:r>
+              <a:endParaRPr lang="en-US" dirty="0"/>
+            </a:p>
+          </p:txBody>
+        </p:sp>
+      </p:grpSp>
     </p:spTree>
     <p:extLst>
       <p:ext uri="{BB962C8B-B14F-4D97-AF65-F5344CB8AC3E}">
@@ -33425,651 +32214,240 @@
   <p:clrMapOvr>
     <a:masterClrMapping/>
   </p:clrMapOvr>
+  <p:timing>
+    <p:tnLst>
+      <p:par>
+        <p:cTn id="1" dur="indefinite" restart="never" nodeType="tmRoot">
+          <p:childTnLst>
+            <p:seq concurrent="1" nextAc="seek">
+              <p:cTn id="2" dur="indefinite" nodeType="mainSeq">
+                <p:childTnLst>
+                  <p:par>
+                    <p:cTn id="3" fill="hold">
+                      <p:stCondLst>
+                        <p:cond delay="indefinite"/>
+                      </p:stCondLst>
+                      <p:childTnLst>
+                        <p:par>
+                          <p:cTn id="4" fill="hold">
+                            <p:stCondLst>
+                              <p:cond delay="0"/>
+                            </p:stCondLst>
+                            <p:childTnLst>
+                              <p:par>
+                                <p:cTn id="5" presetID="1" presetClass="entr" presetSubtype="0" fill="hold" nodeType="clickEffect">
+                                  <p:stCondLst>
+                                    <p:cond delay="0"/>
+                                  </p:stCondLst>
+                                  <p:childTnLst>
+                                    <p:set>
+                                      <p:cBhvr>
+                                        <p:cTn id="6" dur="1" fill="hold">
+                                          <p:stCondLst>
+                                            <p:cond delay="0"/>
+                                          </p:stCondLst>
+                                        </p:cTn>
+                                        <p:tgtEl>
+                                          <p:spTgt spid="39">
+                                            <p:txEl>
+                                              <p:pRg st="0" end="0"/>
+                                            </p:txEl>
+                                          </p:spTgt>
+                                        </p:tgtEl>
+                                        <p:attrNameLst>
+                                          <p:attrName>style.visibility</p:attrName>
+                                        </p:attrNameLst>
+                                      </p:cBhvr>
+                                      <p:to>
+                                        <p:strVal val="visible"/>
+                                      </p:to>
+                                    </p:set>
+                                  </p:childTnLst>
+                                </p:cTn>
+                              </p:par>
+                            </p:childTnLst>
+                          </p:cTn>
+                        </p:par>
+                      </p:childTnLst>
+                    </p:cTn>
+                  </p:par>
+                  <p:par>
+                    <p:cTn id="7" fill="hold">
+                      <p:stCondLst>
+                        <p:cond delay="indefinite"/>
+                      </p:stCondLst>
+                      <p:childTnLst>
+                        <p:par>
+                          <p:cTn id="8" fill="hold">
+                            <p:stCondLst>
+                              <p:cond delay="0"/>
+                            </p:stCondLst>
+                            <p:childTnLst>
+                              <p:par>
+                                <p:cTn id="9" presetID="1" presetClass="entr" presetSubtype="0" fill="hold" nodeType="clickEffect">
+                                  <p:stCondLst>
+                                    <p:cond delay="0"/>
+                                  </p:stCondLst>
+                                  <p:childTnLst>
+                                    <p:set>
+                                      <p:cBhvr>
+                                        <p:cTn id="10" dur="1" fill="hold">
+                                          <p:stCondLst>
+                                            <p:cond delay="0"/>
+                                          </p:stCondLst>
+                                        </p:cTn>
+                                        <p:tgtEl>
+                                          <p:spTgt spid="39">
+                                            <p:txEl>
+                                              <p:pRg st="1" end="1"/>
+                                            </p:txEl>
+                                          </p:spTgt>
+                                        </p:tgtEl>
+                                        <p:attrNameLst>
+                                          <p:attrName>style.visibility</p:attrName>
+                                        </p:attrNameLst>
+                                      </p:cBhvr>
+                                      <p:to>
+                                        <p:strVal val="visible"/>
+                                      </p:to>
+                                    </p:set>
+                                  </p:childTnLst>
+                                </p:cTn>
+                              </p:par>
+                            </p:childTnLst>
+                          </p:cTn>
+                        </p:par>
+                      </p:childTnLst>
+                    </p:cTn>
+                  </p:par>
+                  <p:par>
+                    <p:cTn id="11" fill="hold">
+                      <p:stCondLst>
+                        <p:cond delay="indefinite"/>
+                      </p:stCondLst>
+                      <p:childTnLst>
+                        <p:par>
+                          <p:cTn id="12" fill="hold">
+                            <p:stCondLst>
+                              <p:cond delay="0"/>
+                            </p:stCondLst>
+                            <p:childTnLst>
+                              <p:par>
+                                <p:cTn id="13" presetID="1" presetClass="entr" presetSubtype="0" fill="hold" nodeType="clickEffect">
+                                  <p:stCondLst>
+                                    <p:cond delay="0"/>
+                                  </p:stCondLst>
+                                  <p:childTnLst>
+                                    <p:set>
+                                      <p:cBhvr>
+                                        <p:cTn id="14" dur="1" fill="hold">
+                                          <p:stCondLst>
+                                            <p:cond delay="0"/>
+                                          </p:stCondLst>
+                                        </p:cTn>
+                                        <p:tgtEl>
+                                          <p:spTgt spid="39">
+                                            <p:txEl>
+                                              <p:pRg st="2" end="2"/>
+                                            </p:txEl>
+                                          </p:spTgt>
+                                        </p:tgtEl>
+                                        <p:attrNameLst>
+                                          <p:attrName>style.visibility</p:attrName>
+                                        </p:attrNameLst>
+                                      </p:cBhvr>
+                                      <p:to>
+                                        <p:strVal val="visible"/>
+                                      </p:to>
+                                    </p:set>
+                                  </p:childTnLst>
+                                </p:cTn>
+                              </p:par>
+                            </p:childTnLst>
+                          </p:cTn>
+                        </p:par>
+                      </p:childTnLst>
+                    </p:cTn>
+                  </p:par>
+                  <p:par>
+                    <p:cTn id="15" fill="hold">
+                      <p:stCondLst>
+                        <p:cond delay="indefinite"/>
+                      </p:stCondLst>
+                      <p:childTnLst>
+                        <p:par>
+                          <p:cTn id="16" fill="hold">
+                            <p:stCondLst>
+                              <p:cond delay="0"/>
+                            </p:stCondLst>
+                            <p:childTnLst>
+                              <p:par>
+                                <p:cTn id="17" presetID="10" presetClass="entr" presetSubtype="0" fill="hold" nodeType="clickEffect">
+                                  <p:stCondLst>
+                                    <p:cond delay="0"/>
+                                  </p:stCondLst>
+                                  <p:childTnLst>
+                                    <p:set>
+                                      <p:cBhvr>
+                                        <p:cTn id="18" dur="1" fill="hold">
+                                          <p:stCondLst>
+                                            <p:cond delay="0"/>
+                                          </p:stCondLst>
+                                        </p:cTn>
+                                        <p:tgtEl>
+                                          <p:spTgt spid="17"/>
+                                        </p:tgtEl>
+                                        <p:attrNameLst>
+                                          <p:attrName>style.visibility</p:attrName>
+                                        </p:attrNameLst>
+                                      </p:cBhvr>
+                                      <p:to>
+                                        <p:strVal val="visible"/>
+                                      </p:to>
+                                    </p:set>
+                                    <p:animEffect transition="in" filter="fade">
+                                      <p:cBhvr>
+                                        <p:cTn id="19" dur="500"/>
+                                        <p:tgtEl>
+                                          <p:spTgt spid="17"/>
+                                        </p:tgtEl>
+                                      </p:cBhvr>
+                                    </p:animEffect>
+                                  </p:childTnLst>
+                                </p:cTn>
+                              </p:par>
+                            </p:childTnLst>
+                          </p:cTn>
+                        </p:par>
+                      </p:childTnLst>
+                    </p:cTn>
+                  </p:par>
+                </p:childTnLst>
+              </p:cTn>
+              <p:prevCondLst>
+                <p:cond evt="onPrev" delay="0">
+                  <p:tgtEl>
+                    <p:sldTgt/>
+                  </p:tgtEl>
+                </p:cond>
+              </p:prevCondLst>
+              <p:nextCondLst>
+                <p:cond evt="onNext" delay="0">
+                  <p:tgtEl>
+                    <p:sldTgt/>
+                  </p:tgtEl>
+                </p:cond>
+              </p:nextCondLst>
+            </p:seq>
+          </p:childTnLst>
+        </p:cTn>
+      </p:par>
+    </p:tnLst>
+  </p:timing>
 </p:sld>
 </file>
 
 <file path=ppt/slides/slide12.xml><?xml version="1.0" encoding="utf-8"?>
-<p:sld xmlns:a="http://schemas.openxmlformats.org/drawingml/2006/main" xmlns:r="http://schemas.openxmlformats.org/officeDocument/2006/relationships" xmlns:p="http://schemas.openxmlformats.org/presentationml/2006/main" showMasterSp="0">
-  <p:cSld>
-    <p:bg>
-      <p:bgPr>
-        <a:blipFill dpi="0" rotWithShape="1">
-          <a:blip r:embed="rId2">
-            <a:lum/>
-            <a:extLst>
-              <a:ext uri="{BEBA8EAE-BF5A-486C-A8C5-ECC9F3942E4B}">
-                <a14:imgProps xmlns:a14="http://schemas.microsoft.com/office/drawing/2010/main">
-                  <a14:imgLayer r:embed="rId3">
-                    <a14:imgEffect>
-                      <a14:artisticPencilSketch pressure="1"/>
-                    </a14:imgEffect>
-                  </a14:imgLayer>
-                </a14:imgProps>
-              </a:ext>
-            </a:extLst>
-          </a:blip>
-          <a:srcRect/>
-          <a:stretch>
-            <a:fillRect/>
-          </a:stretch>
-        </a:blipFill>
-        <a:effectLst/>
-      </p:bgPr>
-    </p:bg>
-    <p:spTree>
-      <p:nvGrpSpPr>
-        <p:cNvPr id="1" name=""/>
-        <p:cNvGrpSpPr/>
-        <p:nvPr/>
-      </p:nvGrpSpPr>
-      <p:grpSpPr>
-        <a:xfrm>
-          <a:off x="0" y="0"/>
-          <a:ext cx="0" cy="0"/>
-          <a:chOff x="0" y="0"/>
-          <a:chExt cx="0" cy="0"/>
-        </a:xfrm>
-      </p:grpSpPr>
-      <p:pic>
-        <p:nvPicPr>
-          <p:cNvPr id="2" name="Picture 1"/>
-          <p:cNvPicPr>
-            <a:picLocks noChangeAspect="1"/>
-          </p:cNvPicPr>
-          <p:nvPr/>
-        </p:nvPicPr>
-        <p:blipFill>
-          <a:blip r:embed="rId4">
-            <a:extLst>
-              <a:ext uri="{BEBA8EAE-BF5A-486C-A8C5-ECC9F3942E4B}">
-                <a14:imgProps xmlns:a14="http://schemas.microsoft.com/office/drawing/2010/main">
-                  <a14:imgLayer r:embed="rId5">
-                    <a14:imgEffect>
-                      <a14:brightnessContrast contrast="40000"/>
-                    </a14:imgEffect>
-                  </a14:imgLayer>
-                </a14:imgProps>
-              </a:ext>
-              <a:ext uri="{28A0092B-C50C-407E-A947-70E740481C1C}">
-                <a14:useLocalDpi xmlns:a14="http://schemas.microsoft.com/office/drawing/2010/main" val="0"/>
-              </a:ext>
-            </a:extLst>
-          </a:blip>
-          <a:stretch>
-            <a:fillRect/>
-          </a:stretch>
-        </p:blipFill>
-        <p:spPr>
-          <a:xfrm>
-            <a:off x="1269046" y="0"/>
-            <a:ext cx="9942285" cy="6858000"/>
-          </a:xfrm>
-          <a:prstGeom prst="rect">
-            <a:avLst/>
-          </a:prstGeom>
-          <a:ln cmpd="sng">
-            <a:noFill/>
-          </a:ln>
-        </p:spPr>
-      </p:pic>
-      <p:graphicFrame>
-        <p:nvGraphicFramePr>
-          <p:cNvPr id="3" name="Diagram 2"/>
-          <p:cNvGraphicFramePr/>
-          <p:nvPr/>
-        </p:nvGraphicFramePr>
-        <p:xfrm>
-          <a:off x="0" y="6668086"/>
-          <a:ext cx="12191999" cy="189914"/>
-        </p:xfrm>
-        <a:graphic>
-          <a:graphicData uri="http://schemas.openxmlformats.org/drawingml/2006/diagram">
-            <dgm:relIds xmlns:dgm="http://schemas.openxmlformats.org/drawingml/2006/diagram" xmlns:r="http://schemas.openxmlformats.org/officeDocument/2006/relationships" r:dm="rId6" r:lo="rId7" r:qs="rId8" r:cs="rId9"/>
-          </a:graphicData>
-        </a:graphic>
-      </p:graphicFrame>
-      <p:sp>
-        <p:nvSpPr>
-          <p:cNvPr id="5" name="Rectangle 4"/>
-          <p:cNvSpPr/>
-          <p:nvPr/>
-        </p:nvSpPr>
-        <p:spPr>
-          <a:xfrm>
-            <a:off x="705394" y="177576"/>
-            <a:ext cx="10633166" cy="646331"/>
-          </a:xfrm>
-          <a:prstGeom prst="rect">
-            <a:avLst/>
-          </a:prstGeom>
-        </p:spPr>
-        <p:txBody>
-          <a:bodyPr wrap="square">
-            <a:spAutoFit/>
-          </a:bodyPr>
-          <a:lstStyle/>
-          <a:p>
-            <a:r>
-              <a:rPr lang="en-US" sz="3600" u="sng" dirty="0">
-                <a:solidFill>
-                  <a:srgbClr val="C00000"/>
-                </a:solidFill>
-                <a:latin typeface="Arial" panose="020B0604020202020204" pitchFamily="34" charset="0"/>
-                <a:cs typeface="Arial" panose="020B0604020202020204" pitchFamily="34" charset="0"/>
-              </a:rPr>
-              <a:t>Aggregate</a:t>
-            </a:r>
-          </a:p>
-        </p:txBody>
-      </p:sp>
-      <p:sp>
-        <p:nvSpPr>
-          <p:cNvPr id="39" name="Rectangle 38"/>
-          <p:cNvSpPr/>
-          <p:nvPr/>
-        </p:nvSpPr>
-        <p:spPr>
-          <a:xfrm>
-            <a:off x="683622" y="950463"/>
-            <a:ext cx="10654937" cy="1569660"/>
-          </a:xfrm>
-          <a:prstGeom prst="rect">
-            <a:avLst/>
-          </a:prstGeom>
-        </p:spPr>
-        <p:txBody>
-          <a:bodyPr wrap="square">
-            <a:spAutoFit/>
-          </a:bodyPr>
-          <a:lstStyle/>
-          <a:p>
-            <a:pPr marL="342900" indent="-342900">
-              <a:buClr>
-                <a:srgbClr val="C00000"/>
-              </a:buClr>
-              <a:buFont typeface="Wingdings" panose="05000000000000000000" pitchFamily="2" charset="2"/>
-              <a:buChar char="v"/>
-            </a:pPr>
-            <a:r>
-              <a:rPr lang="en-US" sz="2400" dirty="0" err="1">
-                <a:solidFill>
-                  <a:schemeClr val="tx1">
-                    <a:lumMod val="50000"/>
-                    <a:lumOff val="50000"/>
-                  </a:schemeClr>
-                </a:solidFill>
-                <a:latin typeface="Arial" panose="020B0604020202020204" pitchFamily="34" charset="0"/>
-                <a:cs typeface="Arial" panose="020B0604020202020204" pitchFamily="34" charset="0"/>
-              </a:rPr>
-              <a:t>Một</a:t>
-            </a:r>
-            <a:r>
-              <a:rPr lang="en-US" sz="2400" dirty="0">
-                <a:solidFill>
-                  <a:schemeClr val="tx1">
-                    <a:lumMod val="50000"/>
-                    <a:lumOff val="50000"/>
-                  </a:schemeClr>
-                </a:solidFill>
-                <a:latin typeface="Arial" panose="020B0604020202020204" pitchFamily="34" charset="0"/>
-                <a:cs typeface="Arial" panose="020B0604020202020204" pitchFamily="34" charset="0"/>
-              </a:rPr>
-              <a:t> </a:t>
-            </a:r>
-            <a:r>
-              <a:rPr lang="en-US" sz="2400" dirty="0" err="1">
-                <a:solidFill>
-                  <a:schemeClr val="tx1">
-                    <a:lumMod val="50000"/>
-                    <a:lumOff val="50000"/>
-                  </a:schemeClr>
-                </a:solidFill>
-                <a:latin typeface="Arial" panose="020B0604020202020204" pitchFamily="34" charset="0"/>
-                <a:cs typeface="Arial" panose="020B0604020202020204" pitchFamily="34" charset="0"/>
-              </a:rPr>
-              <a:t>tập</a:t>
-            </a:r>
-            <a:r>
-              <a:rPr lang="en-US" sz="2400" dirty="0">
-                <a:solidFill>
-                  <a:schemeClr val="tx1">
-                    <a:lumMod val="50000"/>
-                    <a:lumOff val="50000"/>
-                  </a:schemeClr>
-                </a:solidFill>
-                <a:latin typeface="Arial" panose="020B0604020202020204" pitchFamily="34" charset="0"/>
-                <a:cs typeface="Arial" panose="020B0604020202020204" pitchFamily="34" charset="0"/>
-              </a:rPr>
-              <a:t> </a:t>
-            </a:r>
-            <a:r>
-              <a:rPr lang="en-US" sz="2400" dirty="0" err="1">
-                <a:solidFill>
-                  <a:schemeClr val="tx1">
-                    <a:lumMod val="50000"/>
-                    <a:lumOff val="50000"/>
-                  </a:schemeClr>
-                </a:solidFill>
-                <a:latin typeface="Arial" panose="020B0604020202020204" pitchFamily="34" charset="0"/>
-                <a:cs typeface="Arial" panose="020B0604020202020204" pitchFamily="34" charset="0"/>
-              </a:rPr>
-              <a:t>hợp</a:t>
-            </a:r>
-            <a:r>
-              <a:rPr lang="en-US" sz="2400" dirty="0">
-                <a:solidFill>
-                  <a:schemeClr val="tx1">
-                    <a:lumMod val="50000"/>
-                    <a:lumOff val="50000"/>
-                  </a:schemeClr>
-                </a:solidFill>
-                <a:latin typeface="Arial" panose="020B0604020202020204" pitchFamily="34" charset="0"/>
-                <a:cs typeface="Arial" panose="020B0604020202020204" pitchFamily="34" charset="0"/>
-              </a:rPr>
-              <a:t> </a:t>
-            </a:r>
-            <a:r>
-              <a:rPr lang="en-US" sz="2400" dirty="0" err="1">
-                <a:solidFill>
-                  <a:schemeClr val="tx1">
-                    <a:lumMod val="50000"/>
-                    <a:lumOff val="50000"/>
-                  </a:schemeClr>
-                </a:solidFill>
-                <a:latin typeface="Arial" panose="020B0604020202020204" pitchFamily="34" charset="0"/>
-                <a:cs typeface="Arial" panose="020B0604020202020204" pitchFamily="34" charset="0"/>
-              </a:rPr>
-              <a:t>các</a:t>
-            </a:r>
-            <a:r>
-              <a:rPr lang="en-US" sz="2400" dirty="0">
-                <a:solidFill>
-                  <a:schemeClr val="tx1">
-                    <a:lumMod val="50000"/>
-                    <a:lumOff val="50000"/>
-                  </a:schemeClr>
-                </a:solidFill>
-                <a:latin typeface="Arial" panose="020B0604020202020204" pitchFamily="34" charset="0"/>
-                <a:cs typeface="Arial" panose="020B0604020202020204" pitchFamily="34" charset="0"/>
-              </a:rPr>
-              <a:t> </a:t>
-            </a:r>
-            <a:r>
-              <a:rPr lang="en-US" sz="2400" dirty="0" err="1">
-                <a:solidFill>
-                  <a:schemeClr val="tx1">
-                    <a:lumMod val="50000"/>
-                    <a:lumOff val="50000"/>
-                  </a:schemeClr>
-                </a:solidFill>
-                <a:latin typeface="Arial" panose="020B0604020202020204" pitchFamily="34" charset="0"/>
-                <a:cs typeface="Arial" panose="020B0604020202020204" pitchFamily="34" charset="0"/>
-              </a:rPr>
-              <a:t>thực</a:t>
-            </a:r>
-            <a:r>
-              <a:rPr lang="en-US" sz="2400" dirty="0">
-                <a:solidFill>
-                  <a:schemeClr val="tx1">
-                    <a:lumMod val="50000"/>
-                    <a:lumOff val="50000"/>
-                  </a:schemeClr>
-                </a:solidFill>
-                <a:latin typeface="Arial" panose="020B0604020202020204" pitchFamily="34" charset="0"/>
-                <a:cs typeface="Arial" panose="020B0604020202020204" pitchFamily="34" charset="0"/>
-              </a:rPr>
-              <a:t> </a:t>
-            </a:r>
-            <a:r>
-              <a:rPr lang="en-US" sz="2400" dirty="0" err="1">
-                <a:solidFill>
-                  <a:schemeClr val="tx1">
-                    <a:lumMod val="50000"/>
-                    <a:lumOff val="50000"/>
-                  </a:schemeClr>
-                </a:solidFill>
-                <a:latin typeface="Arial" panose="020B0604020202020204" pitchFamily="34" charset="0"/>
-                <a:cs typeface="Arial" panose="020B0604020202020204" pitchFamily="34" charset="0"/>
-              </a:rPr>
-              <a:t>thể</a:t>
-            </a:r>
-            <a:endParaRPr lang="en-US" sz="2400" dirty="0">
-              <a:solidFill>
-                <a:schemeClr val="tx1">
-                  <a:lumMod val="50000"/>
-                  <a:lumOff val="50000"/>
-                </a:schemeClr>
-              </a:solidFill>
-              <a:latin typeface="Arial" panose="020B0604020202020204" pitchFamily="34" charset="0"/>
-              <a:cs typeface="Arial" panose="020B0604020202020204" pitchFamily="34" charset="0"/>
-            </a:endParaRPr>
-          </a:p>
-          <a:p>
-            <a:pPr marL="342900" indent="-342900">
-              <a:buClr>
-                <a:srgbClr val="C00000"/>
-              </a:buClr>
-              <a:buFont typeface="Wingdings" panose="05000000000000000000" pitchFamily="2" charset="2"/>
-              <a:buChar char="v"/>
-            </a:pPr>
-            <a:r>
-              <a:rPr lang="en-US" sz="2400" dirty="0" err="1">
-                <a:solidFill>
-                  <a:schemeClr val="tx1">
-                    <a:lumMod val="50000"/>
-                    <a:lumOff val="50000"/>
-                  </a:schemeClr>
-                </a:solidFill>
-                <a:latin typeface="Arial" panose="020B0604020202020204" pitchFamily="34" charset="0"/>
-                <a:cs typeface="Arial" panose="020B0604020202020204" pitchFamily="34" charset="0"/>
-              </a:rPr>
-              <a:t>Các</a:t>
-            </a:r>
-            <a:r>
-              <a:rPr lang="en-US" sz="2400" dirty="0">
-                <a:solidFill>
-                  <a:schemeClr val="tx1">
-                    <a:lumMod val="50000"/>
-                    <a:lumOff val="50000"/>
-                  </a:schemeClr>
-                </a:solidFill>
-                <a:latin typeface="Arial" panose="020B0604020202020204" pitchFamily="34" charset="0"/>
-                <a:cs typeface="Arial" panose="020B0604020202020204" pitchFamily="34" charset="0"/>
-              </a:rPr>
-              <a:t> </a:t>
-            </a:r>
-            <a:r>
-              <a:rPr lang="en-US" sz="2400" dirty="0" err="1">
-                <a:solidFill>
-                  <a:schemeClr val="tx1">
-                    <a:lumMod val="50000"/>
-                    <a:lumOff val="50000"/>
-                  </a:schemeClr>
-                </a:solidFill>
-                <a:latin typeface="Arial" panose="020B0604020202020204" pitchFamily="34" charset="0"/>
-                <a:cs typeface="Arial" panose="020B0604020202020204" pitchFamily="34" charset="0"/>
-              </a:rPr>
-              <a:t>xử</a:t>
-            </a:r>
-            <a:r>
-              <a:rPr lang="en-US" sz="2400" dirty="0">
-                <a:solidFill>
-                  <a:schemeClr val="tx1">
-                    <a:lumMod val="50000"/>
-                    <a:lumOff val="50000"/>
-                  </a:schemeClr>
-                </a:solidFill>
-                <a:latin typeface="Arial" panose="020B0604020202020204" pitchFamily="34" charset="0"/>
-                <a:cs typeface="Arial" panose="020B0604020202020204" pitchFamily="34" charset="0"/>
-              </a:rPr>
-              <a:t> </a:t>
-            </a:r>
-            <a:r>
-              <a:rPr lang="en-US" sz="2400" dirty="0" err="1">
-                <a:solidFill>
-                  <a:schemeClr val="tx1">
-                    <a:lumMod val="50000"/>
-                    <a:lumOff val="50000"/>
-                  </a:schemeClr>
-                </a:solidFill>
-                <a:latin typeface="Arial" panose="020B0604020202020204" pitchFamily="34" charset="0"/>
-                <a:cs typeface="Arial" panose="020B0604020202020204" pitchFamily="34" charset="0"/>
-              </a:rPr>
-              <a:t>lý</a:t>
-            </a:r>
-            <a:r>
-              <a:rPr lang="en-US" sz="2400" dirty="0">
-                <a:solidFill>
-                  <a:schemeClr val="tx1">
-                    <a:lumMod val="50000"/>
-                    <a:lumOff val="50000"/>
-                  </a:schemeClr>
-                </a:solidFill>
-                <a:latin typeface="Arial" panose="020B0604020202020204" pitchFamily="34" charset="0"/>
-                <a:cs typeface="Arial" panose="020B0604020202020204" pitchFamily="34" charset="0"/>
-              </a:rPr>
-              <a:t> </a:t>
-            </a:r>
-            <a:r>
-              <a:rPr lang="en-US" sz="2400" dirty="0" err="1">
-                <a:solidFill>
-                  <a:schemeClr val="tx1">
-                    <a:lumMod val="50000"/>
-                    <a:lumOff val="50000"/>
-                  </a:schemeClr>
-                </a:solidFill>
-                <a:latin typeface="Arial" panose="020B0604020202020204" pitchFamily="34" charset="0"/>
-                <a:cs typeface="Arial" panose="020B0604020202020204" pitchFamily="34" charset="0"/>
-              </a:rPr>
-              <a:t>đều</a:t>
-            </a:r>
-            <a:r>
-              <a:rPr lang="en-US" sz="2400" dirty="0">
-                <a:solidFill>
-                  <a:schemeClr val="tx1">
-                    <a:lumMod val="50000"/>
-                    <a:lumOff val="50000"/>
-                  </a:schemeClr>
-                </a:solidFill>
-                <a:latin typeface="Arial" panose="020B0604020202020204" pitchFamily="34" charset="0"/>
-                <a:cs typeface="Arial" panose="020B0604020202020204" pitchFamily="34" charset="0"/>
-              </a:rPr>
-              <a:t> </a:t>
-            </a:r>
-            <a:r>
-              <a:rPr lang="en-US" sz="2400" dirty="0" err="1">
-                <a:solidFill>
-                  <a:schemeClr val="tx1">
-                    <a:lumMod val="50000"/>
-                    <a:lumOff val="50000"/>
-                  </a:schemeClr>
-                </a:solidFill>
-                <a:latin typeface="Arial" panose="020B0604020202020204" pitchFamily="34" charset="0"/>
-                <a:cs typeface="Arial" panose="020B0604020202020204" pitchFamily="34" charset="0"/>
-              </a:rPr>
-              <a:t>thông</a:t>
-            </a:r>
-            <a:r>
-              <a:rPr lang="en-US" sz="2400" dirty="0">
-                <a:solidFill>
-                  <a:schemeClr val="tx1">
-                    <a:lumMod val="50000"/>
-                    <a:lumOff val="50000"/>
-                  </a:schemeClr>
-                </a:solidFill>
-                <a:latin typeface="Arial" panose="020B0604020202020204" pitchFamily="34" charset="0"/>
-                <a:cs typeface="Arial" panose="020B0604020202020204" pitchFamily="34" charset="0"/>
-              </a:rPr>
-              <a:t> qua Aggregate Root</a:t>
-            </a:r>
-          </a:p>
-          <a:p>
-            <a:pPr marL="342900" indent="-342900">
-              <a:buClr>
-                <a:srgbClr val="C00000"/>
-              </a:buClr>
-              <a:buFont typeface="Wingdings" panose="05000000000000000000" pitchFamily="2" charset="2"/>
-              <a:buChar char="v"/>
-            </a:pPr>
-            <a:r>
-              <a:rPr lang="en-US" sz="2400" dirty="0">
-                <a:solidFill>
-                  <a:schemeClr val="tx1">
-                    <a:lumMod val="50000"/>
-                    <a:lumOff val="50000"/>
-                  </a:schemeClr>
-                </a:solidFill>
-                <a:latin typeface="Arial" panose="020B0604020202020204" pitchFamily="34" charset="0"/>
-                <a:cs typeface="Arial" panose="020B0604020202020204" pitchFamily="34" charset="0"/>
-              </a:rPr>
-              <a:t>Aggregate </a:t>
-            </a:r>
-            <a:r>
-              <a:rPr lang="en-US" sz="2400" dirty="0" err="1">
-                <a:solidFill>
-                  <a:schemeClr val="tx1">
-                    <a:lumMod val="50000"/>
-                    <a:lumOff val="50000"/>
-                  </a:schemeClr>
-                </a:solidFill>
-                <a:latin typeface="Arial" panose="020B0604020202020204" pitchFamily="34" charset="0"/>
-                <a:cs typeface="Arial" panose="020B0604020202020204" pitchFamily="34" charset="0"/>
-              </a:rPr>
-              <a:t>phải</a:t>
-            </a:r>
-            <a:r>
-              <a:rPr lang="en-US" sz="2400" dirty="0">
-                <a:solidFill>
-                  <a:schemeClr val="tx1">
-                    <a:lumMod val="50000"/>
-                    <a:lumOff val="50000"/>
-                  </a:schemeClr>
-                </a:solidFill>
-                <a:latin typeface="Arial" panose="020B0604020202020204" pitchFamily="34" charset="0"/>
-                <a:cs typeface="Arial" panose="020B0604020202020204" pitchFamily="34" charset="0"/>
-              </a:rPr>
-              <a:t> </a:t>
-            </a:r>
-            <a:r>
-              <a:rPr lang="en-US" sz="2400" dirty="0" err="1">
-                <a:solidFill>
-                  <a:schemeClr val="tx1">
-                    <a:lumMod val="50000"/>
-                    <a:lumOff val="50000"/>
-                  </a:schemeClr>
-                </a:solidFill>
-                <a:latin typeface="Arial" panose="020B0604020202020204" pitchFamily="34" charset="0"/>
-                <a:cs typeface="Arial" panose="020B0604020202020204" pitchFamily="34" charset="0"/>
-              </a:rPr>
-              <a:t>chứa</a:t>
-            </a:r>
-            <a:r>
-              <a:rPr lang="en-US" sz="2400" dirty="0">
-                <a:solidFill>
-                  <a:schemeClr val="tx1">
-                    <a:lumMod val="50000"/>
-                    <a:lumOff val="50000"/>
-                  </a:schemeClr>
-                </a:solidFill>
-                <a:latin typeface="Arial" panose="020B0604020202020204" pitchFamily="34" charset="0"/>
-                <a:cs typeface="Arial" panose="020B0604020202020204" pitchFamily="34" charset="0"/>
-              </a:rPr>
-              <a:t> </a:t>
-            </a:r>
-            <a:r>
-              <a:rPr lang="en-US" sz="2400" dirty="0" err="1">
-                <a:solidFill>
-                  <a:schemeClr val="tx1">
-                    <a:lumMod val="50000"/>
-                    <a:lumOff val="50000"/>
-                  </a:schemeClr>
-                </a:solidFill>
-                <a:latin typeface="Arial" panose="020B0604020202020204" pitchFamily="34" charset="0"/>
-                <a:cs typeface="Arial" panose="020B0604020202020204" pitchFamily="34" charset="0"/>
-              </a:rPr>
-              <a:t>các</a:t>
-            </a:r>
-            <a:r>
-              <a:rPr lang="en-US" sz="2400" dirty="0">
-                <a:solidFill>
-                  <a:schemeClr val="tx1">
-                    <a:lumMod val="50000"/>
-                    <a:lumOff val="50000"/>
-                  </a:schemeClr>
-                </a:solidFill>
-                <a:latin typeface="Arial" panose="020B0604020202020204" pitchFamily="34" charset="0"/>
-                <a:cs typeface="Arial" panose="020B0604020202020204" pitchFamily="34" charset="0"/>
-              </a:rPr>
-              <a:t> behaviors </a:t>
-            </a:r>
-            <a:r>
-              <a:rPr lang="en-US" sz="2400" dirty="0" err="1">
-                <a:solidFill>
-                  <a:schemeClr val="tx1">
-                    <a:lumMod val="50000"/>
-                    <a:lumOff val="50000"/>
-                  </a:schemeClr>
-                </a:solidFill>
-                <a:latin typeface="Arial" panose="020B0604020202020204" pitchFamily="34" charset="0"/>
-                <a:cs typeface="Arial" panose="020B0604020202020204" pitchFamily="34" charset="0"/>
-              </a:rPr>
-              <a:t>của</a:t>
-            </a:r>
-            <a:r>
-              <a:rPr lang="en-US" sz="2400" dirty="0">
-                <a:solidFill>
-                  <a:schemeClr val="tx1">
-                    <a:lumMod val="50000"/>
-                    <a:lumOff val="50000"/>
-                  </a:schemeClr>
-                </a:solidFill>
-                <a:latin typeface="Arial" panose="020B0604020202020204" pitchFamily="34" charset="0"/>
-                <a:cs typeface="Arial" panose="020B0604020202020204" pitchFamily="34" charset="0"/>
-              </a:rPr>
-              <a:t> </a:t>
-            </a:r>
-            <a:r>
-              <a:rPr lang="en-US" sz="2400" dirty="0" err="1">
-                <a:solidFill>
-                  <a:schemeClr val="tx1">
-                    <a:lumMod val="50000"/>
-                    <a:lumOff val="50000"/>
-                  </a:schemeClr>
-                </a:solidFill>
-                <a:latin typeface="Arial" panose="020B0604020202020204" pitchFamily="34" charset="0"/>
-                <a:cs typeface="Arial" panose="020B0604020202020204" pitchFamily="34" charset="0"/>
-              </a:rPr>
-              <a:t>các</a:t>
-            </a:r>
-            <a:r>
-              <a:rPr lang="en-US" sz="2400" dirty="0">
-                <a:solidFill>
-                  <a:schemeClr val="tx1">
-                    <a:lumMod val="50000"/>
-                    <a:lumOff val="50000"/>
-                  </a:schemeClr>
-                </a:solidFill>
-                <a:latin typeface="Arial" panose="020B0604020202020204" pitchFamily="34" charset="0"/>
-                <a:cs typeface="Arial" panose="020B0604020202020204" pitchFamily="34" charset="0"/>
-              </a:rPr>
-              <a:t> entity</a:t>
-            </a:r>
-          </a:p>
-          <a:p>
-            <a:pPr marL="342900" indent="-342900">
-              <a:buClr>
-                <a:srgbClr val="C00000"/>
-              </a:buClr>
-              <a:buFont typeface="Wingdings" panose="05000000000000000000" pitchFamily="2" charset="2"/>
-              <a:buChar char="v"/>
-            </a:pPr>
-            <a:endParaRPr lang="en-US" sz="2400" dirty="0">
-              <a:solidFill>
-                <a:schemeClr val="tx1">
-                  <a:lumMod val="50000"/>
-                  <a:lumOff val="50000"/>
-                </a:schemeClr>
-              </a:solidFill>
-              <a:latin typeface="Arial" panose="020B0604020202020204" pitchFamily="34" charset="0"/>
-              <a:cs typeface="Arial" panose="020B0604020202020204" pitchFamily="34" charset="0"/>
-            </a:endParaRPr>
-          </a:p>
-        </p:txBody>
-      </p:sp>
-    </p:spTree>
-    <p:extLst>
-      <p:ext uri="{BB962C8B-B14F-4D97-AF65-F5344CB8AC3E}">
-        <p14:creationId xmlns:p14="http://schemas.microsoft.com/office/powerpoint/2010/main" val="1187407603"/>
-      </p:ext>
-    </p:extLst>
-  </p:cSld>
-  <p:clrMapOvr>
-    <a:masterClrMapping/>
-  </p:clrMapOvr>
-</p:sld>
-</file>
-
-<file path=ppt/slides/slide13.xml><?xml version="1.0" encoding="utf-8"?>
 <p:sld xmlns:a="http://schemas.openxmlformats.org/drawingml/2006/main" xmlns:r="http://schemas.openxmlformats.org/officeDocument/2006/relationships" xmlns:p="http://schemas.openxmlformats.org/presentationml/2006/main" showMasterSp="0">
   <p:cSld>
     <p:bg>
@@ -35896,10 +34274,534 @@
   <p:clrMapOvr>
     <a:masterClrMapping/>
   </p:clrMapOvr>
+  <p:timing>
+    <p:tnLst>
+      <p:par>
+        <p:cTn id="1" dur="indefinite" restart="never" nodeType="tmRoot">
+          <p:childTnLst>
+            <p:seq concurrent="1" nextAc="seek">
+              <p:cTn id="2" dur="indefinite" nodeType="mainSeq">
+                <p:childTnLst>
+                  <p:par>
+                    <p:cTn id="3" fill="hold">
+                      <p:stCondLst>
+                        <p:cond delay="indefinite"/>
+                      </p:stCondLst>
+                      <p:childTnLst>
+                        <p:par>
+                          <p:cTn id="4" fill="hold">
+                            <p:stCondLst>
+                              <p:cond delay="0"/>
+                            </p:stCondLst>
+                            <p:childTnLst>
+                              <p:par>
+                                <p:cTn id="5" presetID="10" presetClass="entr" presetSubtype="0" fill="hold" nodeType="clickEffect">
+                                  <p:stCondLst>
+                                    <p:cond delay="0"/>
+                                  </p:stCondLst>
+                                  <p:childTnLst>
+                                    <p:set>
+                                      <p:cBhvr>
+                                        <p:cTn id="6" dur="1" fill="hold">
+                                          <p:stCondLst>
+                                            <p:cond delay="0"/>
+                                          </p:stCondLst>
+                                        </p:cTn>
+                                        <p:tgtEl>
+                                          <p:spTgt spid="26"/>
+                                        </p:tgtEl>
+                                        <p:attrNameLst>
+                                          <p:attrName>style.visibility</p:attrName>
+                                        </p:attrNameLst>
+                                      </p:cBhvr>
+                                      <p:to>
+                                        <p:strVal val="visible"/>
+                                      </p:to>
+                                    </p:set>
+                                    <p:animEffect transition="in" filter="fade">
+                                      <p:cBhvr>
+                                        <p:cTn id="7" dur="500"/>
+                                        <p:tgtEl>
+                                          <p:spTgt spid="26"/>
+                                        </p:tgtEl>
+                                      </p:cBhvr>
+                                    </p:animEffect>
+                                  </p:childTnLst>
+                                </p:cTn>
+                              </p:par>
+                            </p:childTnLst>
+                          </p:cTn>
+                        </p:par>
+                      </p:childTnLst>
+                    </p:cTn>
+                  </p:par>
+                  <p:par>
+                    <p:cTn id="8" fill="hold">
+                      <p:stCondLst>
+                        <p:cond delay="indefinite"/>
+                      </p:stCondLst>
+                      <p:childTnLst>
+                        <p:par>
+                          <p:cTn id="9" fill="hold">
+                            <p:stCondLst>
+                              <p:cond delay="0"/>
+                            </p:stCondLst>
+                            <p:childTnLst>
+                              <p:par>
+                                <p:cTn id="10" presetID="10" presetClass="entr" presetSubtype="0" fill="hold" nodeType="clickEffect">
+                                  <p:stCondLst>
+                                    <p:cond delay="0"/>
+                                  </p:stCondLst>
+                                  <p:childTnLst>
+                                    <p:set>
+                                      <p:cBhvr>
+                                        <p:cTn id="11" dur="1" fill="hold">
+                                          <p:stCondLst>
+                                            <p:cond delay="0"/>
+                                          </p:stCondLst>
+                                        </p:cTn>
+                                        <p:tgtEl>
+                                          <p:spTgt spid="27">
+                                            <p:txEl>
+                                              <p:pRg st="0" end="0"/>
+                                            </p:txEl>
+                                          </p:spTgt>
+                                        </p:tgtEl>
+                                        <p:attrNameLst>
+                                          <p:attrName>style.visibility</p:attrName>
+                                        </p:attrNameLst>
+                                      </p:cBhvr>
+                                      <p:to>
+                                        <p:strVal val="visible"/>
+                                      </p:to>
+                                    </p:set>
+                                    <p:animEffect transition="in" filter="fade">
+                                      <p:cBhvr>
+                                        <p:cTn id="12" dur="500"/>
+                                        <p:tgtEl>
+                                          <p:spTgt spid="27">
+                                            <p:txEl>
+                                              <p:pRg st="0" end="0"/>
+                                            </p:txEl>
+                                          </p:spTgt>
+                                        </p:tgtEl>
+                                      </p:cBhvr>
+                                    </p:animEffect>
+                                  </p:childTnLst>
+                                </p:cTn>
+                              </p:par>
+                              <p:par>
+                                <p:cTn id="13" presetID="10" presetClass="entr" presetSubtype="0" fill="hold" nodeType="withEffect">
+                                  <p:stCondLst>
+                                    <p:cond delay="0"/>
+                                  </p:stCondLst>
+                                  <p:childTnLst>
+                                    <p:set>
+                                      <p:cBhvr>
+                                        <p:cTn id="14" dur="1" fill="hold">
+                                          <p:stCondLst>
+                                            <p:cond delay="0"/>
+                                          </p:stCondLst>
+                                        </p:cTn>
+                                        <p:tgtEl>
+                                          <p:spTgt spid="27">
+                                            <p:txEl>
+                                              <p:pRg st="1" end="1"/>
+                                            </p:txEl>
+                                          </p:spTgt>
+                                        </p:tgtEl>
+                                        <p:attrNameLst>
+                                          <p:attrName>style.visibility</p:attrName>
+                                        </p:attrNameLst>
+                                      </p:cBhvr>
+                                      <p:to>
+                                        <p:strVal val="visible"/>
+                                      </p:to>
+                                    </p:set>
+                                    <p:animEffect transition="in" filter="fade">
+                                      <p:cBhvr>
+                                        <p:cTn id="15" dur="500"/>
+                                        <p:tgtEl>
+                                          <p:spTgt spid="27">
+                                            <p:txEl>
+                                              <p:pRg st="1" end="1"/>
+                                            </p:txEl>
+                                          </p:spTgt>
+                                        </p:tgtEl>
+                                      </p:cBhvr>
+                                    </p:animEffect>
+                                  </p:childTnLst>
+                                </p:cTn>
+                              </p:par>
+                              <p:par>
+                                <p:cTn id="16" presetID="10" presetClass="entr" presetSubtype="0" fill="hold" nodeType="withEffect">
+                                  <p:stCondLst>
+                                    <p:cond delay="0"/>
+                                  </p:stCondLst>
+                                  <p:childTnLst>
+                                    <p:set>
+                                      <p:cBhvr>
+                                        <p:cTn id="17" dur="1" fill="hold">
+                                          <p:stCondLst>
+                                            <p:cond delay="0"/>
+                                          </p:stCondLst>
+                                        </p:cTn>
+                                        <p:tgtEl>
+                                          <p:spTgt spid="27">
+                                            <p:txEl>
+                                              <p:pRg st="2" end="2"/>
+                                            </p:txEl>
+                                          </p:spTgt>
+                                        </p:tgtEl>
+                                        <p:attrNameLst>
+                                          <p:attrName>style.visibility</p:attrName>
+                                        </p:attrNameLst>
+                                      </p:cBhvr>
+                                      <p:to>
+                                        <p:strVal val="visible"/>
+                                      </p:to>
+                                    </p:set>
+                                    <p:animEffect transition="in" filter="fade">
+                                      <p:cBhvr>
+                                        <p:cTn id="18" dur="500"/>
+                                        <p:tgtEl>
+                                          <p:spTgt spid="27">
+                                            <p:txEl>
+                                              <p:pRg st="2" end="2"/>
+                                            </p:txEl>
+                                          </p:spTgt>
+                                        </p:tgtEl>
+                                      </p:cBhvr>
+                                    </p:animEffect>
+                                  </p:childTnLst>
+                                </p:cTn>
+                              </p:par>
+                            </p:childTnLst>
+                          </p:cTn>
+                        </p:par>
+                      </p:childTnLst>
+                    </p:cTn>
+                  </p:par>
+                  <p:par>
+                    <p:cTn id="19" fill="hold">
+                      <p:stCondLst>
+                        <p:cond delay="indefinite"/>
+                      </p:stCondLst>
+                      <p:childTnLst>
+                        <p:par>
+                          <p:cTn id="20" fill="hold">
+                            <p:stCondLst>
+                              <p:cond delay="0"/>
+                            </p:stCondLst>
+                            <p:childTnLst>
+                              <p:par>
+                                <p:cTn id="21" presetID="10" presetClass="entr" presetSubtype="0" fill="hold" nodeType="clickEffect">
+                                  <p:stCondLst>
+                                    <p:cond delay="0"/>
+                                  </p:stCondLst>
+                                  <p:childTnLst>
+                                    <p:set>
+                                      <p:cBhvr>
+                                        <p:cTn id="22" dur="1" fill="hold">
+                                          <p:stCondLst>
+                                            <p:cond delay="0"/>
+                                          </p:stCondLst>
+                                        </p:cTn>
+                                        <p:tgtEl>
+                                          <p:spTgt spid="27">
+                                            <p:txEl>
+                                              <p:pRg st="4" end="4"/>
+                                            </p:txEl>
+                                          </p:spTgt>
+                                        </p:tgtEl>
+                                        <p:attrNameLst>
+                                          <p:attrName>style.visibility</p:attrName>
+                                        </p:attrNameLst>
+                                      </p:cBhvr>
+                                      <p:to>
+                                        <p:strVal val="visible"/>
+                                      </p:to>
+                                    </p:set>
+                                    <p:animEffect transition="in" filter="fade">
+                                      <p:cBhvr>
+                                        <p:cTn id="23" dur="500"/>
+                                        <p:tgtEl>
+                                          <p:spTgt spid="27">
+                                            <p:txEl>
+                                              <p:pRg st="4" end="4"/>
+                                            </p:txEl>
+                                          </p:spTgt>
+                                        </p:tgtEl>
+                                      </p:cBhvr>
+                                    </p:animEffect>
+                                  </p:childTnLst>
+                                </p:cTn>
+                              </p:par>
+                              <p:par>
+                                <p:cTn id="24" presetID="10" presetClass="entr" presetSubtype="0" fill="hold" nodeType="withEffect">
+                                  <p:stCondLst>
+                                    <p:cond delay="0"/>
+                                  </p:stCondLst>
+                                  <p:childTnLst>
+                                    <p:set>
+                                      <p:cBhvr>
+                                        <p:cTn id="25" dur="1" fill="hold">
+                                          <p:stCondLst>
+                                            <p:cond delay="0"/>
+                                          </p:stCondLst>
+                                        </p:cTn>
+                                        <p:tgtEl>
+                                          <p:spTgt spid="27">
+                                            <p:txEl>
+                                              <p:pRg st="5" end="5"/>
+                                            </p:txEl>
+                                          </p:spTgt>
+                                        </p:tgtEl>
+                                        <p:attrNameLst>
+                                          <p:attrName>style.visibility</p:attrName>
+                                        </p:attrNameLst>
+                                      </p:cBhvr>
+                                      <p:to>
+                                        <p:strVal val="visible"/>
+                                      </p:to>
+                                    </p:set>
+                                    <p:animEffect transition="in" filter="fade">
+                                      <p:cBhvr>
+                                        <p:cTn id="26" dur="500"/>
+                                        <p:tgtEl>
+                                          <p:spTgt spid="27">
+                                            <p:txEl>
+                                              <p:pRg st="5" end="5"/>
+                                            </p:txEl>
+                                          </p:spTgt>
+                                        </p:tgtEl>
+                                      </p:cBhvr>
+                                    </p:animEffect>
+                                  </p:childTnLst>
+                                </p:cTn>
+                              </p:par>
+                              <p:par>
+                                <p:cTn id="27" presetID="10" presetClass="entr" presetSubtype="0" fill="hold" nodeType="withEffect">
+                                  <p:stCondLst>
+                                    <p:cond delay="0"/>
+                                  </p:stCondLst>
+                                  <p:childTnLst>
+                                    <p:set>
+                                      <p:cBhvr>
+                                        <p:cTn id="28" dur="1" fill="hold">
+                                          <p:stCondLst>
+                                            <p:cond delay="0"/>
+                                          </p:stCondLst>
+                                        </p:cTn>
+                                        <p:tgtEl>
+                                          <p:spTgt spid="27">
+                                            <p:txEl>
+                                              <p:pRg st="6" end="6"/>
+                                            </p:txEl>
+                                          </p:spTgt>
+                                        </p:tgtEl>
+                                        <p:attrNameLst>
+                                          <p:attrName>style.visibility</p:attrName>
+                                        </p:attrNameLst>
+                                      </p:cBhvr>
+                                      <p:to>
+                                        <p:strVal val="visible"/>
+                                      </p:to>
+                                    </p:set>
+                                    <p:animEffect transition="in" filter="fade">
+                                      <p:cBhvr>
+                                        <p:cTn id="29" dur="500"/>
+                                        <p:tgtEl>
+                                          <p:spTgt spid="27">
+                                            <p:txEl>
+                                              <p:pRg st="6" end="6"/>
+                                            </p:txEl>
+                                          </p:spTgt>
+                                        </p:tgtEl>
+                                      </p:cBhvr>
+                                    </p:animEffect>
+                                  </p:childTnLst>
+                                </p:cTn>
+                              </p:par>
+                            </p:childTnLst>
+                          </p:cTn>
+                        </p:par>
+                      </p:childTnLst>
+                    </p:cTn>
+                  </p:par>
+                  <p:par>
+                    <p:cTn id="30" fill="hold">
+                      <p:stCondLst>
+                        <p:cond delay="indefinite"/>
+                      </p:stCondLst>
+                      <p:childTnLst>
+                        <p:par>
+                          <p:cTn id="31" fill="hold">
+                            <p:stCondLst>
+                              <p:cond delay="0"/>
+                            </p:stCondLst>
+                            <p:childTnLst>
+                              <p:par>
+                                <p:cTn id="32" presetID="10" presetClass="entr" presetSubtype="0" fill="hold" nodeType="clickEffect">
+                                  <p:stCondLst>
+                                    <p:cond delay="0"/>
+                                  </p:stCondLst>
+                                  <p:childTnLst>
+                                    <p:set>
+                                      <p:cBhvr>
+                                        <p:cTn id="33" dur="1" fill="hold">
+                                          <p:stCondLst>
+                                            <p:cond delay="0"/>
+                                          </p:stCondLst>
+                                        </p:cTn>
+                                        <p:tgtEl>
+                                          <p:spTgt spid="27">
+                                            <p:txEl>
+                                              <p:pRg st="8" end="8"/>
+                                            </p:txEl>
+                                          </p:spTgt>
+                                        </p:tgtEl>
+                                        <p:attrNameLst>
+                                          <p:attrName>style.visibility</p:attrName>
+                                        </p:attrNameLst>
+                                      </p:cBhvr>
+                                      <p:to>
+                                        <p:strVal val="visible"/>
+                                      </p:to>
+                                    </p:set>
+                                    <p:animEffect transition="in" filter="fade">
+                                      <p:cBhvr>
+                                        <p:cTn id="34" dur="500"/>
+                                        <p:tgtEl>
+                                          <p:spTgt spid="27">
+                                            <p:txEl>
+                                              <p:pRg st="8" end="8"/>
+                                            </p:txEl>
+                                          </p:spTgt>
+                                        </p:tgtEl>
+                                      </p:cBhvr>
+                                    </p:animEffect>
+                                  </p:childTnLst>
+                                </p:cTn>
+                              </p:par>
+                              <p:par>
+                                <p:cTn id="35" presetID="10" presetClass="entr" presetSubtype="0" fill="hold" nodeType="withEffect">
+                                  <p:stCondLst>
+                                    <p:cond delay="0"/>
+                                  </p:stCondLst>
+                                  <p:childTnLst>
+                                    <p:set>
+                                      <p:cBhvr>
+                                        <p:cTn id="36" dur="1" fill="hold">
+                                          <p:stCondLst>
+                                            <p:cond delay="0"/>
+                                          </p:stCondLst>
+                                        </p:cTn>
+                                        <p:tgtEl>
+                                          <p:spTgt spid="27">
+                                            <p:txEl>
+                                              <p:pRg st="9" end="9"/>
+                                            </p:txEl>
+                                          </p:spTgt>
+                                        </p:tgtEl>
+                                        <p:attrNameLst>
+                                          <p:attrName>style.visibility</p:attrName>
+                                        </p:attrNameLst>
+                                      </p:cBhvr>
+                                      <p:to>
+                                        <p:strVal val="visible"/>
+                                      </p:to>
+                                    </p:set>
+                                    <p:animEffect transition="in" filter="fade">
+                                      <p:cBhvr>
+                                        <p:cTn id="37" dur="500"/>
+                                        <p:tgtEl>
+                                          <p:spTgt spid="27">
+                                            <p:txEl>
+                                              <p:pRg st="9" end="9"/>
+                                            </p:txEl>
+                                          </p:spTgt>
+                                        </p:tgtEl>
+                                      </p:cBhvr>
+                                    </p:animEffect>
+                                  </p:childTnLst>
+                                </p:cTn>
+                              </p:par>
+                              <p:par>
+                                <p:cTn id="38" presetID="10" presetClass="entr" presetSubtype="0" fill="hold" nodeType="withEffect">
+                                  <p:stCondLst>
+                                    <p:cond delay="0"/>
+                                  </p:stCondLst>
+                                  <p:childTnLst>
+                                    <p:set>
+                                      <p:cBhvr>
+                                        <p:cTn id="39" dur="1" fill="hold">
+                                          <p:stCondLst>
+                                            <p:cond delay="0"/>
+                                          </p:stCondLst>
+                                        </p:cTn>
+                                        <p:tgtEl>
+                                          <p:spTgt spid="27">
+                                            <p:txEl>
+                                              <p:pRg st="10" end="10"/>
+                                            </p:txEl>
+                                          </p:spTgt>
+                                        </p:tgtEl>
+                                        <p:attrNameLst>
+                                          <p:attrName>style.visibility</p:attrName>
+                                        </p:attrNameLst>
+                                      </p:cBhvr>
+                                      <p:to>
+                                        <p:strVal val="visible"/>
+                                      </p:to>
+                                    </p:set>
+                                    <p:animEffect transition="in" filter="fade">
+                                      <p:cBhvr>
+                                        <p:cTn id="40" dur="500"/>
+                                        <p:tgtEl>
+                                          <p:spTgt spid="27">
+                                            <p:txEl>
+                                              <p:pRg st="10" end="10"/>
+                                            </p:txEl>
+                                          </p:spTgt>
+                                        </p:tgtEl>
+                                      </p:cBhvr>
+                                    </p:animEffect>
+                                  </p:childTnLst>
+                                </p:cTn>
+                              </p:par>
+                            </p:childTnLst>
+                          </p:cTn>
+                        </p:par>
+                      </p:childTnLst>
+                    </p:cTn>
+                  </p:par>
+                </p:childTnLst>
+              </p:cTn>
+              <p:prevCondLst>
+                <p:cond evt="onPrev" delay="0">
+                  <p:tgtEl>
+                    <p:sldTgt/>
+                  </p:tgtEl>
+                </p:cond>
+              </p:prevCondLst>
+              <p:nextCondLst>
+                <p:cond evt="onNext" delay="0">
+                  <p:tgtEl>
+                    <p:sldTgt/>
+                  </p:tgtEl>
+                </p:cond>
+              </p:nextCondLst>
+            </p:seq>
+          </p:childTnLst>
+        </p:cTn>
+      </p:par>
+    </p:tnLst>
+  </p:timing>
 </p:sld>
 </file>
 
-<file path=ppt/slides/slide14.xml><?xml version="1.0" encoding="utf-8"?>
+<file path=ppt/slides/slide13.xml><?xml version="1.0" encoding="utf-8"?>
 <p:sld xmlns:a="http://schemas.openxmlformats.org/drawingml/2006/main" xmlns:r="http://schemas.openxmlformats.org/officeDocument/2006/relationships" xmlns:p="http://schemas.openxmlformats.org/presentationml/2006/main" showMasterSp="0">
   <p:cSld>
     <p:bg>
@@ -36283,10 +35185,17 @@
   <p:clrMapOvr>
     <a:masterClrMapping/>
   </p:clrMapOvr>
+  <p:timing>
+    <p:tnLst>
+      <p:par>
+        <p:cTn id="1" dur="indefinite" restart="never" nodeType="tmRoot"/>
+      </p:par>
+    </p:tnLst>
+  </p:timing>
 </p:sld>
 </file>
 
-<file path=ppt/slides/slide15.xml><?xml version="1.0" encoding="utf-8"?>
+<file path=ppt/slides/slide14.xml><?xml version="1.0" encoding="utf-8"?>
 <p:sld xmlns:a="http://schemas.openxmlformats.org/drawingml/2006/main" xmlns:r="http://schemas.openxmlformats.org/officeDocument/2006/relationships" xmlns:p="http://schemas.openxmlformats.org/presentationml/2006/main" showMasterSp="0">
   <p:cSld>
     <p:bg>
@@ -36447,6 +35356,13 @@
   <p:clrMapOvr>
     <a:masterClrMapping/>
   </p:clrMapOvr>
+  <p:timing>
+    <p:tnLst>
+      <p:par>
+        <p:cTn id="1" dur="indefinite" restart="never" nodeType="tmRoot"/>
+      </p:par>
+    </p:tnLst>
+  </p:timing>
 </p:sld>
 </file>
 
@@ -37398,6 +36314,333 @@
   <p:clrMapOvr>
     <a:masterClrMapping/>
   </p:clrMapOvr>
+  <p:timing>
+    <p:tnLst>
+      <p:par>
+        <p:cTn id="1" dur="indefinite" restart="never" nodeType="tmRoot">
+          <p:childTnLst>
+            <p:seq concurrent="1" nextAc="seek">
+              <p:cTn id="2" dur="indefinite" nodeType="mainSeq">
+                <p:childTnLst>
+                  <p:par>
+                    <p:cTn id="3" fill="hold">
+                      <p:stCondLst>
+                        <p:cond delay="indefinite"/>
+                      </p:stCondLst>
+                      <p:childTnLst>
+                        <p:par>
+                          <p:cTn id="4" fill="hold">
+                            <p:stCondLst>
+                              <p:cond delay="0"/>
+                            </p:stCondLst>
+                            <p:childTnLst>
+                              <p:par>
+                                <p:cTn id="5" presetID="10" presetClass="entr" presetSubtype="0" fill="hold" nodeType="clickEffect">
+                                  <p:stCondLst>
+                                    <p:cond delay="0"/>
+                                  </p:stCondLst>
+                                  <p:childTnLst>
+                                    <p:set>
+                                      <p:cBhvr>
+                                        <p:cTn id="6" dur="1" fill="hold">
+                                          <p:stCondLst>
+                                            <p:cond delay="0"/>
+                                          </p:stCondLst>
+                                        </p:cTn>
+                                        <p:tgtEl>
+                                          <p:spTgt spid="6">
+                                            <p:txEl>
+                                              <p:pRg st="0" end="0"/>
+                                            </p:txEl>
+                                          </p:spTgt>
+                                        </p:tgtEl>
+                                        <p:attrNameLst>
+                                          <p:attrName>style.visibility</p:attrName>
+                                        </p:attrNameLst>
+                                      </p:cBhvr>
+                                      <p:to>
+                                        <p:strVal val="visible"/>
+                                      </p:to>
+                                    </p:set>
+                                    <p:animEffect transition="in" filter="fade">
+                                      <p:cBhvr>
+                                        <p:cTn id="7" dur="500"/>
+                                        <p:tgtEl>
+                                          <p:spTgt spid="6">
+                                            <p:txEl>
+                                              <p:pRg st="0" end="0"/>
+                                            </p:txEl>
+                                          </p:spTgt>
+                                        </p:tgtEl>
+                                      </p:cBhvr>
+                                    </p:animEffect>
+                                  </p:childTnLst>
+                                </p:cTn>
+                              </p:par>
+                            </p:childTnLst>
+                          </p:cTn>
+                        </p:par>
+                      </p:childTnLst>
+                    </p:cTn>
+                  </p:par>
+                  <p:par>
+                    <p:cTn id="8" fill="hold">
+                      <p:stCondLst>
+                        <p:cond delay="indefinite"/>
+                      </p:stCondLst>
+                      <p:childTnLst>
+                        <p:par>
+                          <p:cTn id="9" fill="hold">
+                            <p:stCondLst>
+                              <p:cond delay="0"/>
+                            </p:stCondLst>
+                            <p:childTnLst>
+                              <p:par>
+                                <p:cTn id="10" presetID="10" presetClass="entr" presetSubtype="0" fill="hold" nodeType="clickEffect">
+                                  <p:stCondLst>
+                                    <p:cond delay="0"/>
+                                  </p:stCondLst>
+                                  <p:childTnLst>
+                                    <p:set>
+                                      <p:cBhvr>
+                                        <p:cTn id="11" dur="1" fill="hold">
+                                          <p:stCondLst>
+                                            <p:cond delay="0"/>
+                                          </p:stCondLst>
+                                        </p:cTn>
+                                        <p:tgtEl>
+                                          <p:spTgt spid="6">
+                                            <p:txEl>
+                                              <p:pRg st="1" end="1"/>
+                                            </p:txEl>
+                                          </p:spTgt>
+                                        </p:tgtEl>
+                                        <p:attrNameLst>
+                                          <p:attrName>style.visibility</p:attrName>
+                                        </p:attrNameLst>
+                                      </p:cBhvr>
+                                      <p:to>
+                                        <p:strVal val="visible"/>
+                                      </p:to>
+                                    </p:set>
+                                    <p:animEffect transition="in" filter="fade">
+                                      <p:cBhvr>
+                                        <p:cTn id="12" dur="500"/>
+                                        <p:tgtEl>
+                                          <p:spTgt spid="6">
+                                            <p:txEl>
+                                              <p:pRg st="1" end="1"/>
+                                            </p:txEl>
+                                          </p:spTgt>
+                                        </p:tgtEl>
+                                      </p:cBhvr>
+                                    </p:animEffect>
+                                  </p:childTnLst>
+                                </p:cTn>
+                              </p:par>
+                            </p:childTnLst>
+                          </p:cTn>
+                        </p:par>
+                      </p:childTnLst>
+                    </p:cTn>
+                  </p:par>
+                  <p:par>
+                    <p:cTn id="13" fill="hold">
+                      <p:stCondLst>
+                        <p:cond delay="indefinite"/>
+                      </p:stCondLst>
+                      <p:childTnLst>
+                        <p:par>
+                          <p:cTn id="14" fill="hold">
+                            <p:stCondLst>
+                              <p:cond delay="0"/>
+                            </p:stCondLst>
+                            <p:childTnLst>
+                              <p:par>
+                                <p:cTn id="15" presetID="10" presetClass="entr" presetSubtype="0" fill="hold" nodeType="clickEffect">
+                                  <p:stCondLst>
+                                    <p:cond delay="0"/>
+                                  </p:stCondLst>
+                                  <p:childTnLst>
+                                    <p:set>
+                                      <p:cBhvr>
+                                        <p:cTn id="16" dur="1" fill="hold">
+                                          <p:stCondLst>
+                                            <p:cond delay="0"/>
+                                          </p:stCondLst>
+                                        </p:cTn>
+                                        <p:tgtEl>
+                                          <p:spTgt spid="6">
+                                            <p:txEl>
+                                              <p:pRg st="2" end="2"/>
+                                            </p:txEl>
+                                          </p:spTgt>
+                                        </p:tgtEl>
+                                        <p:attrNameLst>
+                                          <p:attrName>style.visibility</p:attrName>
+                                        </p:attrNameLst>
+                                      </p:cBhvr>
+                                      <p:to>
+                                        <p:strVal val="visible"/>
+                                      </p:to>
+                                    </p:set>
+                                    <p:animEffect transition="in" filter="fade">
+                                      <p:cBhvr>
+                                        <p:cTn id="17" dur="500"/>
+                                        <p:tgtEl>
+                                          <p:spTgt spid="6">
+                                            <p:txEl>
+                                              <p:pRg st="2" end="2"/>
+                                            </p:txEl>
+                                          </p:spTgt>
+                                        </p:tgtEl>
+                                      </p:cBhvr>
+                                    </p:animEffect>
+                                  </p:childTnLst>
+                                </p:cTn>
+                              </p:par>
+                            </p:childTnLst>
+                          </p:cTn>
+                        </p:par>
+                      </p:childTnLst>
+                    </p:cTn>
+                  </p:par>
+                  <p:par>
+                    <p:cTn id="18" fill="hold">
+                      <p:stCondLst>
+                        <p:cond delay="indefinite"/>
+                      </p:stCondLst>
+                      <p:childTnLst>
+                        <p:par>
+                          <p:cTn id="19" fill="hold">
+                            <p:stCondLst>
+                              <p:cond delay="0"/>
+                            </p:stCondLst>
+                            <p:childTnLst>
+                              <p:par>
+                                <p:cTn id="20" presetID="10" presetClass="entr" presetSubtype="0" fill="hold" nodeType="clickEffect">
+                                  <p:stCondLst>
+                                    <p:cond delay="0"/>
+                                  </p:stCondLst>
+                                  <p:childTnLst>
+                                    <p:set>
+                                      <p:cBhvr>
+                                        <p:cTn id="21" dur="1" fill="hold">
+                                          <p:stCondLst>
+                                            <p:cond delay="0"/>
+                                          </p:stCondLst>
+                                        </p:cTn>
+                                        <p:tgtEl>
+                                          <p:spTgt spid="6">
+                                            <p:txEl>
+                                              <p:pRg st="3" end="3"/>
+                                            </p:txEl>
+                                          </p:spTgt>
+                                        </p:tgtEl>
+                                        <p:attrNameLst>
+                                          <p:attrName>style.visibility</p:attrName>
+                                        </p:attrNameLst>
+                                      </p:cBhvr>
+                                      <p:to>
+                                        <p:strVal val="visible"/>
+                                      </p:to>
+                                    </p:set>
+                                    <p:animEffect transition="in" filter="fade">
+                                      <p:cBhvr>
+                                        <p:cTn id="22" dur="500"/>
+                                        <p:tgtEl>
+                                          <p:spTgt spid="6">
+                                            <p:txEl>
+                                              <p:pRg st="3" end="3"/>
+                                            </p:txEl>
+                                          </p:spTgt>
+                                        </p:tgtEl>
+                                      </p:cBhvr>
+                                    </p:animEffect>
+                                  </p:childTnLst>
+                                </p:cTn>
+                              </p:par>
+                            </p:childTnLst>
+                          </p:cTn>
+                        </p:par>
+                      </p:childTnLst>
+                    </p:cTn>
+                  </p:par>
+                  <p:par>
+                    <p:cTn id="23" fill="hold">
+                      <p:stCondLst>
+                        <p:cond delay="indefinite"/>
+                      </p:stCondLst>
+                      <p:childTnLst>
+                        <p:par>
+                          <p:cTn id="24" fill="hold">
+                            <p:stCondLst>
+                              <p:cond delay="0"/>
+                            </p:stCondLst>
+                            <p:childTnLst>
+                              <p:par>
+                                <p:cTn id="25" presetID="10" presetClass="entr" presetSubtype="0" fill="hold" nodeType="clickEffect">
+                                  <p:stCondLst>
+                                    <p:cond delay="0"/>
+                                  </p:stCondLst>
+                                  <p:childTnLst>
+                                    <p:set>
+                                      <p:cBhvr>
+                                        <p:cTn id="26" dur="1" fill="hold">
+                                          <p:stCondLst>
+                                            <p:cond delay="0"/>
+                                          </p:stCondLst>
+                                        </p:cTn>
+                                        <p:tgtEl>
+                                          <p:spTgt spid="10"/>
+                                        </p:tgtEl>
+                                        <p:attrNameLst>
+                                          <p:attrName>style.visibility</p:attrName>
+                                        </p:attrNameLst>
+                                      </p:cBhvr>
+                                      <p:to>
+                                        <p:strVal val="visible"/>
+                                      </p:to>
+                                    </p:set>
+                                    <p:animEffect transition="in" filter="fade">
+                                      <p:cBhvr>
+                                        <p:cTn id="27" dur="500"/>
+                                        <p:tgtEl>
+                                          <p:spTgt spid="10"/>
+                                        </p:tgtEl>
+                                      </p:cBhvr>
+                                    </p:animEffect>
+                                  </p:childTnLst>
+                                </p:cTn>
+                              </p:par>
+                            </p:childTnLst>
+                          </p:cTn>
+                        </p:par>
+                      </p:childTnLst>
+                    </p:cTn>
+                  </p:par>
+                </p:childTnLst>
+              </p:cTn>
+              <p:prevCondLst>
+                <p:cond evt="onPrev" delay="0">
+                  <p:tgtEl>
+                    <p:sldTgt/>
+                  </p:tgtEl>
+                </p:cond>
+              </p:prevCondLst>
+              <p:nextCondLst>
+                <p:cond evt="onNext" delay="0">
+                  <p:tgtEl>
+                    <p:sldTgt/>
+                  </p:tgtEl>
+                </p:cond>
+              </p:nextCondLst>
+            </p:seq>
+          </p:childTnLst>
+        </p:cTn>
+      </p:par>
+    </p:tnLst>
+  </p:timing>
 </p:sld>
 </file>
 
@@ -38636,6 +37879,219 @@
   <p:clrMapOvr>
     <a:masterClrMapping/>
   </p:clrMapOvr>
+  <p:timing>
+    <p:tnLst>
+      <p:par>
+        <p:cTn id="1" dur="indefinite" restart="never" nodeType="tmRoot">
+          <p:childTnLst>
+            <p:seq concurrent="1" nextAc="seek">
+              <p:cTn id="2" dur="indefinite" nodeType="mainSeq">
+                <p:childTnLst>
+                  <p:par>
+                    <p:cTn id="3" fill="hold">
+                      <p:stCondLst>
+                        <p:cond delay="indefinite"/>
+                      </p:stCondLst>
+                      <p:childTnLst>
+                        <p:par>
+                          <p:cTn id="4" fill="hold">
+                            <p:stCondLst>
+                              <p:cond delay="0"/>
+                            </p:stCondLst>
+                            <p:childTnLst>
+                              <p:par>
+                                <p:cTn id="5" presetID="10" presetClass="entr" presetSubtype="0" fill="hold" nodeType="clickEffect">
+                                  <p:stCondLst>
+                                    <p:cond delay="0"/>
+                                  </p:stCondLst>
+                                  <p:childTnLst>
+                                    <p:set>
+                                      <p:cBhvr>
+                                        <p:cTn id="6" dur="1" fill="hold">
+                                          <p:stCondLst>
+                                            <p:cond delay="0"/>
+                                          </p:stCondLst>
+                                        </p:cTn>
+                                        <p:tgtEl>
+                                          <p:spTgt spid="9">
+                                            <p:txEl>
+                                              <p:pRg st="0" end="0"/>
+                                            </p:txEl>
+                                          </p:spTgt>
+                                        </p:tgtEl>
+                                        <p:attrNameLst>
+                                          <p:attrName>style.visibility</p:attrName>
+                                        </p:attrNameLst>
+                                      </p:cBhvr>
+                                      <p:to>
+                                        <p:strVal val="visible"/>
+                                      </p:to>
+                                    </p:set>
+                                    <p:animEffect transition="in" filter="fade">
+                                      <p:cBhvr>
+                                        <p:cTn id="7" dur="500"/>
+                                        <p:tgtEl>
+                                          <p:spTgt spid="9">
+                                            <p:txEl>
+                                              <p:pRg st="0" end="0"/>
+                                            </p:txEl>
+                                          </p:spTgt>
+                                        </p:tgtEl>
+                                      </p:cBhvr>
+                                    </p:animEffect>
+                                  </p:childTnLst>
+                                </p:cTn>
+                              </p:par>
+                            </p:childTnLst>
+                          </p:cTn>
+                        </p:par>
+                      </p:childTnLst>
+                    </p:cTn>
+                  </p:par>
+                  <p:par>
+                    <p:cTn id="8" fill="hold">
+                      <p:stCondLst>
+                        <p:cond delay="indefinite"/>
+                      </p:stCondLst>
+                      <p:childTnLst>
+                        <p:par>
+                          <p:cTn id="9" fill="hold">
+                            <p:stCondLst>
+                              <p:cond delay="0"/>
+                            </p:stCondLst>
+                            <p:childTnLst>
+                              <p:par>
+                                <p:cTn id="10" presetID="10" presetClass="entr" presetSubtype="0" fill="hold" nodeType="clickEffect">
+                                  <p:stCondLst>
+                                    <p:cond delay="0"/>
+                                  </p:stCondLst>
+                                  <p:childTnLst>
+                                    <p:set>
+                                      <p:cBhvr>
+                                        <p:cTn id="11" dur="1" fill="hold">
+                                          <p:stCondLst>
+                                            <p:cond delay="0"/>
+                                          </p:stCondLst>
+                                        </p:cTn>
+                                        <p:tgtEl>
+                                          <p:spTgt spid="9">
+                                            <p:txEl>
+                                              <p:pRg st="1" end="1"/>
+                                            </p:txEl>
+                                          </p:spTgt>
+                                        </p:tgtEl>
+                                        <p:attrNameLst>
+                                          <p:attrName>style.visibility</p:attrName>
+                                        </p:attrNameLst>
+                                      </p:cBhvr>
+                                      <p:to>
+                                        <p:strVal val="visible"/>
+                                      </p:to>
+                                    </p:set>
+                                    <p:animEffect transition="in" filter="fade">
+                                      <p:cBhvr>
+                                        <p:cTn id="12" dur="500"/>
+                                        <p:tgtEl>
+                                          <p:spTgt spid="9">
+                                            <p:txEl>
+                                              <p:pRg st="1" end="1"/>
+                                            </p:txEl>
+                                          </p:spTgt>
+                                        </p:tgtEl>
+                                      </p:cBhvr>
+                                    </p:animEffect>
+                                  </p:childTnLst>
+                                </p:cTn>
+                              </p:par>
+                            </p:childTnLst>
+                          </p:cTn>
+                        </p:par>
+                      </p:childTnLst>
+                    </p:cTn>
+                  </p:par>
+                  <p:par>
+                    <p:cTn id="13" fill="hold">
+                      <p:stCondLst>
+                        <p:cond delay="indefinite"/>
+                      </p:stCondLst>
+                      <p:childTnLst>
+                        <p:par>
+                          <p:cTn id="14" fill="hold">
+                            <p:stCondLst>
+                              <p:cond delay="0"/>
+                            </p:stCondLst>
+                            <p:childTnLst>
+                              <p:par>
+                                <p:cTn id="15" presetID="10" presetClass="entr" presetSubtype="0" fill="hold" nodeType="clickEffect">
+                                  <p:stCondLst>
+                                    <p:cond delay="0"/>
+                                  </p:stCondLst>
+                                  <p:childTnLst>
+                                    <p:set>
+                                      <p:cBhvr>
+                                        <p:cTn id="16" dur="1" fill="hold">
+                                          <p:stCondLst>
+                                            <p:cond delay="0"/>
+                                          </p:stCondLst>
+                                        </p:cTn>
+                                        <p:tgtEl>
+                                          <p:spTgt spid="9">
+                                            <p:txEl>
+                                              <p:pRg st="2" end="2"/>
+                                            </p:txEl>
+                                          </p:spTgt>
+                                        </p:tgtEl>
+                                        <p:attrNameLst>
+                                          <p:attrName>style.visibility</p:attrName>
+                                        </p:attrNameLst>
+                                      </p:cBhvr>
+                                      <p:to>
+                                        <p:strVal val="visible"/>
+                                      </p:to>
+                                    </p:set>
+                                    <p:animEffect transition="in" filter="fade">
+                                      <p:cBhvr>
+                                        <p:cTn id="17" dur="500"/>
+                                        <p:tgtEl>
+                                          <p:spTgt spid="9">
+                                            <p:txEl>
+                                              <p:pRg st="2" end="2"/>
+                                            </p:txEl>
+                                          </p:spTgt>
+                                        </p:tgtEl>
+                                      </p:cBhvr>
+                                    </p:animEffect>
+                                  </p:childTnLst>
+                                </p:cTn>
+                              </p:par>
+                            </p:childTnLst>
+                          </p:cTn>
+                        </p:par>
+                      </p:childTnLst>
+                    </p:cTn>
+                  </p:par>
+                </p:childTnLst>
+              </p:cTn>
+              <p:prevCondLst>
+                <p:cond evt="onPrev" delay="0">
+                  <p:tgtEl>
+                    <p:sldTgt/>
+                  </p:tgtEl>
+                </p:cond>
+              </p:prevCondLst>
+              <p:nextCondLst>
+                <p:cond evt="onNext" delay="0">
+                  <p:tgtEl>
+                    <p:sldTgt/>
+                  </p:tgtEl>
+                </p:cond>
+              </p:nextCondLst>
+            </p:seq>
+          </p:childTnLst>
+        </p:cTn>
+      </p:par>
+    </p:tnLst>
+  </p:timing>
 </p:sld>
 </file>
 
@@ -38840,6 +38296,13 @@
   <p:clrMapOvr>
     <a:masterClrMapping/>
   </p:clrMapOvr>
+  <p:timing>
+    <p:tnLst>
+      <p:par>
+        <p:cTn id="1" dur="indefinite" restart="never" nodeType="tmRoot"/>
+      </p:par>
+    </p:tnLst>
+  </p:timing>
 </p:sld>
 </file>
 
@@ -39179,6 +38642,219 @@
   <p:clrMapOvr>
     <a:masterClrMapping/>
   </p:clrMapOvr>
+  <p:timing>
+    <p:tnLst>
+      <p:par>
+        <p:cTn id="1" dur="indefinite" restart="never" nodeType="tmRoot">
+          <p:childTnLst>
+            <p:seq concurrent="1" nextAc="seek">
+              <p:cTn id="2" dur="indefinite" nodeType="mainSeq">
+                <p:childTnLst>
+                  <p:par>
+                    <p:cTn id="3" fill="hold">
+                      <p:stCondLst>
+                        <p:cond delay="indefinite"/>
+                      </p:stCondLst>
+                      <p:childTnLst>
+                        <p:par>
+                          <p:cTn id="4" fill="hold">
+                            <p:stCondLst>
+                              <p:cond delay="0"/>
+                            </p:stCondLst>
+                            <p:childTnLst>
+                              <p:par>
+                                <p:cTn id="5" presetID="10" presetClass="entr" presetSubtype="0" fill="hold" nodeType="clickEffect">
+                                  <p:stCondLst>
+                                    <p:cond delay="0"/>
+                                  </p:stCondLst>
+                                  <p:childTnLst>
+                                    <p:set>
+                                      <p:cBhvr>
+                                        <p:cTn id="6" dur="1" fill="hold">
+                                          <p:stCondLst>
+                                            <p:cond delay="0"/>
+                                          </p:stCondLst>
+                                        </p:cTn>
+                                        <p:tgtEl>
+                                          <p:spTgt spid="6">
+                                            <p:txEl>
+                                              <p:pRg st="0" end="0"/>
+                                            </p:txEl>
+                                          </p:spTgt>
+                                        </p:tgtEl>
+                                        <p:attrNameLst>
+                                          <p:attrName>style.visibility</p:attrName>
+                                        </p:attrNameLst>
+                                      </p:cBhvr>
+                                      <p:to>
+                                        <p:strVal val="visible"/>
+                                      </p:to>
+                                    </p:set>
+                                    <p:animEffect transition="in" filter="fade">
+                                      <p:cBhvr>
+                                        <p:cTn id="7" dur="500"/>
+                                        <p:tgtEl>
+                                          <p:spTgt spid="6">
+                                            <p:txEl>
+                                              <p:pRg st="0" end="0"/>
+                                            </p:txEl>
+                                          </p:spTgt>
+                                        </p:tgtEl>
+                                      </p:cBhvr>
+                                    </p:animEffect>
+                                  </p:childTnLst>
+                                </p:cTn>
+                              </p:par>
+                            </p:childTnLst>
+                          </p:cTn>
+                        </p:par>
+                      </p:childTnLst>
+                    </p:cTn>
+                  </p:par>
+                  <p:par>
+                    <p:cTn id="8" fill="hold">
+                      <p:stCondLst>
+                        <p:cond delay="indefinite"/>
+                      </p:stCondLst>
+                      <p:childTnLst>
+                        <p:par>
+                          <p:cTn id="9" fill="hold">
+                            <p:stCondLst>
+                              <p:cond delay="0"/>
+                            </p:stCondLst>
+                            <p:childTnLst>
+                              <p:par>
+                                <p:cTn id="10" presetID="10" presetClass="entr" presetSubtype="0" fill="hold" nodeType="clickEffect">
+                                  <p:stCondLst>
+                                    <p:cond delay="0"/>
+                                  </p:stCondLst>
+                                  <p:childTnLst>
+                                    <p:set>
+                                      <p:cBhvr>
+                                        <p:cTn id="11" dur="1" fill="hold">
+                                          <p:stCondLst>
+                                            <p:cond delay="0"/>
+                                          </p:stCondLst>
+                                        </p:cTn>
+                                        <p:tgtEl>
+                                          <p:spTgt spid="6">
+                                            <p:txEl>
+                                              <p:pRg st="1" end="1"/>
+                                            </p:txEl>
+                                          </p:spTgt>
+                                        </p:tgtEl>
+                                        <p:attrNameLst>
+                                          <p:attrName>style.visibility</p:attrName>
+                                        </p:attrNameLst>
+                                      </p:cBhvr>
+                                      <p:to>
+                                        <p:strVal val="visible"/>
+                                      </p:to>
+                                    </p:set>
+                                    <p:animEffect transition="in" filter="fade">
+                                      <p:cBhvr>
+                                        <p:cTn id="12" dur="500"/>
+                                        <p:tgtEl>
+                                          <p:spTgt spid="6">
+                                            <p:txEl>
+                                              <p:pRg st="1" end="1"/>
+                                            </p:txEl>
+                                          </p:spTgt>
+                                        </p:tgtEl>
+                                      </p:cBhvr>
+                                    </p:animEffect>
+                                  </p:childTnLst>
+                                </p:cTn>
+                              </p:par>
+                            </p:childTnLst>
+                          </p:cTn>
+                        </p:par>
+                      </p:childTnLst>
+                    </p:cTn>
+                  </p:par>
+                  <p:par>
+                    <p:cTn id="13" fill="hold">
+                      <p:stCondLst>
+                        <p:cond delay="indefinite"/>
+                      </p:stCondLst>
+                      <p:childTnLst>
+                        <p:par>
+                          <p:cTn id="14" fill="hold">
+                            <p:stCondLst>
+                              <p:cond delay="0"/>
+                            </p:stCondLst>
+                            <p:childTnLst>
+                              <p:par>
+                                <p:cTn id="15" presetID="10" presetClass="entr" presetSubtype="0" fill="hold" nodeType="clickEffect">
+                                  <p:stCondLst>
+                                    <p:cond delay="0"/>
+                                  </p:stCondLst>
+                                  <p:childTnLst>
+                                    <p:set>
+                                      <p:cBhvr>
+                                        <p:cTn id="16" dur="1" fill="hold">
+                                          <p:stCondLst>
+                                            <p:cond delay="0"/>
+                                          </p:stCondLst>
+                                        </p:cTn>
+                                        <p:tgtEl>
+                                          <p:spTgt spid="6">
+                                            <p:txEl>
+                                              <p:pRg st="2" end="2"/>
+                                            </p:txEl>
+                                          </p:spTgt>
+                                        </p:tgtEl>
+                                        <p:attrNameLst>
+                                          <p:attrName>style.visibility</p:attrName>
+                                        </p:attrNameLst>
+                                      </p:cBhvr>
+                                      <p:to>
+                                        <p:strVal val="visible"/>
+                                      </p:to>
+                                    </p:set>
+                                    <p:animEffect transition="in" filter="fade">
+                                      <p:cBhvr>
+                                        <p:cTn id="17" dur="500"/>
+                                        <p:tgtEl>
+                                          <p:spTgt spid="6">
+                                            <p:txEl>
+                                              <p:pRg st="2" end="2"/>
+                                            </p:txEl>
+                                          </p:spTgt>
+                                        </p:tgtEl>
+                                      </p:cBhvr>
+                                    </p:animEffect>
+                                  </p:childTnLst>
+                                </p:cTn>
+                              </p:par>
+                            </p:childTnLst>
+                          </p:cTn>
+                        </p:par>
+                      </p:childTnLst>
+                    </p:cTn>
+                  </p:par>
+                </p:childTnLst>
+              </p:cTn>
+              <p:prevCondLst>
+                <p:cond evt="onPrev" delay="0">
+                  <p:tgtEl>
+                    <p:sldTgt/>
+                  </p:tgtEl>
+                </p:cond>
+              </p:prevCondLst>
+              <p:nextCondLst>
+                <p:cond evt="onNext" delay="0">
+                  <p:tgtEl>
+                    <p:sldTgt/>
+                  </p:tgtEl>
+                </p:cond>
+              </p:nextCondLst>
+            </p:seq>
+          </p:childTnLst>
+        </p:cTn>
+      </p:par>
+    </p:tnLst>
+  </p:timing>
 </p:sld>
 </file>
 
@@ -39911,6 +39587,325 @@
   <p:clrMapOvr>
     <a:masterClrMapping/>
   </p:clrMapOvr>
+  <p:timing>
+    <p:tnLst>
+      <p:par>
+        <p:cTn id="1" dur="indefinite" restart="never" nodeType="tmRoot">
+          <p:childTnLst>
+            <p:seq concurrent="1" nextAc="seek">
+              <p:cTn id="2" dur="indefinite" nodeType="mainSeq">
+                <p:childTnLst>
+                  <p:par>
+                    <p:cTn id="3" fill="hold">
+                      <p:stCondLst>
+                        <p:cond delay="indefinite"/>
+                      </p:stCondLst>
+                      <p:childTnLst>
+                        <p:par>
+                          <p:cTn id="4" fill="hold">
+                            <p:stCondLst>
+                              <p:cond delay="0"/>
+                            </p:stCondLst>
+                            <p:childTnLst>
+                              <p:par>
+                                <p:cTn id="5" presetID="10" presetClass="entr" presetSubtype="0" fill="hold" nodeType="clickEffect">
+                                  <p:stCondLst>
+                                    <p:cond delay="0"/>
+                                  </p:stCondLst>
+                                  <p:childTnLst>
+                                    <p:set>
+                                      <p:cBhvr>
+                                        <p:cTn id="6" dur="1" fill="hold">
+                                          <p:stCondLst>
+                                            <p:cond delay="0"/>
+                                          </p:stCondLst>
+                                        </p:cTn>
+                                        <p:tgtEl>
+                                          <p:spTgt spid="6">
+                                            <p:txEl>
+                                              <p:pRg st="0" end="0"/>
+                                            </p:txEl>
+                                          </p:spTgt>
+                                        </p:tgtEl>
+                                        <p:attrNameLst>
+                                          <p:attrName>style.visibility</p:attrName>
+                                        </p:attrNameLst>
+                                      </p:cBhvr>
+                                      <p:to>
+                                        <p:strVal val="visible"/>
+                                      </p:to>
+                                    </p:set>
+                                    <p:animEffect transition="in" filter="fade">
+                                      <p:cBhvr>
+                                        <p:cTn id="7" dur="500"/>
+                                        <p:tgtEl>
+                                          <p:spTgt spid="6">
+                                            <p:txEl>
+                                              <p:pRg st="0" end="0"/>
+                                            </p:txEl>
+                                          </p:spTgt>
+                                        </p:tgtEl>
+                                      </p:cBhvr>
+                                    </p:animEffect>
+                                  </p:childTnLst>
+                                </p:cTn>
+                              </p:par>
+                            </p:childTnLst>
+                          </p:cTn>
+                        </p:par>
+                      </p:childTnLst>
+                    </p:cTn>
+                  </p:par>
+                  <p:par>
+                    <p:cTn id="8" fill="hold">
+                      <p:stCondLst>
+                        <p:cond delay="indefinite"/>
+                      </p:stCondLst>
+                      <p:childTnLst>
+                        <p:par>
+                          <p:cTn id="9" fill="hold">
+                            <p:stCondLst>
+                              <p:cond delay="0"/>
+                            </p:stCondLst>
+                            <p:childTnLst>
+                              <p:par>
+                                <p:cTn id="10" presetID="10" presetClass="entr" presetSubtype="0" fill="hold" nodeType="clickEffect">
+                                  <p:stCondLst>
+                                    <p:cond delay="0"/>
+                                  </p:stCondLst>
+                                  <p:childTnLst>
+                                    <p:set>
+                                      <p:cBhvr>
+                                        <p:cTn id="11" dur="1" fill="hold">
+                                          <p:stCondLst>
+                                            <p:cond delay="0"/>
+                                          </p:stCondLst>
+                                        </p:cTn>
+                                        <p:tgtEl>
+                                          <p:spTgt spid="6">
+                                            <p:txEl>
+                                              <p:pRg st="1" end="1"/>
+                                            </p:txEl>
+                                          </p:spTgt>
+                                        </p:tgtEl>
+                                        <p:attrNameLst>
+                                          <p:attrName>style.visibility</p:attrName>
+                                        </p:attrNameLst>
+                                      </p:cBhvr>
+                                      <p:to>
+                                        <p:strVal val="visible"/>
+                                      </p:to>
+                                    </p:set>
+                                    <p:animEffect transition="in" filter="fade">
+                                      <p:cBhvr>
+                                        <p:cTn id="12" dur="500"/>
+                                        <p:tgtEl>
+                                          <p:spTgt spid="6">
+                                            <p:txEl>
+                                              <p:pRg st="1" end="1"/>
+                                            </p:txEl>
+                                          </p:spTgt>
+                                        </p:tgtEl>
+                                      </p:cBhvr>
+                                    </p:animEffect>
+                                  </p:childTnLst>
+                                </p:cTn>
+                              </p:par>
+                            </p:childTnLst>
+                          </p:cTn>
+                        </p:par>
+                      </p:childTnLst>
+                    </p:cTn>
+                  </p:par>
+                  <p:par>
+                    <p:cTn id="13" fill="hold">
+                      <p:stCondLst>
+                        <p:cond delay="indefinite"/>
+                      </p:stCondLst>
+                      <p:childTnLst>
+                        <p:par>
+                          <p:cTn id="14" fill="hold">
+                            <p:stCondLst>
+                              <p:cond delay="0"/>
+                            </p:stCondLst>
+                            <p:childTnLst>
+                              <p:par>
+                                <p:cTn id="15" presetID="10" presetClass="entr" presetSubtype="0" fill="hold" nodeType="clickEffect">
+                                  <p:stCondLst>
+                                    <p:cond delay="0"/>
+                                  </p:stCondLst>
+                                  <p:childTnLst>
+                                    <p:set>
+                                      <p:cBhvr>
+                                        <p:cTn id="16" dur="1" fill="hold">
+                                          <p:stCondLst>
+                                            <p:cond delay="0"/>
+                                          </p:stCondLst>
+                                        </p:cTn>
+                                        <p:tgtEl>
+                                          <p:spTgt spid="6">
+                                            <p:txEl>
+                                              <p:pRg st="2" end="2"/>
+                                            </p:txEl>
+                                          </p:spTgt>
+                                        </p:tgtEl>
+                                        <p:attrNameLst>
+                                          <p:attrName>style.visibility</p:attrName>
+                                        </p:attrNameLst>
+                                      </p:cBhvr>
+                                      <p:to>
+                                        <p:strVal val="visible"/>
+                                      </p:to>
+                                    </p:set>
+                                    <p:animEffect transition="in" filter="fade">
+                                      <p:cBhvr>
+                                        <p:cTn id="17" dur="500"/>
+                                        <p:tgtEl>
+                                          <p:spTgt spid="6">
+                                            <p:txEl>
+                                              <p:pRg st="2" end="2"/>
+                                            </p:txEl>
+                                          </p:spTgt>
+                                        </p:tgtEl>
+                                      </p:cBhvr>
+                                    </p:animEffect>
+                                  </p:childTnLst>
+                                </p:cTn>
+                              </p:par>
+                            </p:childTnLst>
+                          </p:cTn>
+                        </p:par>
+                      </p:childTnLst>
+                    </p:cTn>
+                  </p:par>
+                  <p:par>
+                    <p:cTn id="18" fill="hold">
+                      <p:stCondLst>
+                        <p:cond delay="indefinite"/>
+                      </p:stCondLst>
+                      <p:childTnLst>
+                        <p:par>
+                          <p:cTn id="19" fill="hold">
+                            <p:stCondLst>
+                              <p:cond delay="0"/>
+                            </p:stCondLst>
+                            <p:childTnLst>
+                              <p:par>
+                                <p:cTn id="20" presetID="10" presetClass="entr" presetSubtype="0" fill="hold" nodeType="clickEffect">
+                                  <p:stCondLst>
+                                    <p:cond delay="0"/>
+                                  </p:stCondLst>
+                                  <p:childTnLst>
+                                    <p:set>
+                                      <p:cBhvr>
+                                        <p:cTn id="21" dur="1" fill="hold">
+                                          <p:stCondLst>
+                                            <p:cond delay="0"/>
+                                          </p:stCondLst>
+                                        </p:cTn>
+                                        <p:tgtEl>
+                                          <p:spTgt spid="7"/>
+                                        </p:tgtEl>
+                                        <p:attrNameLst>
+                                          <p:attrName>style.visibility</p:attrName>
+                                        </p:attrNameLst>
+                                      </p:cBhvr>
+                                      <p:to>
+                                        <p:strVal val="visible"/>
+                                      </p:to>
+                                    </p:set>
+                                    <p:animEffect transition="in" filter="fade">
+                                      <p:cBhvr>
+                                        <p:cTn id="22" dur="500"/>
+                                        <p:tgtEl>
+                                          <p:spTgt spid="7"/>
+                                        </p:tgtEl>
+                                      </p:cBhvr>
+                                    </p:animEffect>
+                                  </p:childTnLst>
+                                </p:cTn>
+                              </p:par>
+                            </p:childTnLst>
+                          </p:cTn>
+                        </p:par>
+                      </p:childTnLst>
+                    </p:cTn>
+                  </p:par>
+                  <p:par>
+                    <p:cTn id="23" fill="hold">
+                      <p:stCondLst>
+                        <p:cond delay="indefinite"/>
+                      </p:stCondLst>
+                      <p:childTnLst>
+                        <p:par>
+                          <p:cTn id="24" fill="hold">
+                            <p:stCondLst>
+                              <p:cond delay="0"/>
+                            </p:stCondLst>
+                            <p:childTnLst>
+                              <p:par>
+                                <p:cTn id="25" presetID="10" presetClass="entr" presetSubtype="0" fill="hold" nodeType="clickEffect">
+                                  <p:stCondLst>
+                                    <p:cond delay="0"/>
+                                  </p:stCondLst>
+                                  <p:childTnLst>
+                                    <p:set>
+                                      <p:cBhvr>
+                                        <p:cTn id="26" dur="1" fill="hold">
+                                          <p:stCondLst>
+                                            <p:cond delay="0"/>
+                                          </p:stCondLst>
+                                        </p:cTn>
+                                        <p:tgtEl>
+                                          <p:spTgt spid="5122"/>
+                                        </p:tgtEl>
+                                        <p:attrNameLst>
+                                          <p:attrName>style.visibility</p:attrName>
+                                        </p:attrNameLst>
+                                      </p:cBhvr>
+                                      <p:to>
+                                        <p:strVal val="visible"/>
+                                      </p:to>
+                                    </p:set>
+                                    <p:animEffect transition="in" filter="fade">
+                                      <p:cBhvr>
+                                        <p:cTn id="27" dur="500"/>
+                                        <p:tgtEl>
+                                          <p:spTgt spid="5122"/>
+                                        </p:tgtEl>
+                                      </p:cBhvr>
+                                    </p:animEffect>
+                                  </p:childTnLst>
+                                </p:cTn>
+                              </p:par>
+                            </p:childTnLst>
+                          </p:cTn>
+                        </p:par>
+                      </p:childTnLst>
+                    </p:cTn>
+                  </p:par>
+                </p:childTnLst>
+              </p:cTn>
+              <p:prevCondLst>
+                <p:cond evt="onPrev" delay="0">
+                  <p:tgtEl>
+                    <p:sldTgt/>
+                  </p:tgtEl>
+                </p:cond>
+              </p:prevCondLst>
+              <p:nextCondLst>
+                <p:cond evt="onNext" delay="0">
+                  <p:tgtEl>
+                    <p:sldTgt/>
+                  </p:tgtEl>
+                </p:cond>
+              </p:nextCondLst>
+            </p:seq>
+          </p:childTnLst>
+        </p:cTn>
+      </p:par>
+    </p:tnLst>
+  </p:timing>
 </p:sld>
 </file>
 
@@ -41105,6 +41100,662 @@
   <p:clrMapOvr>
     <a:masterClrMapping/>
   </p:clrMapOvr>
+  <p:timing>
+    <p:tnLst>
+      <p:par>
+        <p:cTn id="1" dur="indefinite" restart="never" nodeType="tmRoot">
+          <p:childTnLst>
+            <p:seq concurrent="1" nextAc="seek">
+              <p:cTn id="2" dur="indefinite" nodeType="mainSeq">
+                <p:childTnLst>
+                  <p:par>
+                    <p:cTn id="3" fill="hold">
+                      <p:stCondLst>
+                        <p:cond delay="indefinite"/>
+                      </p:stCondLst>
+                      <p:childTnLst>
+                        <p:par>
+                          <p:cTn id="4" fill="hold">
+                            <p:stCondLst>
+                              <p:cond delay="0"/>
+                            </p:stCondLst>
+                            <p:childTnLst>
+                              <p:par>
+                                <p:cTn id="5" presetID="10" presetClass="entr" presetSubtype="0" fill="hold" nodeType="clickEffect">
+                                  <p:stCondLst>
+                                    <p:cond delay="0"/>
+                                  </p:stCondLst>
+                                  <p:childTnLst>
+                                    <p:set>
+                                      <p:cBhvr>
+                                        <p:cTn id="6" dur="1" fill="hold">
+                                          <p:stCondLst>
+                                            <p:cond delay="0"/>
+                                          </p:stCondLst>
+                                        </p:cTn>
+                                        <p:tgtEl>
+                                          <p:spTgt spid="14"/>
+                                        </p:tgtEl>
+                                        <p:attrNameLst>
+                                          <p:attrName>style.visibility</p:attrName>
+                                        </p:attrNameLst>
+                                      </p:cBhvr>
+                                      <p:to>
+                                        <p:strVal val="visible"/>
+                                      </p:to>
+                                    </p:set>
+                                    <p:animEffect transition="in" filter="fade">
+                                      <p:cBhvr>
+                                        <p:cTn id="7" dur="500"/>
+                                        <p:tgtEl>
+                                          <p:spTgt spid="14"/>
+                                        </p:tgtEl>
+                                      </p:cBhvr>
+                                    </p:animEffect>
+                                  </p:childTnLst>
+                                </p:cTn>
+                              </p:par>
+                            </p:childTnLst>
+                          </p:cTn>
+                        </p:par>
+                      </p:childTnLst>
+                    </p:cTn>
+                  </p:par>
+                  <p:par>
+                    <p:cTn id="8" fill="hold">
+                      <p:stCondLst>
+                        <p:cond delay="indefinite"/>
+                      </p:stCondLst>
+                      <p:childTnLst>
+                        <p:par>
+                          <p:cTn id="9" fill="hold">
+                            <p:stCondLst>
+                              <p:cond delay="0"/>
+                            </p:stCondLst>
+                            <p:childTnLst>
+                              <p:par>
+                                <p:cTn id="10" presetID="10" presetClass="entr" presetSubtype="0" fill="hold" grpId="0" nodeType="clickEffect">
+                                  <p:stCondLst>
+                                    <p:cond delay="0"/>
+                                  </p:stCondLst>
+                                  <p:childTnLst>
+                                    <p:set>
+                                      <p:cBhvr>
+                                        <p:cTn id="11" dur="1" fill="hold">
+                                          <p:stCondLst>
+                                            <p:cond delay="0"/>
+                                          </p:stCondLst>
+                                        </p:cTn>
+                                        <p:tgtEl>
+                                          <p:spTgt spid="22"/>
+                                        </p:tgtEl>
+                                        <p:attrNameLst>
+                                          <p:attrName>style.visibility</p:attrName>
+                                        </p:attrNameLst>
+                                      </p:cBhvr>
+                                      <p:to>
+                                        <p:strVal val="visible"/>
+                                      </p:to>
+                                    </p:set>
+                                    <p:animEffect transition="in" filter="fade">
+                                      <p:cBhvr>
+                                        <p:cTn id="12" dur="500"/>
+                                        <p:tgtEl>
+                                          <p:spTgt spid="22"/>
+                                        </p:tgtEl>
+                                      </p:cBhvr>
+                                    </p:animEffect>
+                                  </p:childTnLst>
+                                </p:cTn>
+                              </p:par>
+                            </p:childTnLst>
+                          </p:cTn>
+                        </p:par>
+                      </p:childTnLst>
+                    </p:cTn>
+                  </p:par>
+                  <p:par>
+                    <p:cTn id="13" fill="hold">
+                      <p:stCondLst>
+                        <p:cond delay="indefinite"/>
+                      </p:stCondLst>
+                      <p:childTnLst>
+                        <p:par>
+                          <p:cTn id="14" fill="hold">
+                            <p:stCondLst>
+                              <p:cond delay="0"/>
+                            </p:stCondLst>
+                            <p:childTnLst>
+                              <p:par>
+                                <p:cTn id="15" presetID="10" presetClass="entr" presetSubtype="0" fill="hold" nodeType="clickEffect">
+                                  <p:stCondLst>
+                                    <p:cond delay="0"/>
+                                  </p:stCondLst>
+                                  <p:childTnLst>
+                                    <p:set>
+                                      <p:cBhvr>
+                                        <p:cTn id="16" dur="1" fill="hold">
+                                          <p:stCondLst>
+                                            <p:cond delay="0"/>
+                                          </p:stCondLst>
+                                        </p:cTn>
+                                        <p:tgtEl>
+                                          <p:spTgt spid="42"/>
+                                        </p:tgtEl>
+                                        <p:attrNameLst>
+                                          <p:attrName>style.visibility</p:attrName>
+                                        </p:attrNameLst>
+                                      </p:cBhvr>
+                                      <p:to>
+                                        <p:strVal val="visible"/>
+                                      </p:to>
+                                    </p:set>
+                                    <p:animEffect transition="in" filter="fade">
+                                      <p:cBhvr>
+                                        <p:cTn id="17" dur="500"/>
+                                        <p:tgtEl>
+                                          <p:spTgt spid="42"/>
+                                        </p:tgtEl>
+                                      </p:cBhvr>
+                                    </p:animEffect>
+                                  </p:childTnLst>
+                                </p:cTn>
+                              </p:par>
+                            </p:childTnLst>
+                          </p:cTn>
+                        </p:par>
+                      </p:childTnLst>
+                    </p:cTn>
+                  </p:par>
+                  <p:par>
+                    <p:cTn id="18" fill="hold">
+                      <p:stCondLst>
+                        <p:cond delay="indefinite"/>
+                      </p:stCondLst>
+                      <p:childTnLst>
+                        <p:par>
+                          <p:cTn id="19" fill="hold">
+                            <p:stCondLst>
+                              <p:cond delay="0"/>
+                            </p:stCondLst>
+                            <p:childTnLst>
+                              <p:par>
+                                <p:cTn id="20" presetID="10" presetClass="entr" presetSubtype="0" fill="hold" grpId="0" nodeType="clickEffect">
+                                  <p:stCondLst>
+                                    <p:cond delay="0"/>
+                                  </p:stCondLst>
+                                  <p:childTnLst>
+                                    <p:set>
+                                      <p:cBhvr>
+                                        <p:cTn id="21" dur="1" fill="hold">
+                                          <p:stCondLst>
+                                            <p:cond delay="0"/>
+                                          </p:stCondLst>
+                                        </p:cTn>
+                                        <p:tgtEl>
+                                          <p:spTgt spid="24"/>
+                                        </p:tgtEl>
+                                        <p:attrNameLst>
+                                          <p:attrName>style.visibility</p:attrName>
+                                        </p:attrNameLst>
+                                      </p:cBhvr>
+                                      <p:to>
+                                        <p:strVal val="visible"/>
+                                      </p:to>
+                                    </p:set>
+                                    <p:animEffect transition="in" filter="fade">
+                                      <p:cBhvr>
+                                        <p:cTn id="22" dur="500"/>
+                                        <p:tgtEl>
+                                          <p:spTgt spid="24"/>
+                                        </p:tgtEl>
+                                      </p:cBhvr>
+                                    </p:animEffect>
+                                  </p:childTnLst>
+                                </p:cTn>
+                              </p:par>
+                              <p:par>
+                                <p:cTn id="23" presetID="10" presetClass="entr" presetSubtype="0" fill="hold" grpId="0" nodeType="withEffect">
+                                  <p:stCondLst>
+                                    <p:cond delay="0"/>
+                                  </p:stCondLst>
+                                  <p:childTnLst>
+                                    <p:set>
+                                      <p:cBhvr>
+                                        <p:cTn id="24" dur="1" fill="hold">
+                                          <p:stCondLst>
+                                            <p:cond delay="0"/>
+                                          </p:stCondLst>
+                                        </p:cTn>
+                                        <p:tgtEl>
+                                          <p:spTgt spid="28"/>
+                                        </p:tgtEl>
+                                        <p:attrNameLst>
+                                          <p:attrName>style.visibility</p:attrName>
+                                        </p:attrNameLst>
+                                      </p:cBhvr>
+                                      <p:to>
+                                        <p:strVal val="visible"/>
+                                      </p:to>
+                                    </p:set>
+                                    <p:animEffect transition="in" filter="fade">
+                                      <p:cBhvr>
+                                        <p:cTn id="25" dur="500"/>
+                                        <p:tgtEl>
+                                          <p:spTgt spid="28"/>
+                                        </p:tgtEl>
+                                      </p:cBhvr>
+                                    </p:animEffect>
+                                  </p:childTnLst>
+                                </p:cTn>
+                              </p:par>
+                              <p:par>
+                                <p:cTn id="26" presetID="10" presetClass="entr" presetSubtype="0" fill="hold" grpId="0" nodeType="withEffect">
+                                  <p:stCondLst>
+                                    <p:cond delay="0"/>
+                                  </p:stCondLst>
+                                  <p:childTnLst>
+                                    <p:set>
+                                      <p:cBhvr>
+                                        <p:cTn id="27" dur="1" fill="hold">
+                                          <p:stCondLst>
+                                            <p:cond delay="0"/>
+                                          </p:stCondLst>
+                                        </p:cTn>
+                                        <p:tgtEl>
+                                          <p:spTgt spid="30"/>
+                                        </p:tgtEl>
+                                        <p:attrNameLst>
+                                          <p:attrName>style.visibility</p:attrName>
+                                        </p:attrNameLst>
+                                      </p:cBhvr>
+                                      <p:to>
+                                        <p:strVal val="visible"/>
+                                      </p:to>
+                                    </p:set>
+                                    <p:animEffect transition="in" filter="fade">
+                                      <p:cBhvr>
+                                        <p:cTn id="28" dur="500"/>
+                                        <p:tgtEl>
+                                          <p:spTgt spid="30"/>
+                                        </p:tgtEl>
+                                      </p:cBhvr>
+                                    </p:animEffect>
+                                  </p:childTnLst>
+                                </p:cTn>
+                              </p:par>
+                              <p:par>
+                                <p:cTn id="29" presetID="10" presetClass="entr" presetSubtype="0" fill="hold" grpId="0" nodeType="withEffect">
+                                  <p:stCondLst>
+                                    <p:cond delay="0"/>
+                                  </p:stCondLst>
+                                  <p:childTnLst>
+                                    <p:set>
+                                      <p:cBhvr>
+                                        <p:cTn id="30" dur="1" fill="hold">
+                                          <p:stCondLst>
+                                            <p:cond delay="0"/>
+                                          </p:stCondLst>
+                                        </p:cTn>
+                                        <p:tgtEl>
+                                          <p:spTgt spid="29"/>
+                                        </p:tgtEl>
+                                        <p:attrNameLst>
+                                          <p:attrName>style.visibility</p:attrName>
+                                        </p:attrNameLst>
+                                      </p:cBhvr>
+                                      <p:to>
+                                        <p:strVal val="visible"/>
+                                      </p:to>
+                                    </p:set>
+                                    <p:animEffect transition="in" filter="fade">
+                                      <p:cBhvr>
+                                        <p:cTn id="31" dur="500"/>
+                                        <p:tgtEl>
+                                          <p:spTgt spid="29"/>
+                                        </p:tgtEl>
+                                      </p:cBhvr>
+                                    </p:animEffect>
+                                  </p:childTnLst>
+                                </p:cTn>
+                              </p:par>
+                            </p:childTnLst>
+                          </p:cTn>
+                        </p:par>
+                      </p:childTnLst>
+                    </p:cTn>
+                  </p:par>
+                  <p:par>
+                    <p:cTn id="32" fill="hold">
+                      <p:stCondLst>
+                        <p:cond delay="indefinite"/>
+                      </p:stCondLst>
+                      <p:childTnLst>
+                        <p:par>
+                          <p:cTn id="33" fill="hold">
+                            <p:stCondLst>
+                              <p:cond delay="0"/>
+                            </p:stCondLst>
+                            <p:childTnLst>
+                              <p:par>
+                                <p:cTn id="34" presetID="10" presetClass="entr" presetSubtype="0" fill="hold" grpId="0" nodeType="clickEffect">
+                                  <p:stCondLst>
+                                    <p:cond delay="0"/>
+                                  </p:stCondLst>
+                                  <p:childTnLst>
+                                    <p:set>
+                                      <p:cBhvr>
+                                        <p:cTn id="35" dur="1" fill="hold">
+                                          <p:stCondLst>
+                                            <p:cond delay="0"/>
+                                          </p:stCondLst>
+                                        </p:cTn>
+                                        <p:tgtEl>
+                                          <p:spTgt spid="23"/>
+                                        </p:tgtEl>
+                                        <p:attrNameLst>
+                                          <p:attrName>style.visibility</p:attrName>
+                                        </p:attrNameLst>
+                                      </p:cBhvr>
+                                      <p:to>
+                                        <p:strVal val="visible"/>
+                                      </p:to>
+                                    </p:set>
+                                    <p:animEffect transition="in" filter="fade">
+                                      <p:cBhvr>
+                                        <p:cTn id="36" dur="500"/>
+                                        <p:tgtEl>
+                                          <p:spTgt spid="23"/>
+                                        </p:tgtEl>
+                                      </p:cBhvr>
+                                    </p:animEffect>
+                                  </p:childTnLst>
+                                </p:cTn>
+                              </p:par>
+                              <p:par>
+                                <p:cTn id="37" presetID="10" presetClass="entr" presetSubtype="0" fill="hold" nodeType="withEffect">
+                                  <p:stCondLst>
+                                    <p:cond delay="0"/>
+                                  </p:stCondLst>
+                                  <p:childTnLst>
+                                    <p:set>
+                                      <p:cBhvr>
+                                        <p:cTn id="38" dur="1" fill="hold">
+                                          <p:stCondLst>
+                                            <p:cond delay="0"/>
+                                          </p:stCondLst>
+                                        </p:cTn>
+                                        <p:tgtEl>
+                                          <p:spTgt spid="34"/>
+                                        </p:tgtEl>
+                                        <p:attrNameLst>
+                                          <p:attrName>style.visibility</p:attrName>
+                                        </p:attrNameLst>
+                                      </p:cBhvr>
+                                      <p:to>
+                                        <p:strVal val="visible"/>
+                                      </p:to>
+                                    </p:set>
+                                    <p:animEffect transition="in" filter="fade">
+                                      <p:cBhvr>
+                                        <p:cTn id="39" dur="500"/>
+                                        <p:tgtEl>
+                                          <p:spTgt spid="34"/>
+                                        </p:tgtEl>
+                                      </p:cBhvr>
+                                    </p:animEffect>
+                                  </p:childTnLst>
+                                </p:cTn>
+                              </p:par>
+                              <p:par>
+                                <p:cTn id="40" presetID="10" presetClass="entr" presetSubtype="0" fill="hold" nodeType="withEffect">
+                                  <p:stCondLst>
+                                    <p:cond delay="0"/>
+                                  </p:stCondLst>
+                                  <p:childTnLst>
+                                    <p:set>
+                                      <p:cBhvr>
+                                        <p:cTn id="41" dur="1" fill="hold">
+                                          <p:stCondLst>
+                                            <p:cond delay="0"/>
+                                          </p:stCondLst>
+                                        </p:cTn>
+                                        <p:tgtEl>
+                                          <p:spTgt spid="36"/>
+                                        </p:tgtEl>
+                                        <p:attrNameLst>
+                                          <p:attrName>style.visibility</p:attrName>
+                                        </p:attrNameLst>
+                                      </p:cBhvr>
+                                      <p:to>
+                                        <p:strVal val="visible"/>
+                                      </p:to>
+                                    </p:set>
+                                    <p:animEffect transition="in" filter="fade">
+                                      <p:cBhvr>
+                                        <p:cTn id="42" dur="500"/>
+                                        <p:tgtEl>
+                                          <p:spTgt spid="36"/>
+                                        </p:tgtEl>
+                                      </p:cBhvr>
+                                    </p:animEffect>
+                                  </p:childTnLst>
+                                </p:cTn>
+                              </p:par>
+                              <p:par>
+                                <p:cTn id="43" presetID="10" presetClass="entr" presetSubtype="0" fill="hold" nodeType="withEffect">
+                                  <p:stCondLst>
+                                    <p:cond delay="0"/>
+                                  </p:stCondLst>
+                                  <p:childTnLst>
+                                    <p:set>
+                                      <p:cBhvr>
+                                        <p:cTn id="44" dur="1" fill="hold">
+                                          <p:stCondLst>
+                                            <p:cond delay="0"/>
+                                          </p:stCondLst>
+                                        </p:cTn>
+                                        <p:tgtEl>
+                                          <p:spTgt spid="38"/>
+                                        </p:tgtEl>
+                                        <p:attrNameLst>
+                                          <p:attrName>style.visibility</p:attrName>
+                                        </p:attrNameLst>
+                                      </p:cBhvr>
+                                      <p:to>
+                                        <p:strVal val="visible"/>
+                                      </p:to>
+                                    </p:set>
+                                    <p:animEffect transition="in" filter="fade">
+                                      <p:cBhvr>
+                                        <p:cTn id="45" dur="500"/>
+                                        <p:tgtEl>
+                                          <p:spTgt spid="38"/>
+                                        </p:tgtEl>
+                                      </p:cBhvr>
+                                    </p:animEffect>
+                                  </p:childTnLst>
+                                </p:cTn>
+                              </p:par>
+                              <p:par>
+                                <p:cTn id="46" presetID="10" presetClass="entr" presetSubtype="0" fill="hold" nodeType="withEffect">
+                                  <p:stCondLst>
+                                    <p:cond delay="0"/>
+                                  </p:stCondLst>
+                                  <p:childTnLst>
+                                    <p:set>
+                                      <p:cBhvr>
+                                        <p:cTn id="47" dur="1" fill="hold">
+                                          <p:stCondLst>
+                                            <p:cond delay="0"/>
+                                          </p:stCondLst>
+                                        </p:cTn>
+                                        <p:tgtEl>
+                                          <p:spTgt spid="32"/>
+                                        </p:tgtEl>
+                                        <p:attrNameLst>
+                                          <p:attrName>style.visibility</p:attrName>
+                                        </p:attrNameLst>
+                                      </p:cBhvr>
+                                      <p:to>
+                                        <p:strVal val="visible"/>
+                                      </p:to>
+                                    </p:set>
+                                    <p:animEffect transition="in" filter="fade">
+                                      <p:cBhvr>
+                                        <p:cTn id="48" dur="500"/>
+                                        <p:tgtEl>
+                                          <p:spTgt spid="32"/>
+                                        </p:tgtEl>
+                                      </p:cBhvr>
+                                    </p:animEffect>
+                                  </p:childTnLst>
+                                </p:cTn>
+                              </p:par>
+                            </p:childTnLst>
+                          </p:cTn>
+                        </p:par>
+                      </p:childTnLst>
+                    </p:cTn>
+                  </p:par>
+                  <p:par>
+                    <p:cTn id="49" fill="hold">
+                      <p:stCondLst>
+                        <p:cond delay="indefinite"/>
+                      </p:stCondLst>
+                      <p:childTnLst>
+                        <p:par>
+                          <p:cTn id="50" fill="hold">
+                            <p:stCondLst>
+                              <p:cond delay="0"/>
+                            </p:stCondLst>
+                            <p:childTnLst>
+                              <p:par>
+                                <p:cTn id="51" presetID="10" presetClass="entr" presetSubtype="0" fill="hold" grpId="0" nodeType="clickEffect">
+                                  <p:stCondLst>
+                                    <p:cond delay="0"/>
+                                  </p:stCondLst>
+                                  <p:childTnLst>
+                                    <p:set>
+                                      <p:cBhvr>
+                                        <p:cTn id="52" dur="1" fill="hold">
+                                          <p:stCondLst>
+                                            <p:cond delay="0"/>
+                                          </p:stCondLst>
+                                        </p:cTn>
+                                        <p:tgtEl>
+                                          <p:spTgt spid="44"/>
+                                        </p:tgtEl>
+                                        <p:attrNameLst>
+                                          <p:attrName>style.visibility</p:attrName>
+                                        </p:attrNameLst>
+                                      </p:cBhvr>
+                                      <p:to>
+                                        <p:strVal val="visible"/>
+                                      </p:to>
+                                    </p:set>
+                                    <p:animEffect transition="in" filter="fade">
+                                      <p:cBhvr>
+                                        <p:cTn id="53" dur="500"/>
+                                        <p:tgtEl>
+                                          <p:spTgt spid="44"/>
+                                        </p:tgtEl>
+                                      </p:cBhvr>
+                                    </p:animEffect>
+                                  </p:childTnLst>
+                                </p:cTn>
+                              </p:par>
+                            </p:childTnLst>
+                          </p:cTn>
+                        </p:par>
+                      </p:childTnLst>
+                    </p:cTn>
+                  </p:par>
+                  <p:par>
+                    <p:cTn id="54" fill="hold">
+                      <p:stCondLst>
+                        <p:cond delay="indefinite"/>
+                      </p:stCondLst>
+                      <p:childTnLst>
+                        <p:par>
+                          <p:cTn id="55" fill="hold">
+                            <p:stCondLst>
+                              <p:cond delay="0"/>
+                            </p:stCondLst>
+                            <p:childTnLst>
+                              <p:par>
+                                <p:cTn id="56" presetID="10" presetClass="entr" presetSubtype="0" fill="hold" grpId="0" nodeType="clickEffect">
+                                  <p:stCondLst>
+                                    <p:cond delay="0"/>
+                                  </p:stCondLst>
+                                  <p:childTnLst>
+                                    <p:set>
+                                      <p:cBhvr>
+                                        <p:cTn id="57" dur="1" fill="hold">
+                                          <p:stCondLst>
+                                            <p:cond delay="0"/>
+                                          </p:stCondLst>
+                                        </p:cTn>
+                                        <p:tgtEl>
+                                          <p:spTgt spid="40"/>
+                                        </p:tgtEl>
+                                        <p:attrNameLst>
+                                          <p:attrName>style.visibility</p:attrName>
+                                        </p:attrNameLst>
+                                      </p:cBhvr>
+                                      <p:to>
+                                        <p:strVal val="visible"/>
+                                      </p:to>
+                                    </p:set>
+                                    <p:animEffect transition="in" filter="fade">
+                                      <p:cBhvr>
+                                        <p:cTn id="58" dur="500"/>
+                                        <p:tgtEl>
+                                          <p:spTgt spid="40"/>
+                                        </p:tgtEl>
+                                      </p:cBhvr>
+                                    </p:animEffect>
+                                  </p:childTnLst>
+                                </p:cTn>
+                              </p:par>
+                            </p:childTnLst>
+                          </p:cTn>
+                        </p:par>
+                      </p:childTnLst>
+                    </p:cTn>
+                  </p:par>
+                </p:childTnLst>
+              </p:cTn>
+              <p:prevCondLst>
+                <p:cond evt="onPrev" delay="0">
+                  <p:tgtEl>
+                    <p:sldTgt/>
+                  </p:tgtEl>
+                </p:cond>
+              </p:prevCondLst>
+              <p:nextCondLst>
+                <p:cond evt="onNext" delay="0">
+                  <p:tgtEl>
+                    <p:sldTgt/>
+                  </p:tgtEl>
+                </p:cond>
+              </p:nextCondLst>
+            </p:seq>
+          </p:childTnLst>
+        </p:cTn>
+      </p:par>
+    </p:tnLst>
+    <p:bldLst>
+      <p:bldP spid="22" grpId="0" animBg="1"/>
+      <p:bldP spid="23" grpId="0" animBg="1"/>
+      <p:bldP spid="24" grpId="0" animBg="1"/>
+      <p:bldP spid="28" grpId="0" animBg="1"/>
+      <p:bldP spid="29" grpId="0" animBg="1"/>
+      <p:bldP spid="30" grpId="0" animBg="1"/>
+      <p:bldP spid="40" grpId="0"/>
+      <p:bldP spid="44" grpId="0"/>
+    </p:bldLst>
+  </p:timing>
 </p:sld>
 </file>
 
@@ -41299,6 +41950,13 @@
   <p:clrMapOvr>
     <a:masterClrMapping/>
   </p:clrMapOvr>
+  <p:timing>
+    <p:tnLst>
+      <p:par>
+        <p:cTn id="1" dur="indefinite" restart="never" nodeType="tmRoot"/>
+      </p:par>
+    </p:tnLst>
+  </p:timing>
 </p:sld>
 </file>
 
@@ -42094,6 +42752,201 @@
           </a:p>
         </p:txBody>
       </p:sp>
+      <p:grpSp>
+        <p:nvGrpSpPr>
+          <p:cNvPr id="6" name="Group 5"/>
+          <p:cNvGrpSpPr/>
+          <p:nvPr/>
+        </p:nvGrpSpPr>
+        <p:grpSpPr>
+          <a:xfrm>
+            <a:off x="4542978" y="2662283"/>
+            <a:ext cx="2519129" cy="3494312"/>
+            <a:chOff x="4542978" y="2662283"/>
+            <a:chExt cx="2519129" cy="3494312"/>
+          </a:xfrm>
+        </p:grpSpPr>
+        <p:sp>
+          <p:nvSpPr>
+            <p:cNvPr id="4" name="Rectangle 3"/>
+            <p:cNvSpPr/>
+            <p:nvPr/>
+          </p:nvSpPr>
+          <p:spPr>
+            <a:xfrm>
+              <a:off x="4555672" y="2662283"/>
+              <a:ext cx="2506434" cy="359228"/>
+            </a:xfrm>
+            <a:prstGeom prst="rect">
+              <a:avLst/>
+            </a:prstGeom>
+          </p:spPr>
+          <p:style>
+            <a:lnRef idx="2">
+              <a:schemeClr val="accent1">
+                <a:shade val="50000"/>
+              </a:schemeClr>
+            </a:lnRef>
+            <a:fillRef idx="1">
+              <a:schemeClr val="accent1"/>
+            </a:fillRef>
+            <a:effectRef idx="0">
+              <a:schemeClr val="accent1"/>
+            </a:effectRef>
+            <a:fontRef idx="minor">
+              <a:schemeClr val="lt1"/>
+            </a:fontRef>
+          </p:style>
+          <p:txBody>
+            <a:bodyPr rtlCol="0" anchor="ctr"/>
+            <a:lstStyle/>
+            <a:p>
+              <a:pPr algn="ctr"/>
+              <a:r>
+                <a:rPr lang="en-US" dirty="0" smtClean="0"/>
+                <a:t>Order entity</a:t>
+              </a:r>
+              <a:endParaRPr lang="en-US" dirty="0"/>
+            </a:p>
+          </p:txBody>
+        </p:sp>
+        <p:sp>
+          <p:nvSpPr>
+            <p:cNvPr id="7" name="Rectangle 6"/>
+            <p:cNvSpPr/>
+            <p:nvPr/>
+          </p:nvSpPr>
+          <p:spPr>
+            <a:xfrm>
+              <a:off x="4555671" y="3143974"/>
+              <a:ext cx="2506435" cy="1445079"/>
+            </a:xfrm>
+            <a:prstGeom prst="rect">
+              <a:avLst/>
+            </a:prstGeom>
+          </p:spPr>
+          <p:style>
+            <a:lnRef idx="2">
+              <a:schemeClr val="accent1">
+                <a:shade val="50000"/>
+              </a:schemeClr>
+            </a:lnRef>
+            <a:fillRef idx="1">
+              <a:schemeClr val="accent1"/>
+            </a:fillRef>
+            <a:effectRef idx="0">
+              <a:schemeClr val="accent1"/>
+            </a:effectRef>
+            <a:fontRef idx="minor">
+              <a:schemeClr val="lt1"/>
+            </a:fontRef>
+          </p:style>
+          <p:txBody>
+            <a:bodyPr rtlCol="0" anchor="ctr"/>
+            <a:lstStyle/>
+            <a:p>
+              <a:r>
+                <a:rPr lang="en-US" b="1" dirty="0" smtClean="0"/>
+                <a:t>Attributes</a:t>
+              </a:r>
+            </a:p>
+            <a:p>
+              <a:r>
+                <a:rPr lang="en-US" dirty="0" smtClean="0"/>
+                <a:t>ID</a:t>
+              </a:r>
+            </a:p>
+            <a:p>
+              <a:r>
+                <a:rPr lang="en-US" dirty="0" smtClean="0"/>
+                <a:t>Name</a:t>
+              </a:r>
+            </a:p>
+            <a:p>
+              <a:r>
+                <a:rPr lang="en-US" dirty="0" smtClean="0"/>
+                <a:t>Address</a:t>
+              </a:r>
+            </a:p>
+            <a:p>
+              <a:r>
+                <a:rPr lang="en-US" dirty="0" err="1" smtClean="0"/>
+                <a:t>OrderItem</a:t>
+              </a:r>
+              <a:r>
+                <a:rPr lang="en-US" dirty="0" err="1"/>
+                <a:t>s</a:t>
+              </a:r>
+              <a:endParaRPr lang="en-US" dirty="0"/>
+            </a:p>
+          </p:txBody>
+        </p:sp>
+        <p:sp>
+          <p:nvSpPr>
+            <p:cNvPr id="8" name="Rectangle 7"/>
+            <p:cNvSpPr/>
+            <p:nvPr/>
+          </p:nvSpPr>
+          <p:spPr>
+            <a:xfrm>
+              <a:off x="4542978" y="4711516"/>
+              <a:ext cx="2519129" cy="1445079"/>
+            </a:xfrm>
+            <a:prstGeom prst="rect">
+              <a:avLst/>
+            </a:prstGeom>
+          </p:spPr>
+          <p:style>
+            <a:lnRef idx="2">
+              <a:schemeClr val="accent1">
+                <a:shade val="50000"/>
+              </a:schemeClr>
+            </a:lnRef>
+            <a:fillRef idx="1">
+              <a:schemeClr val="accent1"/>
+            </a:fillRef>
+            <a:effectRef idx="0">
+              <a:schemeClr val="accent1"/>
+            </a:effectRef>
+            <a:fontRef idx="minor">
+              <a:schemeClr val="lt1"/>
+            </a:fontRef>
+          </p:style>
+          <p:txBody>
+            <a:bodyPr rtlCol="0" anchor="ctr"/>
+            <a:lstStyle/>
+            <a:p>
+              <a:r>
+                <a:rPr lang="en-US" b="1" dirty="0" smtClean="0"/>
+                <a:t>Methods</a:t>
+              </a:r>
+            </a:p>
+            <a:p>
+              <a:r>
+                <a:rPr lang="en-US" dirty="0" smtClean="0"/>
+                <a:t>Order()</a:t>
+              </a:r>
+            </a:p>
+            <a:p>
+              <a:r>
+                <a:rPr lang="en-US" dirty="0" err="1" smtClean="0"/>
+                <a:t>AddOrderItems</a:t>
+              </a:r>
+              <a:r>
+                <a:rPr lang="en-US" dirty="0" smtClean="0"/>
+                <a:t>(items)</a:t>
+              </a:r>
+            </a:p>
+            <a:p>
+              <a:r>
+                <a:rPr lang="en-US" dirty="0" err="1" smtClean="0"/>
+                <a:t>SetAddress</a:t>
+              </a:r>
+              <a:endParaRPr lang="en-US" dirty="0"/>
+            </a:p>
+          </p:txBody>
+        </p:sp>
+      </p:grpSp>
     </p:spTree>
     <p:extLst>
       <p:ext uri="{BB962C8B-B14F-4D97-AF65-F5344CB8AC3E}">
@@ -42104,6 +42957,272 @@
   <p:clrMapOvr>
     <a:masterClrMapping/>
   </p:clrMapOvr>
+  <p:timing>
+    <p:tnLst>
+      <p:par>
+        <p:cTn id="1" dur="indefinite" restart="never" nodeType="tmRoot">
+          <p:childTnLst>
+            <p:seq concurrent="1" nextAc="seek">
+              <p:cTn id="2" dur="indefinite" nodeType="mainSeq">
+                <p:childTnLst>
+                  <p:par>
+                    <p:cTn id="3" fill="hold">
+                      <p:stCondLst>
+                        <p:cond delay="indefinite"/>
+                      </p:stCondLst>
+                      <p:childTnLst>
+                        <p:par>
+                          <p:cTn id="4" fill="hold">
+                            <p:stCondLst>
+                              <p:cond delay="0"/>
+                            </p:stCondLst>
+                            <p:childTnLst>
+                              <p:par>
+                                <p:cTn id="5" presetID="10" presetClass="entr" presetSubtype="0" fill="hold" nodeType="clickEffect">
+                                  <p:stCondLst>
+                                    <p:cond delay="0"/>
+                                  </p:stCondLst>
+                                  <p:childTnLst>
+                                    <p:set>
+                                      <p:cBhvr>
+                                        <p:cTn id="6" dur="1" fill="hold">
+                                          <p:stCondLst>
+                                            <p:cond delay="0"/>
+                                          </p:stCondLst>
+                                        </p:cTn>
+                                        <p:tgtEl>
+                                          <p:spTgt spid="39">
+                                            <p:txEl>
+                                              <p:pRg st="0" end="0"/>
+                                            </p:txEl>
+                                          </p:spTgt>
+                                        </p:tgtEl>
+                                        <p:attrNameLst>
+                                          <p:attrName>style.visibility</p:attrName>
+                                        </p:attrNameLst>
+                                      </p:cBhvr>
+                                      <p:to>
+                                        <p:strVal val="visible"/>
+                                      </p:to>
+                                    </p:set>
+                                    <p:animEffect transition="in" filter="fade">
+                                      <p:cBhvr>
+                                        <p:cTn id="7" dur="500"/>
+                                        <p:tgtEl>
+                                          <p:spTgt spid="39">
+                                            <p:txEl>
+                                              <p:pRg st="0" end="0"/>
+                                            </p:txEl>
+                                          </p:spTgt>
+                                        </p:tgtEl>
+                                      </p:cBhvr>
+                                    </p:animEffect>
+                                  </p:childTnLst>
+                                </p:cTn>
+                              </p:par>
+                            </p:childTnLst>
+                          </p:cTn>
+                        </p:par>
+                      </p:childTnLst>
+                    </p:cTn>
+                  </p:par>
+                  <p:par>
+                    <p:cTn id="8" fill="hold">
+                      <p:stCondLst>
+                        <p:cond delay="indefinite"/>
+                      </p:stCondLst>
+                      <p:childTnLst>
+                        <p:par>
+                          <p:cTn id="9" fill="hold">
+                            <p:stCondLst>
+                              <p:cond delay="0"/>
+                            </p:stCondLst>
+                            <p:childTnLst>
+                              <p:par>
+                                <p:cTn id="10" presetID="10" presetClass="entr" presetSubtype="0" fill="hold" nodeType="clickEffect">
+                                  <p:stCondLst>
+                                    <p:cond delay="0"/>
+                                  </p:stCondLst>
+                                  <p:childTnLst>
+                                    <p:set>
+                                      <p:cBhvr>
+                                        <p:cTn id="11" dur="1" fill="hold">
+                                          <p:stCondLst>
+                                            <p:cond delay="0"/>
+                                          </p:stCondLst>
+                                        </p:cTn>
+                                        <p:tgtEl>
+                                          <p:spTgt spid="39">
+                                            <p:txEl>
+                                              <p:pRg st="1" end="1"/>
+                                            </p:txEl>
+                                          </p:spTgt>
+                                        </p:tgtEl>
+                                        <p:attrNameLst>
+                                          <p:attrName>style.visibility</p:attrName>
+                                        </p:attrNameLst>
+                                      </p:cBhvr>
+                                      <p:to>
+                                        <p:strVal val="visible"/>
+                                      </p:to>
+                                    </p:set>
+                                    <p:animEffect transition="in" filter="fade">
+                                      <p:cBhvr>
+                                        <p:cTn id="12" dur="500"/>
+                                        <p:tgtEl>
+                                          <p:spTgt spid="39">
+                                            <p:txEl>
+                                              <p:pRg st="1" end="1"/>
+                                            </p:txEl>
+                                          </p:spTgt>
+                                        </p:tgtEl>
+                                      </p:cBhvr>
+                                    </p:animEffect>
+                                  </p:childTnLst>
+                                </p:cTn>
+                              </p:par>
+                            </p:childTnLst>
+                          </p:cTn>
+                        </p:par>
+                      </p:childTnLst>
+                    </p:cTn>
+                  </p:par>
+                  <p:par>
+                    <p:cTn id="13" fill="hold">
+                      <p:stCondLst>
+                        <p:cond delay="indefinite"/>
+                      </p:stCondLst>
+                      <p:childTnLst>
+                        <p:par>
+                          <p:cTn id="14" fill="hold">
+                            <p:stCondLst>
+                              <p:cond delay="0"/>
+                            </p:stCondLst>
+                            <p:childTnLst>
+                              <p:par>
+                                <p:cTn id="15" presetID="10" presetClass="entr" presetSubtype="0" fill="hold" nodeType="clickEffect">
+                                  <p:stCondLst>
+                                    <p:cond delay="0"/>
+                                  </p:stCondLst>
+                                  <p:childTnLst>
+                                    <p:set>
+                                      <p:cBhvr>
+                                        <p:cTn id="16" dur="1" fill="hold">
+                                          <p:stCondLst>
+                                            <p:cond delay="0"/>
+                                          </p:stCondLst>
+                                        </p:cTn>
+                                        <p:tgtEl>
+                                          <p:spTgt spid="39">
+                                            <p:txEl>
+                                              <p:pRg st="2" end="2"/>
+                                            </p:txEl>
+                                          </p:spTgt>
+                                        </p:tgtEl>
+                                        <p:attrNameLst>
+                                          <p:attrName>style.visibility</p:attrName>
+                                        </p:attrNameLst>
+                                      </p:cBhvr>
+                                      <p:to>
+                                        <p:strVal val="visible"/>
+                                      </p:to>
+                                    </p:set>
+                                    <p:animEffect transition="in" filter="fade">
+                                      <p:cBhvr>
+                                        <p:cTn id="17" dur="500"/>
+                                        <p:tgtEl>
+                                          <p:spTgt spid="39">
+                                            <p:txEl>
+                                              <p:pRg st="2" end="2"/>
+                                            </p:txEl>
+                                          </p:spTgt>
+                                        </p:tgtEl>
+                                      </p:cBhvr>
+                                    </p:animEffect>
+                                  </p:childTnLst>
+                                </p:cTn>
+                              </p:par>
+                            </p:childTnLst>
+                          </p:cTn>
+                        </p:par>
+                      </p:childTnLst>
+                    </p:cTn>
+                  </p:par>
+                  <p:par>
+                    <p:cTn id="18" fill="hold">
+                      <p:stCondLst>
+                        <p:cond delay="indefinite"/>
+                      </p:stCondLst>
+                      <p:childTnLst>
+                        <p:par>
+                          <p:cTn id="19" fill="hold">
+                            <p:stCondLst>
+                              <p:cond delay="0"/>
+                            </p:stCondLst>
+                            <p:childTnLst>
+                              <p:par>
+                                <p:cTn id="20" presetID="10" presetClass="entr" presetSubtype="0" fill="hold" nodeType="clickEffect">
+                                  <p:stCondLst>
+                                    <p:cond delay="0"/>
+                                  </p:stCondLst>
+                                  <p:childTnLst>
+                                    <p:set>
+                                      <p:cBhvr>
+                                        <p:cTn id="21" dur="1" fill="hold">
+                                          <p:stCondLst>
+                                            <p:cond delay="0"/>
+                                          </p:stCondLst>
+                                        </p:cTn>
+                                        <p:tgtEl>
+                                          <p:spTgt spid="6"/>
+                                        </p:tgtEl>
+                                        <p:attrNameLst>
+                                          <p:attrName>style.visibility</p:attrName>
+                                        </p:attrNameLst>
+                                      </p:cBhvr>
+                                      <p:to>
+                                        <p:strVal val="visible"/>
+                                      </p:to>
+                                    </p:set>
+                                    <p:animEffect transition="in" filter="fade">
+                                      <p:cBhvr>
+                                        <p:cTn id="22" dur="500"/>
+                                        <p:tgtEl>
+                                          <p:spTgt spid="6"/>
+                                        </p:tgtEl>
+                                      </p:cBhvr>
+                                    </p:animEffect>
+                                  </p:childTnLst>
+                                </p:cTn>
+                              </p:par>
+                            </p:childTnLst>
+                          </p:cTn>
+                        </p:par>
+                      </p:childTnLst>
+                    </p:cTn>
+                  </p:par>
+                </p:childTnLst>
+              </p:cTn>
+              <p:prevCondLst>
+                <p:cond evt="onPrev" delay="0">
+                  <p:tgtEl>
+                    <p:sldTgt/>
+                  </p:tgtEl>
+                </p:cond>
+              </p:prevCondLst>
+              <p:nextCondLst>
+                <p:cond evt="onNext" delay="0">
+                  <p:tgtEl>
+                    <p:sldTgt/>
+                  </p:tgtEl>
+                </p:cond>
+              </p:nextCondLst>
+            </p:seq>
+          </p:childTnLst>
+        </p:cTn>
+      </p:par>
+    </p:tnLst>
+  </p:timing>
 </p:sld>
 </file>
 
